--- a/sample_maps.pptx
+++ b/sample_maps.pptx
@@ -6,6 +6,9 @@
   </p:sldMasterIdLst>
   <p:sldIdLst>
     <p:sldId id="256" r:id="rId2"/>
+    <p:sldId id="257" r:id="rId3"/>
+    <p:sldId id="258" r:id="rId4"/>
+    <p:sldId id="259" r:id="rId5"/>
   </p:sldIdLst>
   <p:sldSz cx="12192000" cy="6858000"/>
   <p:notesSz cx="6858000" cy="9144000"/>
@@ -104,6 +107,11 @@
       </a:defRPr>
     </a:lvl9pPr>
   </p:defaultTextStyle>
+  <p:extLst>
+    <p:ext uri="{EFAFB233-063F-42B5-8137-9DF3F51BA10A}">
+      <p15:sldGuideLst xmlns:p15="http://schemas.microsoft.com/office/powerpoint/2012/main"/>
+    </p:ext>
+  </p:extLst>
 </p:presentation>
 </file>
 
@@ -238,7 +246,7 @@
           <a:p>
             <a:fld id="{1F35354B-CEDA-4122-BD5C-84A48085FB12}" type="datetimeFigureOut">
               <a:rPr lang="nl-NL" smtClean="0"/>
-              <a:t>18-10-2020</a:t>
+              <a:t>24-10-2020</a:t>
             </a:fld>
             <a:endParaRPr lang="nl-NL"/>
           </a:p>
@@ -408,7 +416,7 @@
           <a:p>
             <a:fld id="{1F35354B-CEDA-4122-BD5C-84A48085FB12}" type="datetimeFigureOut">
               <a:rPr lang="nl-NL" smtClean="0"/>
-              <a:t>18-10-2020</a:t>
+              <a:t>24-10-2020</a:t>
             </a:fld>
             <a:endParaRPr lang="nl-NL"/>
           </a:p>
@@ -588,7 +596,7 @@
           <a:p>
             <a:fld id="{1F35354B-CEDA-4122-BD5C-84A48085FB12}" type="datetimeFigureOut">
               <a:rPr lang="nl-NL" smtClean="0"/>
-              <a:t>18-10-2020</a:t>
+              <a:t>24-10-2020</a:t>
             </a:fld>
             <a:endParaRPr lang="nl-NL"/>
           </a:p>
@@ -758,7 +766,7 @@
           <a:p>
             <a:fld id="{1F35354B-CEDA-4122-BD5C-84A48085FB12}" type="datetimeFigureOut">
               <a:rPr lang="nl-NL" smtClean="0"/>
-              <a:t>18-10-2020</a:t>
+              <a:t>24-10-2020</a:t>
             </a:fld>
             <a:endParaRPr lang="nl-NL"/>
           </a:p>
@@ -1004,7 +1012,7 @@
           <a:p>
             <a:fld id="{1F35354B-CEDA-4122-BD5C-84A48085FB12}" type="datetimeFigureOut">
               <a:rPr lang="nl-NL" smtClean="0"/>
-              <a:t>18-10-2020</a:t>
+              <a:t>24-10-2020</a:t>
             </a:fld>
             <a:endParaRPr lang="nl-NL"/>
           </a:p>
@@ -1236,7 +1244,7 @@
           <a:p>
             <a:fld id="{1F35354B-CEDA-4122-BD5C-84A48085FB12}" type="datetimeFigureOut">
               <a:rPr lang="nl-NL" smtClean="0"/>
-              <a:t>18-10-2020</a:t>
+              <a:t>24-10-2020</a:t>
             </a:fld>
             <a:endParaRPr lang="nl-NL"/>
           </a:p>
@@ -1603,7 +1611,7 @@
           <a:p>
             <a:fld id="{1F35354B-CEDA-4122-BD5C-84A48085FB12}" type="datetimeFigureOut">
               <a:rPr lang="nl-NL" smtClean="0"/>
-              <a:t>18-10-2020</a:t>
+              <a:t>24-10-2020</a:t>
             </a:fld>
             <a:endParaRPr lang="nl-NL"/>
           </a:p>
@@ -1721,7 +1729,7 @@
           <a:p>
             <a:fld id="{1F35354B-CEDA-4122-BD5C-84A48085FB12}" type="datetimeFigureOut">
               <a:rPr lang="nl-NL" smtClean="0"/>
-              <a:t>18-10-2020</a:t>
+              <a:t>24-10-2020</a:t>
             </a:fld>
             <a:endParaRPr lang="nl-NL"/>
           </a:p>
@@ -1816,7 +1824,7 @@
           <a:p>
             <a:fld id="{1F35354B-CEDA-4122-BD5C-84A48085FB12}" type="datetimeFigureOut">
               <a:rPr lang="nl-NL" smtClean="0"/>
-              <a:t>18-10-2020</a:t>
+              <a:t>24-10-2020</a:t>
             </a:fld>
             <a:endParaRPr lang="nl-NL"/>
           </a:p>
@@ -2093,7 +2101,7 @@
           <a:p>
             <a:fld id="{1F35354B-CEDA-4122-BD5C-84A48085FB12}" type="datetimeFigureOut">
               <a:rPr lang="nl-NL" smtClean="0"/>
-              <a:t>18-10-2020</a:t>
+              <a:t>24-10-2020</a:t>
             </a:fld>
             <a:endParaRPr lang="nl-NL"/>
           </a:p>
@@ -2346,7 +2354,7 @@
           <a:p>
             <a:fld id="{1F35354B-CEDA-4122-BD5C-84A48085FB12}" type="datetimeFigureOut">
               <a:rPr lang="nl-NL" smtClean="0"/>
-              <a:t>18-10-2020</a:t>
+              <a:t>24-10-2020</a:t>
             </a:fld>
             <a:endParaRPr lang="nl-NL"/>
           </a:p>
@@ -2559,7 +2567,7 @@
           <a:p>
             <a:fld id="{1F35354B-CEDA-4122-BD5C-84A48085FB12}" type="datetimeFigureOut">
               <a:rPr lang="nl-NL" smtClean="0"/>
-              <a:t>18-10-2020</a:t>
+              <a:t>24-10-2020</a:t>
             </a:fld>
             <a:endParaRPr lang="nl-NL"/>
           </a:p>
@@ -3263,6 +3271,1247 @@
 </p:sld>
 </file>
 
+<file path=ppt/slides/slide2.xml><?xml version="1.0" encoding="utf-8"?>
+<p:sld xmlns:a="http://schemas.openxmlformats.org/drawingml/2006/main" xmlns:r="http://schemas.openxmlformats.org/officeDocument/2006/relationships" xmlns:p="http://schemas.openxmlformats.org/presentationml/2006/main">
+  <p:cSld>
+    <p:spTree>
+      <p:nvGrpSpPr>
+        <p:cNvPr id="1" name=""/>
+        <p:cNvGrpSpPr/>
+        <p:nvPr/>
+      </p:nvGrpSpPr>
+      <p:grpSpPr>
+        <a:xfrm>
+          <a:off x="0" y="0"/>
+          <a:ext cx="0" cy="0"/>
+          <a:chOff x="0" y="0"/>
+          <a:chExt cx="0" cy="0"/>
+        </a:xfrm>
+      </p:grpSpPr>
+      <p:sp>
+        <p:nvSpPr>
+          <p:cNvPr id="4" name="Rectangle 3"/>
+          <p:cNvSpPr/>
+          <p:nvPr/>
+        </p:nvSpPr>
+        <p:spPr>
+          <a:xfrm>
+            <a:off x="2909455" y="1828800"/>
+            <a:ext cx="4871258" cy="4438996"/>
+          </a:xfrm>
+          <a:prstGeom prst="rect">
+            <a:avLst/>
+          </a:prstGeom>
+          <a:solidFill>
+            <a:schemeClr val="tx1"/>
+          </a:solidFill>
+          <a:ln>
+            <a:noFill/>
+          </a:ln>
+        </p:spPr>
+        <p:style>
+          <a:lnRef idx="2">
+            <a:schemeClr val="accent1">
+              <a:shade val="50000"/>
+            </a:schemeClr>
+          </a:lnRef>
+          <a:fillRef idx="1">
+            <a:schemeClr val="accent1"/>
+          </a:fillRef>
+          <a:effectRef idx="0">
+            <a:schemeClr val="accent1"/>
+          </a:effectRef>
+          <a:fontRef idx="minor">
+            <a:schemeClr val="lt1"/>
+          </a:fontRef>
+        </p:style>
+        <p:txBody>
+          <a:bodyPr rtlCol="0" anchor="ctr"/>
+          <a:lstStyle/>
+          <a:p>
+            <a:pPr algn="ctr"/>
+            <a:endParaRPr lang="nl-NL"/>
+          </a:p>
+        </p:txBody>
+      </p:sp>
+      <p:cxnSp>
+        <p:nvCxnSpPr>
+          <p:cNvPr id="11" name="Straight Connector 10"/>
+          <p:cNvCxnSpPr/>
+          <p:nvPr/>
+        </p:nvCxnSpPr>
+        <p:spPr>
+          <a:xfrm>
+            <a:off x="3566160" y="2360814"/>
+            <a:ext cx="2219497" cy="0"/>
+          </a:xfrm>
+          <a:prstGeom prst="line">
+            <a:avLst/>
+          </a:prstGeom>
+          <a:ln>
+            <a:solidFill>
+              <a:schemeClr val="bg1"/>
+            </a:solidFill>
+          </a:ln>
+        </p:spPr>
+        <p:style>
+          <a:lnRef idx="1">
+            <a:schemeClr val="accent1"/>
+          </a:lnRef>
+          <a:fillRef idx="0">
+            <a:schemeClr val="accent1"/>
+          </a:fillRef>
+          <a:effectRef idx="0">
+            <a:schemeClr val="accent1"/>
+          </a:effectRef>
+          <a:fontRef idx="minor">
+            <a:schemeClr val="tx1"/>
+          </a:fontRef>
+        </p:style>
+      </p:cxnSp>
+      <p:cxnSp>
+        <p:nvCxnSpPr>
+          <p:cNvPr id="13" name="Straight Connector 12"/>
+          <p:cNvCxnSpPr/>
+          <p:nvPr/>
+        </p:nvCxnSpPr>
+        <p:spPr>
+          <a:xfrm>
+            <a:off x="5785657" y="2360814"/>
+            <a:ext cx="0" cy="2219498"/>
+          </a:xfrm>
+          <a:prstGeom prst="line">
+            <a:avLst/>
+          </a:prstGeom>
+          <a:ln>
+            <a:solidFill>
+              <a:schemeClr val="bg1"/>
+            </a:solidFill>
+          </a:ln>
+        </p:spPr>
+        <p:style>
+          <a:lnRef idx="1">
+            <a:schemeClr val="accent1"/>
+          </a:lnRef>
+          <a:fillRef idx="0">
+            <a:schemeClr val="accent1"/>
+          </a:fillRef>
+          <a:effectRef idx="0">
+            <a:schemeClr val="accent1"/>
+          </a:effectRef>
+          <a:fontRef idx="minor">
+            <a:schemeClr val="tx1"/>
+          </a:fontRef>
+        </p:style>
+      </p:cxnSp>
+      <p:cxnSp>
+        <p:nvCxnSpPr>
+          <p:cNvPr id="15" name="Straight Connector 14"/>
+          <p:cNvCxnSpPr/>
+          <p:nvPr/>
+        </p:nvCxnSpPr>
+        <p:spPr>
+          <a:xfrm>
+            <a:off x="5785657" y="4580312"/>
+            <a:ext cx="1221972" cy="0"/>
+          </a:xfrm>
+          <a:prstGeom prst="line">
+            <a:avLst/>
+          </a:prstGeom>
+          <a:ln>
+            <a:solidFill>
+              <a:schemeClr val="bg1"/>
+            </a:solidFill>
+          </a:ln>
+        </p:spPr>
+        <p:style>
+          <a:lnRef idx="1">
+            <a:schemeClr val="accent1"/>
+          </a:lnRef>
+          <a:fillRef idx="0">
+            <a:schemeClr val="accent1"/>
+          </a:fillRef>
+          <a:effectRef idx="0">
+            <a:schemeClr val="accent1"/>
+          </a:effectRef>
+          <a:fontRef idx="minor">
+            <a:schemeClr val="tx1"/>
+          </a:fontRef>
+        </p:style>
+      </p:cxnSp>
+      <p:cxnSp>
+        <p:nvCxnSpPr>
+          <p:cNvPr id="17" name="Straight Connector 16"/>
+          <p:cNvCxnSpPr/>
+          <p:nvPr/>
+        </p:nvCxnSpPr>
+        <p:spPr>
+          <a:xfrm>
+            <a:off x="7007629" y="4580312"/>
+            <a:ext cx="0" cy="1346663"/>
+          </a:xfrm>
+          <a:prstGeom prst="line">
+            <a:avLst/>
+          </a:prstGeom>
+          <a:ln>
+            <a:solidFill>
+              <a:schemeClr val="bg1"/>
+            </a:solidFill>
+          </a:ln>
+        </p:spPr>
+        <p:style>
+          <a:lnRef idx="1">
+            <a:schemeClr val="accent1"/>
+          </a:lnRef>
+          <a:fillRef idx="0">
+            <a:schemeClr val="accent1"/>
+          </a:fillRef>
+          <a:effectRef idx="0">
+            <a:schemeClr val="accent1"/>
+          </a:effectRef>
+          <a:fontRef idx="minor">
+            <a:schemeClr val="tx1"/>
+          </a:fontRef>
+        </p:style>
+      </p:cxnSp>
+      <p:cxnSp>
+        <p:nvCxnSpPr>
+          <p:cNvPr id="20" name="Straight Connector 19"/>
+          <p:cNvCxnSpPr/>
+          <p:nvPr/>
+        </p:nvCxnSpPr>
+        <p:spPr>
+          <a:xfrm>
+            <a:off x="3566160" y="2360814"/>
+            <a:ext cx="0" cy="2402379"/>
+          </a:xfrm>
+          <a:prstGeom prst="line">
+            <a:avLst/>
+          </a:prstGeom>
+          <a:ln>
+            <a:solidFill>
+              <a:schemeClr val="bg1"/>
+            </a:solidFill>
+          </a:ln>
+        </p:spPr>
+        <p:style>
+          <a:lnRef idx="1">
+            <a:schemeClr val="accent1"/>
+          </a:lnRef>
+          <a:fillRef idx="0">
+            <a:schemeClr val="accent1"/>
+          </a:fillRef>
+          <a:effectRef idx="0">
+            <a:schemeClr val="accent1"/>
+          </a:effectRef>
+          <a:fontRef idx="minor">
+            <a:schemeClr val="tx1"/>
+          </a:fontRef>
+        </p:style>
+      </p:cxnSp>
+      <p:cxnSp>
+        <p:nvCxnSpPr>
+          <p:cNvPr id="8" name="Straight Connector 7"/>
+          <p:cNvCxnSpPr/>
+          <p:nvPr/>
+        </p:nvCxnSpPr>
+        <p:spPr>
+          <a:xfrm>
+            <a:off x="5368212" y="4763193"/>
+            <a:ext cx="0" cy="1163782"/>
+          </a:xfrm>
+          <a:prstGeom prst="line">
+            <a:avLst/>
+          </a:prstGeom>
+          <a:ln>
+            <a:solidFill>
+              <a:schemeClr val="bg1"/>
+            </a:solidFill>
+          </a:ln>
+        </p:spPr>
+        <p:style>
+          <a:lnRef idx="1">
+            <a:schemeClr val="accent1"/>
+          </a:lnRef>
+          <a:fillRef idx="0">
+            <a:schemeClr val="accent1"/>
+          </a:fillRef>
+          <a:effectRef idx="0">
+            <a:schemeClr val="accent1"/>
+          </a:effectRef>
+          <a:fontRef idx="minor">
+            <a:schemeClr val="tx1"/>
+          </a:fontRef>
+        </p:style>
+      </p:cxnSp>
+      <p:cxnSp>
+        <p:nvCxnSpPr>
+          <p:cNvPr id="12" name="Straight Connector 11"/>
+          <p:cNvCxnSpPr/>
+          <p:nvPr/>
+        </p:nvCxnSpPr>
+        <p:spPr>
+          <a:xfrm>
+            <a:off x="5368212" y="5926975"/>
+            <a:ext cx="1639417" cy="0"/>
+          </a:xfrm>
+          <a:prstGeom prst="line">
+            <a:avLst/>
+          </a:prstGeom>
+          <a:ln>
+            <a:solidFill>
+              <a:schemeClr val="bg1"/>
+            </a:solidFill>
+          </a:ln>
+        </p:spPr>
+        <p:style>
+          <a:lnRef idx="1">
+            <a:schemeClr val="accent1"/>
+          </a:lnRef>
+          <a:fillRef idx="0">
+            <a:schemeClr val="accent1"/>
+          </a:fillRef>
+          <a:effectRef idx="0">
+            <a:schemeClr val="accent1"/>
+          </a:effectRef>
+          <a:fontRef idx="minor">
+            <a:schemeClr val="tx1"/>
+          </a:fontRef>
+        </p:style>
+      </p:cxnSp>
+      <p:cxnSp>
+        <p:nvCxnSpPr>
+          <p:cNvPr id="14" name="Straight Connector 13"/>
+          <p:cNvCxnSpPr/>
+          <p:nvPr/>
+        </p:nvCxnSpPr>
+        <p:spPr>
+          <a:xfrm>
+            <a:off x="3566160" y="4763193"/>
+            <a:ext cx="1802052" cy="0"/>
+          </a:xfrm>
+          <a:prstGeom prst="line">
+            <a:avLst/>
+          </a:prstGeom>
+          <a:ln>
+            <a:solidFill>
+              <a:schemeClr val="bg1"/>
+            </a:solidFill>
+          </a:ln>
+        </p:spPr>
+        <p:style>
+          <a:lnRef idx="1">
+            <a:schemeClr val="accent1"/>
+          </a:lnRef>
+          <a:fillRef idx="0">
+            <a:schemeClr val="accent1"/>
+          </a:fillRef>
+          <a:effectRef idx="0">
+            <a:schemeClr val="accent1"/>
+          </a:effectRef>
+          <a:fontRef idx="minor">
+            <a:schemeClr val="tx1"/>
+          </a:fontRef>
+        </p:style>
+      </p:cxnSp>
+      <p:cxnSp>
+        <p:nvCxnSpPr>
+          <p:cNvPr id="21" name="Straight Connector 20"/>
+          <p:cNvCxnSpPr/>
+          <p:nvPr/>
+        </p:nvCxnSpPr>
+        <p:spPr>
+          <a:xfrm>
+            <a:off x="5368212" y="2360814"/>
+            <a:ext cx="0" cy="2402379"/>
+          </a:xfrm>
+          <a:prstGeom prst="line">
+            <a:avLst/>
+          </a:prstGeom>
+          <a:ln>
+            <a:solidFill>
+              <a:schemeClr val="bg1"/>
+            </a:solidFill>
+          </a:ln>
+        </p:spPr>
+        <p:style>
+          <a:lnRef idx="1">
+            <a:schemeClr val="accent1"/>
+          </a:lnRef>
+          <a:fillRef idx="0">
+            <a:schemeClr val="accent1"/>
+          </a:fillRef>
+          <a:effectRef idx="0">
+            <a:schemeClr val="accent1"/>
+          </a:effectRef>
+          <a:fontRef idx="minor">
+            <a:schemeClr val="tx1"/>
+          </a:fontRef>
+        </p:style>
+      </p:cxnSp>
+    </p:spTree>
+    <p:extLst>
+      <p:ext uri="{BB962C8B-B14F-4D97-AF65-F5344CB8AC3E}">
+        <p14:creationId xmlns:p14="http://schemas.microsoft.com/office/powerpoint/2010/main" val="1985817931"/>
+      </p:ext>
+    </p:extLst>
+  </p:cSld>
+  <p:clrMapOvr>
+    <a:masterClrMapping/>
+  </p:clrMapOvr>
+</p:sld>
+</file>
+
+<file path=ppt/slides/slide3.xml><?xml version="1.0" encoding="utf-8"?>
+<p:sld xmlns:a="http://schemas.openxmlformats.org/drawingml/2006/main" xmlns:r="http://schemas.openxmlformats.org/officeDocument/2006/relationships" xmlns:p="http://schemas.openxmlformats.org/presentationml/2006/main">
+  <p:cSld>
+    <p:spTree>
+      <p:nvGrpSpPr>
+        <p:cNvPr id="1" name=""/>
+        <p:cNvGrpSpPr/>
+        <p:nvPr/>
+      </p:nvGrpSpPr>
+      <p:grpSpPr>
+        <a:xfrm>
+          <a:off x="0" y="0"/>
+          <a:ext cx="0" cy="0"/>
+          <a:chOff x="0" y="0"/>
+          <a:chExt cx="0" cy="0"/>
+        </a:xfrm>
+      </p:grpSpPr>
+      <p:sp>
+        <p:nvSpPr>
+          <p:cNvPr id="4" name="Rectangle 3"/>
+          <p:cNvSpPr/>
+          <p:nvPr/>
+        </p:nvSpPr>
+        <p:spPr>
+          <a:xfrm>
+            <a:off x="4153648" y="1763059"/>
+            <a:ext cx="4566023" cy="4350870"/>
+          </a:xfrm>
+          <a:prstGeom prst="rect">
+            <a:avLst/>
+          </a:prstGeom>
+          <a:solidFill>
+            <a:schemeClr val="tx1"/>
+          </a:solidFill>
+          <a:ln>
+            <a:noFill/>
+          </a:ln>
+        </p:spPr>
+        <p:style>
+          <a:lnRef idx="2">
+            <a:schemeClr val="accent1">
+              <a:shade val="50000"/>
+            </a:schemeClr>
+          </a:lnRef>
+          <a:fillRef idx="1">
+            <a:schemeClr val="accent1"/>
+          </a:fillRef>
+          <a:effectRef idx="0">
+            <a:schemeClr val="accent1"/>
+          </a:effectRef>
+          <a:fontRef idx="minor">
+            <a:schemeClr val="lt1"/>
+          </a:fontRef>
+        </p:style>
+        <p:txBody>
+          <a:bodyPr rtlCol="0" anchor="ctr"/>
+          <a:lstStyle/>
+          <a:p>
+            <a:pPr algn="ctr"/>
+            <a:endParaRPr lang="nl-NL"/>
+          </a:p>
+        </p:txBody>
+      </p:sp>
+      <p:sp>
+        <p:nvSpPr>
+          <p:cNvPr id="30" name="Rectangle 29"/>
+          <p:cNvSpPr/>
+          <p:nvPr/>
+        </p:nvSpPr>
+        <p:spPr>
+          <a:xfrm>
+            <a:off x="5504329" y="3155577"/>
+            <a:ext cx="1900518" cy="1583765"/>
+          </a:xfrm>
+          <a:prstGeom prst="rect">
+            <a:avLst/>
+          </a:prstGeom>
+          <a:noFill/>
+          <a:ln w="6350">
+            <a:solidFill>
+              <a:schemeClr val="bg1"/>
+            </a:solidFill>
+          </a:ln>
+        </p:spPr>
+        <p:style>
+          <a:lnRef idx="2">
+            <a:schemeClr val="accent1">
+              <a:shade val="50000"/>
+            </a:schemeClr>
+          </a:lnRef>
+          <a:fillRef idx="1">
+            <a:schemeClr val="accent1"/>
+          </a:fillRef>
+          <a:effectRef idx="0">
+            <a:schemeClr val="accent1"/>
+          </a:effectRef>
+          <a:fontRef idx="minor">
+            <a:schemeClr val="lt1"/>
+          </a:fontRef>
+        </p:style>
+        <p:txBody>
+          <a:bodyPr rtlCol="0" anchor="ctr"/>
+          <a:lstStyle/>
+          <a:p>
+            <a:pPr algn="ctr"/>
+            <a:endParaRPr lang="nl-NL"/>
+          </a:p>
+        </p:txBody>
+      </p:sp>
+      <p:sp>
+        <p:nvSpPr>
+          <p:cNvPr id="31" name="Rectangle 30"/>
+          <p:cNvSpPr/>
+          <p:nvPr/>
+        </p:nvSpPr>
+        <p:spPr>
+          <a:xfrm>
+            <a:off x="5068047" y="2695388"/>
+            <a:ext cx="2794000" cy="2501155"/>
+          </a:xfrm>
+          <a:prstGeom prst="rect">
+            <a:avLst/>
+          </a:prstGeom>
+          <a:noFill/>
+          <a:ln w="6350">
+            <a:solidFill>
+              <a:schemeClr val="bg1"/>
+            </a:solidFill>
+          </a:ln>
+        </p:spPr>
+        <p:style>
+          <a:lnRef idx="2">
+            <a:schemeClr val="accent1">
+              <a:shade val="50000"/>
+            </a:schemeClr>
+          </a:lnRef>
+          <a:fillRef idx="1">
+            <a:schemeClr val="accent1"/>
+          </a:fillRef>
+          <a:effectRef idx="0">
+            <a:schemeClr val="accent1"/>
+          </a:effectRef>
+          <a:fontRef idx="minor">
+            <a:schemeClr val="lt1"/>
+          </a:fontRef>
+        </p:style>
+        <p:txBody>
+          <a:bodyPr rtlCol="0" anchor="ctr"/>
+          <a:lstStyle/>
+          <a:p>
+            <a:pPr algn="ctr"/>
+            <a:endParaRPr lang="nl-NL"/>
+          </a:p>
+        </p:txBody>
+      </p:sp>
+      <p:sp>
+        <p:nvSpPr>
+          <p:cNvPr id="32" name="Rectangle 31"/>
+          <p:cNvSpPr/>
+          <p:nvPr/>
+        </p:nvSpPr>
+        <p:spPr>
+          <a:xfrm>
+            <a:off x="4601882" y="2217271"/>
+            <a:ext cx="3696447" cy="3439461"/>
+          </a:xfrm>
+          <a:prstGeom prst="rect">
+            <a:avLst/>
+          </a:prstGeom>
+          <a:noFill/>
+          <a:ln w="6350">
+            <a:solidFill>
+              <a:schemeClr val="bg1"/>
+            </a:solidFill>
+          </a:ln>
+        </p:spPr>
+        <p:style>
+          <a:lnRef idx="2">
+            <a:schemeClr val="accent1">
+              <a:shade val="50000"/>
+            </a:schemeClr>
+          </a:lnRef>
+          <a:fillRef idx="1">
+            <a:schemeClr val="accent1"/>
+          </a:fillRef>
+          <a:effectRef idx="0">
+            <a:schemeClr val="accent1"/>
+          </a:effectRef>
+          <a:fontRef idx="minor">
+            <a:schemeClr val="lt1"/>
+          </a:fontRef>
+        </p:style>
+        <p:txBody>
+          <a:bodyPr rtlCol="0" anchor="ctr"/>
+          <a:lstStyle/>
+          <a:p>
+            <a:pPr algn="ctr"/>
+            <a:endParaRPr lang="nl-NL"/>
+          </a:p>
+        </p:txBody>
+      </p:sp>
+      <p:cxnSp>
+        <p:nvCxnSpPr>
+          <p:cNvPr id="34" name="Straight Connector 33"/>
+          <p:cNvCxnSpPr/>
+          <p:nvPr/>
+        </p:nvCxnSpPr>
+        <p:spPr>
+          <a:xfrm>
+            <a:off x="6950636" y="2217271"/>
+            <a:ext cx="0" cy="478117"/>
+          </a:xfrm>
+          <a:prstGeom prst="line">
+            <a:avLst/>
+          </a:prstGeom>
+          <a:ln>
+            <a:solidFill>
+              <a:schemeClr val="bg1"/>
+            </a:solidFill>
+          </a:ln>
+        </p:spPr>
+        <p:style>
+          <a:lnRef idx="1">
+            <a:schemeClr val="accent1"/>
+          </a:lnRef>
+          <a:fillRef idx="0">
+            <a:schemeClr val="accent1"/>
+          </a:fillRef>
+          <a:effectRef idx="0">
+            <a:schemeClr val="accent1"/>
+          </a:effectRef>
+          <a:fontRef idx="minor">
+            <a:schemeClr val="tx1"/>
+          </a:fontRef>
+        </p:style>
+      </p:cxnSp>
+      <p:cxnSp>
+        <p:nvCxnSpPr>
+          <p:cNvPr id="35" name="Straight Connector 34"/>
+          <p:cNvCxnSpPr/>
+          <p:nvPr/>
+        </p:nvCxnSpPr>
+        <p:spPr>
+          <a:xfrm>
+            <a:off x="7168777" y="4739342"/>
+            <a:ext cx="8964" cy="457201"/>
+          </a:xfrm>
+          <a:prstGeom prst="line">
+            <a:avLst/>
+          </a:prstGeom>
+          <a:ln>
+            <a:solidFill>
+              <a:schemeClr val="bg1"/>
+            </a:solidFill>
+          </a:ln>
+        </p:spPr>
+        <p:style>
+          <a:lnRef idx="1">
+            <a:schemeClr val="accent1"/>
+          </a:lnRef>
+          <a:fillRef idx="0">
+            <a:schemeClr val="accent1"/>
+          </a:fillRef>
+          <a:effectRef idx="0">
+            <a:schemeClr val="accent1"/>
+          </a:effectRef>
+          <a:fontRef idx="minor">
+            <a:schemeClr val="tx1"/>
+          </a:fontRef>
+        </p:style>
+      </p:cxnSp>
+      <p:cxnSp>
+        <p:nvCxnSpPr>
+          <p:cNvPr id="39" name="Straight Connector 38"/>
+          <p:cNvCxnSpPr/>
+          <p:nvPr/>
+        </p:nvCxnSpPr>
+        <p:spPr>
+          <a:xfrm flipH="1">
+            <a:off x="7404847" y="3346827"/>
+            <a:ext cx="457201" cy="0"/>
+          </a:xfrm>
+          <a:prstGeom prst="line">
+            <a:avLst/>
+          </a:prstGeom>
+          <a:ln>
+            <a:solidFill>
+              <a:schemeClr val="bg1"/>
+            </a:solidFill>
+          </a:ln>
+        </p:spPr>
+        <p:style>
+          <a:lnRef idx="1">
+            <a:schemeClr val="accent1"/>
+          </a:lnRef>
+          <a:fillRef idx="0">
+            <a:schemeClr val="accent1"/>
+          </a:fillRef>
+          <a:effectRef idx="0">
+            <a:schemeClr val="accent1"/>
+          </a:effectRef>
+          <a:fontRef idx="minor">
+            <a:schemeClr val="tx1"/>
+          </a:fontRef>
+        </p:style>
+      </p:cxnSp>
+      <p:cxnSp>
+        <p:nvCxnSpPr>
+          <p:cNvPr id="42" name="Straight Connector 41"/>
+          <p:cNvCxnSpPr/>
+          <p:nvPr/>
+        </p:nvCxnSpPr>
+        <p:spPr>
+          <a:xfrm flipH="1">
+            <a:off x="4601882" y="2971800"/>
+            <a:ext cx="466166" cy="0"/>
+          </a:xfrm>
+          <a:prstGeom prst="line">
+            <a:avLst/>
+          </a:prstGeom>
+          <a:ln>
+            <a:solidFill>
+              <a:schemeClr val="bg1"/>
+            </a:solidFill>
+          </a:ln>
+        </p:spPr>
+        <p:style>
+          <a:lnRef idx="1">
+            <a:schemeClr val="accent1"/>
+          </a:lnRef>
+          <a:fillRef idx="0">
+            <a:schemeClr val="accent1"/>
+          </a:fillRef>
+          <a:effectRef idx="0">
+            <a:schemeClr val="accent1"/>
+          </a:effectRef>
+          <a:fontRef idx="minor">
+            <a:schemeClr val="tx1"/>
+          </a:fontRef>
+        </p:style>
+      </p:cxnSp>
+      <p:cxnSp>
+        <p:nvCxnSpPr>
+          <p:cNvPr id="44" name="Straight Connector 43"/>
+          <p:cNvCxnSpPr/>
+          <p:nvPr/>
+        </p:nvCxnSpPr>
+        <p:spPr>
+          <a:xfrm flipH="1">
+            <a:off x="5068047" y="4433048"/>
+            <a:ext cx="436282" cy="1493"/>
+          </a:xfrm>
+          <a:prstGeom prst="line">
+            <a:avLst/>
+          </a:prstGeom>
+          <a:ln>
+            <a:solidFill>
+              <a:schemeClr val="bg1"/>
+            </a:solidFill>
+          </a:ln>
+        </p:spPr>
+        <p:style>
+          <a:lnRef idx="1">
+            <a:schemeClr val="accent1"/>
+          </a:lnRef>
+          <a:fillRef idx="0">
+            <a:schemeClr val="accent1"/>
+          </a:fillRef>
+          <a:effectRef idx="0">
+            <a:schemeClr val="accent1"/>
+          </a:effectRef>
+          <a:fontRef idx="minor">
+            <a:schemeClr val="tx1"/>
+          </a:fontRef>
+        </p:style>
+      </p:cxnSp>
+      <p:cxnSp>
+        <p:nvCxnSpPr>
+          <p:cNvPr id="46" name="Straight Connector 45"/>
+          <p:cNvCxnSpPr/>
+          <p:nvPr/>
+        </p:nvCxnSpPr>
+        <p:spPr>
+          <a:xfrm flipH="1" flipV="1">
+            <a:off x="7862047" y="4566024"/>
+            <a:ext cx="436284" cy="2992"/>
+          </a:xfrm>
+          <a:prstGeom prst="line">
+            <a:avLst/>
+          </a:prstGeom>
+          <a:ln>
+            <a:solidFill>
+              <a:schemeClr val="bg1"/>
+            </a:solidFill>
+          </a:ln>
+        </p:spPr>
+        <p:style>
+          <a:lnRef idx="1">
+            <a:schemeClr val="accent1"/>
+          </a:lnRef>
+          <a:fillRef idx="0">
+            <a:schemeClr val="accent1"/>
+          </a:fillRef>
+          <a:effectRef idx="0">
+            <a:schemeClr val="accent1"/>
+          </a:effectRef>
+          <a:fontRef idx="minor">
+            <a:schemeClr val="tx1"/>
+          </a:fontRef>
+        </p:style>
+      </p:cxnSp>
+    </p:spTree>
+    <p:extLst>
+      <p:ext uri="{BB962C8B-B14F-4D97-AF65-F5344CB8AC3E}">
+        <p14:creationId xmlns:p14="http://schemas.microsoft.com/office/powerpoint/2010/main" val="2055217728"/>
+      </p:ext>
+    </p:extLst>
+  </p:cSld>
+  <p:clrMapOvr>
+    <a:masterClrMapping/>
+  </p:clrMapOvr>
+</p:sld>
+</file>
+
+<file path=ppt/slides/slide4.xml><?xml version="1.0" encoding="utf-8"?>
+<p:sld xmlns:a="http://schemas.openxmlformats.org/drawingml/2006/main" xmlns:r="http://schemas.openxmlformats.org/officeDocument/2006/relationships" xmlns:p="http://schemas.openxmlformats.org/presentationml/2006/main">
+  <p:cSld>
+    <p:spTree>
+      <p:nvGrpSpPr>
+        <p:cNvPr id="1" name=""/>
+        <p:cNvGrpSpPr/>
+        <p:nvPr/>
+      </p:nvGrpSpPr>
+      <p:grpSpPr>
+        <a:xfrm>
+          <a:off x="0" y="0"/>
+          <a:ext cx="0" cy="0"/>
+          <a:chOff x="0" y="0"/>
+          <a:chExt cx="0" cy="0"/>
+        </a:xfrm>
+      </p:grpSpPr>
+      <p:sp>
+        <p:nvSpPr>
+          <p:cNvPr id="4" name="Rectangle 3"/>
+          <p:cNvSpPr/>
+          <p:nvPr/>
+        </p:nvSpPr>
+        <p:spPr>
+          <a:xfrm>
+            <a:off x="2931758" y="1014761"/>
+            <a:ext cx="4871258" cy="4438996"/>
+          </a:xfrm>
+          <a:prstGeom prst="rect">
+            <a:avLst/>
+          </a:prstGeom>
+          <a:solidFill>
+            <a:schemeClr val="tx1"/>
+          </a:solidFill>
+          <a:ln>
+            <a:noFill/>
+          </a:ln>
+        </p:spPr>
+        <p:style>
+          <a:lnRef idx="2">
+            <a:schemeClr val="accent1">
+              <a:shade val="50000"/>
+            </a:schemeClr>
+          </a:lnRef>
+          <a:fillRef idx="1">
+            <a:schemeClr val="accent1"/>
+          </a:fillRef>
+          <a:effectRef idx="0">
+            <a:schemeClr val="accent1"/>
+          </a:effectRef>
+          <a:fontRef idx="minor">
+            <a:schemeClr val="lt1"/>
+          </a:fontRef>
+        </p:style>
+        <p:txBody>
+          <a:bodyPr rtlCol="0" anchor="ctr"/>
+          <a:lstStyle/>
+          <a:p>
+            <a:pPr algn="ctr"/>
+            <a:endParaRPr lang="nl-NL"/>
+          </a:p>
+        </p:txBody>
+      </p:sp>
+      <p:cxnSp>
+        <p:nvCxnSpPr>
+          <p:cNvPr id="13" name="Straight Connector 12"/>
+          <p:cNvCxnSpPr/>
+          <p:nvPr/>
+        </p:nvCxnSpPr>
+        <p:spPr>
+          <a:xfrm>
+            <a:off x="4222727" y="2044513"/>
+            <a:ext cx="2219497" cy="0"/>
+          </a:xfrm>
+          <a:prstGeom prst="line">
+            <a:avLst/>
+          </a:prstGeom>
+          <a:ln w="12700">
+            <a:solidFill>
+              <a:schemeClr val="bg1"/>
+            </a:solidFill>
+          </a:ln>
+        </p:spPr>
+        <p:style>
+          <a:lnRef idx="1">
+            <a:schemeClr val="accent1"/>
+          </a:lnRef>
+          <a:fillRef idx="0">
+            <a:schemeClr val="accent1"/>
+          </a:fillRef>
+          <a:effectRef idx="0">
+            <a:schemeClr val="accent1"/>
+          </a:effectRef>
+          <a:fontRef idx="minor">
+            <a:schemeClr val="tx1"/>
+          </a:fontRef>
+        </p:style>
+      </p:cxnSp>
+      <p:cxnSp>
+        <p:nvCxnSpPr>
+          <p:cNvPr id="14" name="Straight Connector 13"/>
+          <p:cNvCxnSpPr/>
+          <p:nvPr/>
+        </p:nvCxnSpPr>
+        <p:spPr>
+          <a:xfrm>
+            <a:off x="6442224" y="2044513"/>
+            <a:ext cx="0" cy="2402379"/>
+          </a:xfrm>
+          <a:prstGeom prst="line">
+            <a:avLst/>
+          </a:prstGeom>
+          <a:ln w="12700">
+            <a:solidFill>
+              <a:schemeClr val="bg1"/>
+            </a:solidFill>
+          </a:ln>
+        </p:spPr>
+        <p:style>
+          <a:lnRef idx="1">
+            <a:schemeClr val="accent1"/>
+          </a:lnRef>
+          <a:fillRef idx="0">
+            <a:schemeClr val="accent1"/>
+          </a:fillRef>
+          <a:effectRef idx="0">
+            <a:schemeClr val="accent1"/>
+          </a:effectRef>
+          <a:fontRef idx="minor">
+            <a:schemeClr val="tx1"/>
+          </a:fontRef>
+        </p:style>
+      </p:cxnSp>
+      <p:cxnSp>
+        <p:nvCxnSpPr>
+          <p:cNvPr id="15" name="Straight Connector 14"/>
+          <p:cNvCxnSpPr/>
+          <p:nvPr/>
+        </p:nvCxnSpPr>
+        <p:spPr>
+          <a:xfrm flipV="1">
+            <a:off x="4222727" y="4446895"/>
+            <a:ext cx="2219497" cy="2873"/>
+          </a:xfrm>
+          <a:prstGeom prst="line">
+            <a:avLst/>
+          </a:prstGeom>
+          <a:ln w="12700">
+            <a:solidFill>
+              <a:schemeClr val="bg1"/>
+            </a:solidFill>
+          </a:ln>
+        </p:spPr>
+        <p:style>
+          <a:lnRef idx="1">
+            <a:schemeClr val="accent1"/>
+          </a:lnRef>
+          <a:fillRef idx="0">
+            <a:schemeClr val="accent1"/>
+          </a:fillRef>
+          <a:effectRef idx="0">
+            <a:schemeClr val="accent1"/>
+          </a:effectRef>
+          <a:fontRef idx="minor">
+            <a:schemeClr val="tx1"/>
+          </a:fontRef>
+        </p:style>
+      </p:cxnSp>
+      <p:cxnSp>
+        <p:nvCxnSpPr>
+          <p:cNvPr id="16" name="Straight Connector 15"/>
+          <p:cNvCxnSpPr/>
+          <p:nvPr/>
+        </p:nvCxnSpPr>
+        <p:spPr>
+          <a:xfrm>
+            <a:off x="5880444" y="1595886"/>
+            <a:ext cx="2771" cy="448627"/>
+          </a:xfrm>
+          <a:prstGeom prst="line">
+            <a:avLst/>
+          </a:prstGeom>
+          <a:ln w="12700">
+            <a:solidFill>
+              <a:schemeClr val="bg1"/>
+            </a:solidFill>
+          </a:ln>
+        </p:spPr>
+        <p:style>
+          <a:lnRef idx="1">
+            <a:schemeClr val="accent1"/>
+          </a:lnRef>
+          <a:fillRef idx="0">
+            <a:schemeClr val="accent1"/>
+          </a:fillRef>
+          <a:effectRef idx="0">
+            <a:schemeClr val="accent1"/>
+          </a:effectRef>
+          <a:fontRef idx="minor">
+            <a:schemeClr val="tx1"/>
+          </a:fontRef>
+        </p:style>
+      </p:cxnSp>
+      <p:cxnSp>
+        <p:nvCxnSpPr>
+          <p:cNvPr id="17" name="Straight Connector 16"/>
+          <p:cNvCxnSpPr/>
+          <p:nvPr/>
+        </p:nvCxnSpPr>
+        <p:spPr>
+          <a:xfrm>
+            <a:off x="4222727" y="2044513"/>
+            <a:ext cx="0" cy="2402379"/>
+          </a:xfrm>
+          <a:prstGeom prst="line">
+            <a:avLst/>
+          </a:prstGeom>
+          <a:ln w="12700">
+            <a:solidFill>
+              <a:schemeClr val="bg1"/>
+            </a:solidFill>
+          </a:ln>
+        </p:spPr>
+        <p:style>
+          <a:lnRef idx="1">
+            <a:schemeClr val="accent1"/>
+          </a:lnRef>
+          <a:fillRef idx="0">
+            <a:schemeClr val="accent1"/>
+          </a:fillRef>
+          <a:effectRef idx="0">
+            <a:schemeClr val="accent1"/>
+          </a:effectRef>
+          <a:fontRef idx="minor">
+            <a:schemeClr val="tx1"/>
+          </a:fontRef>
+        </p:style>
+      </p:cxnSp>
+      <p:cxnSp>
+        <p:nvCxnSpPr>
+          <p:cNvPr id="20" name="Straight Connector 19"/>
+          <p:cNvCxnSpPr/>
+          <p:nvPr/>
+        </p:nvCxnSpPr>
+        <p:spPr>
+          <a:xfrm>
+            <a:off x="3754025" y="1595886"/>
+            <a:ext cx="3133897" cy="2876"/>
+          </a:xfrm>
+          <a:prstGeom prst="line">
+            <a:avLst/>
+          </a:prstGeom>
+          <a:ln w="12700">
+            <a:solidFill>
+              <a:schemeClr val="bg1"/>
+            </a:solidFill>
+          </a:ln>
+        </p:spPr>
+        <p:style>
+          <a:lnRef idx="1">
+            <a:schemeClr val="accent1"/>
+          </a:lnRef>
+          <a:fillRef idx="0">
+            <a:schemeClr val="accent1"/>
+          </a:fillRef>
+          <a:effectRef idx="0">
+            <a:schemeClr val="accent1"/>
+          </a:effectRef>
+          <a:fontRef idx="minor">
+            <a:schemeClr val="tx1"/>
+          </a:fontRef>
+        </p:style>
+      </p:cxnSp>
+      <p:cxnSp>
+        <p:nvCxnSpPr>
+          <p:cNvPr id="21" name="Straight Connector 20"/>
+          <p:cNvCxnSpPr/>
+          <p:nvPr/>
+        </p:nvCxnSpPr>
+        <p:spPr>
+          <a:xfrm>
+            <a:off x="6887922" y="1598762"/>
+            <a:ext cx="0" cy="3265073"/>
+          </a:xfrm>
+          <a:prstGeom prst="line">
+            <a:avLst/>
+          </a:prstGeom>
+          <a:ln w="12700">
+            <a:solidFill>
+              <a:schemeClr val="bg1"/>
+            </a:solidFill>
+          </a:ln>
+        </p:spPr>
+        <p:style>
+          <a:lnRef idx="1">
+            <a:schemeClr val="accent1"/>
+          </a:lnRef>
+          <a:fillRef idx="0">
+            <a:schemeClr val="accent1"/>
+          </a:fillRef>
+          <a:effectRef idx="0">
+            <a:schemeClr val="accent1"/>
+          </a:effectRef>
+          <a:fontRef idx="minor">
+            <a:schemeClr val="tx1"/>
+          </a:fontRef>
+        </p:style>
+      </p:cxnSp>
+      <p:cxnSp>
+        <p:nvCxnSpPr>
+          <p:cNvPr id="22" name="Straight Connector 21"/>
+          <p:cNvCxnSpPr/>
+          <p:nvPr/>
+        </p:nvCxnSpPr>
+        <p:spPr>
+          <a:xfrm>
+            <a:off x="3754025" y="4866711"/>
+            <a:ext cx="3133897" cy="1"/>
+          </a:xfrm>
+          <a:prstGeom prst="line">
+            <a:avLst/>
+          </a:prstGeom>
+          <a:ln w="12700">
+            <a:solidFill>
+              <a:schemeClr val="bg1"/>
+            </a:solidFill>
+          </a:ln>
+        </p:spPr>
+        <p:style>
+          <a:lnRef idx="1">
+            <a:schemeClr val="accent1"/>
+          </a:lnRef>
+          <a:fillRef idx="0">
+            <a:schemeClr val="accent1"/>
+          </a:fillRef>
+          <a:effectRef idx="0">
+            <a:schemeClr val="accent1"/>
+          </a:effectRef>
+          <a:fontRef idx="minor">
+            <a:schemeClr val="tx1"/>
+          </a:fontRef>
+        </p:style>
+      </p:cxnSp>
+      <p:cxnSp>
+        <p:nvCxnSpPr>
+          <p:cNvPr id="23" name="Straight Connector 22"/>
+          <p:cNvCxnSpPr/>
+          <p:nvPr/>
+        </p:nvCxnSpPr>
+        <p:spPr>
+          <a:xfrm>
+            <a:off x="3754025" y="1598762"/>
+            <a:ext cx="0" cy="3270824"/>
+          </a:xfrm>
+          <a:prstGeom prst="line">
+            <a:avLst/>
+          </a:prstGeom>
+          <a:ln w="12700">
+            <a:solidFill>
+              <a:schemeClr val="bg1"/>
+            </a:solidFill>
+          </a:ln>
+        </p:spPr>
+        <p:style>
+          <a:lnRef idx="1">
+            <a:schemeClr val="accent1"/>
+          </a:lnRef>
+          <a:fillRef idx="0">
+            <a:schemeClr val="accent1"/>
+          </a:fillRef>
+          <a:effectRef idx="0">
+            <a:schemeClr val="accent1"/>
+          </a:effectRef>
+          <a:fontRef idx="minor">
+            <a:schemeClr val="tx1"/>
+          </a:fontRef>
+        </p:style>
+      </p:cxnSp>
+      <p:cxnSp>
+        <p:nvCxnSpPr>
+          <p:cNvPr id="38" name="Straight Connector 37"/>
+          <p:cNvCxnSpPr/>
+          <p:nvPr/>
+        </p:nvCxnSpPr>
+        <p:spPr>
+          <a:xfrm>
+            <a:off x="4619625" y="4446892"/>
+            <a:ext cx="1257" cy="424132"/>
+          </a:xfrm>
+          <a:prstGeom prst="line">
+            <a:avLst/>
+          </a:prstGeom>
+          <a:ln w="12700">
+            <a:solidFill>
+              <a:schemeClr val="bg1"/>
+            </a:solidFill>
+          </a:ln>
+        </p:spPr>
+        <p:style>
+          <a:lnRef idx="1">
+            <a:schemeClr val="accent1"/>
+          </a:lnRef>
+          <a:fillRef idx="0">
+            <a:schemeClr val="accent1"/>
+          </a:fillRef>
+          <a:effectRef idx="0">
+            <a:schemeClr val="accent1"/>
+          </a:effectRef>
+          <a:fontRef idx="minor">
+            <a:schemeClr val="tx1"/>
+          </a:fontRef>
+        </p:style>
+      </p:cxnSp>
+    </p:spTree>
+    <p:extLst>
+      <p:ext uri="{BB962C8B-B14F-4D97-AF65-F5344CB8AC3E}">
+        <p14:creationId xmlns:p14="http://schemas.microsoft.com/office/powerpoint/2010/main" val="4095599319"/>
+      </p:ext>
+    </p:extLst>
+  </p:cSld>
+  <p:clrMapOvr>
+    <a:masterClrMapping/>
+  </p:clrMapOvr>
+</p:sld>
+</file>
+
 <file path=ppt/theme/theme1.xml><?xml version="1.0" encoding="utf-8"?>
 <a:theme xmlns:a="http://schemas.openxmlformats.org/drawingml/2006/main" name="Office Theme">
   <a:themeElements>

--- a/sample_maps.pptx
+++ b/sample_maps.pptx
@@ -5,10 +5,11 @@
     <p:sldMasterId id="2147483648" r:id="rId1"/>
   </p:sldMasterIdLst>
   <p:sldIdLst>
-    <p:sldId id="256" r:id="rId2"/>
-    <p:sldId id="257" r:id="rId3"/>
-    <p:sldId id="258" r:id="rId4"/>
-    <p:sldId id="259" r:id="rId5"/>
+    <p:sldId id="257" r:id="rId2"/>
+    <p:sldId id="258" r:id="rId3"/>
+    <p:sldId id="259" r:id="rId4"/>
+    <p:sldId id="260" r:id="rId5"/>
+    <p:sldId id="261" r:id="rId6"/>
   </p:sldIdLst>
   <p:sldSz cx="12192000" cy="6858000"/>
   <p:notesSz cx="6858000" cy="9144000"/>
@@ -246,7 +247,7 @@
           <a:p>
             <a:fld id="{1F35354B-CEDA-4122-BD5C-84A48085FB12}" type="datetimeFigureOut">
               <a:rPr lang="nl-NL" smtClean="0"/>
-              <a:t>24-10-2020</a:t>
+              <a:t>26-10-2020</a:t>
             </a:fld>
             <a:endParaRPr lang="nl-NL"/>
           </a:p>
@@ -416,7 +417,7 @@
           <a:p>
             <a:fld id="{1F35354B-CEDA-4122-BD5C-84A48085FB12}" type="datetimeFigureOut">
               <a:rPr lang="nl-NL" smtClean="0"/>
-              <a:t>24-10-2020</a:t>
+              <a:t>26-10-2020</a:t>
             </a:fld>
             <a:endParaRPr lang="nl-NL"/>
           </a:p>
@@ -596,7 +597,7 @@
           <a:p>
             <a:fld id="{1F35354B-CEDA-4122-BD5C-84A48085FB12}" type="datetimeFigureOut">
               <a:rPr lang="nl-NL" smtClean="0"/>
-              <a:t>24-10-2020</a:t>
+              <a:t>26-10-2020</a:t>
             </a:fld>
             <a:endParaRPr lang="nl-NL"/>
           </a:p>
@@ -766,7 +767,7 @@
           <a:p>
             <a:fld id="{1F35354B-CEDA-4122-BD5C-84A48085FB12}" type="datetimeFigureOut">
               <a:rPr lang="nl-NL" smtClean="0"/>
-              <a:t>24-10-2020</a:t>
+              <a:t>26-10-2020</a:t>
             </a:fld>
             <a:endParaRPr lang="nl-NL"/>
           </a:p>
@@ -1012,7 +1013,7 @@
           <a:p>
             <a:fld id="{1F35354B-CEDA-4122-BD5C-84A48085FB12}" type="datetimeFigureOut">
               <a:rPr lang="nl-NL" smtClean="0"/>
-              <a:t>24-10-2020</a:t>
+              <a:t>26-10-2020</a:t>
             </a:fld>
             <a:endParaRPr lang="nl-NL"/>
           </a:p>
@@ -1244,7 +1245,7 @@
           <a:p>
             <a:fld id="{1F35354B-CEDA-4122-BD5C-84A48085FB12}" type="datetimeFigureOut">
               <a:rPr lang="nl-NL" smtClean="0"/>
-              <a:t>24-10-2020</a:t>
+              <a:t>26-10-2020</a:t>
             </a:fld>
             <a:endParaRPr lang="nl-NL"/>
           </a:p>
@@ -1611,7 +1612,7 @@
           <a:p>
             <a:fld id="{1F35354B-CEDA-4122-BD5C-84A48085FB12}" type="datetimeFigureOut">
               <a:rPr lang="nl-NL" smtClean="0"/>
-              <a:t>24-10-2020</a:t>
+              <a:t>26-10-2020</a:t>
             </a:fld>
             <a:endParaRPr lang="nl-NL"/>
           </a:p>
@@ -1729,7 +1730,7 @@
           <a:p>
             <a:fld id="{1F35354B-CEDA-4122-BD5C-84A48085FB12}" type="datetimeFigureOut">
               <a:rPr lang="nl-NL" smtClean="0"/>
-              <a:t>24-10-2020</a:t>
+              <a:t>26-10-2020</a:t>
             </a:fld>
             <a:endParaRPr lang="nl-NL"/>
           </a:p>
@@ -1824,7 +1825,7 @@
           <a:p>
             <a:fld id="{1F35354B-CEDA-4122-BD5C-84A48085FB12}" type="datetimeFigureOut">
               <a:rPr lang="nl-NL" smtClean="0"/>
-              <a:t>24-10-2020</a:t>
+              <a:t>26-10-2020</a:t>
             </a:fld>
             <a:endParaRPr lang="nl-NL"/>
           </a:p>
@@ -2101,7 +2102,7 @@
           <a:p>
             <a:fld id="{1F35354B-CEDA-4122-BD5C-84A48085FB12}" type="datetimeFigureOut">
               <a:rPr lang="nl-NL" smtClean="0"/>
-              <a:t>24-10-2020</a:t>
+              <a:t>26-10-2020</a:t>
             </a:fld>
             <a:endParaRPr lang="nl-NL"/>
           </a:p>
@@ -2354,7 +2355,7 @@
           <a:p>
             <a:fld id="{1F35354B-CEDA-4122-BD5C-84A48085FB12}" type="datetimeFigureOut">
               <a:rPr lang="nl-NL" smtClean="0"/>
-              <a:t>24-10-2020</a:t>
+              <a:t>26-10-2020</a:t>
             </a:fld>
             <a:endParaRPr lang="nl-NL"/>
           </a:p>
@@ -2567,7 +2568,7 @@
           <a:p>
             <a:fld id="{1F35354B-CEDA-4122-BD5C-84A48085FB12}" type="datetimeFigureOut">
               <a:rPr lang="nl-NL" smtClean="0"/>
-              <a:t>24-10-2020</a:t>
+              <a:t>26-10-2020</a:t>
             </a:fld>
             <a:endParaRPr lang="nl-NL"/>
           </a:p>
@@ -2980,8 +2981,8 @@
         </p:nvSpPr>
         <p:spPr>
           <a:xfrm>
-            <a:off x="2909455" y="1828800"/>
-            <a:ext cx="4871258" cy="4438996"/>
+            <a:off x="2176030" y="295275"/>
+            <a:ext cx="4843895" cy="4933950"/>
           </a:xfrm>
           <a:prstGeom prst="rect">
             <a:avLst/>
@@ -3018,23 +3019,20 @@
           </a:p>
         </p:txBody>
       </p:sp>
-      <p:sp>
-        <p:nvSpPr>
-          <p:cNvPr id="5" name="Rectangle 4"/>
-          <p:cNvSpPr/>
+      <p:cxnSp>
+        <p:nvCxnSpPr>
+          <p:cNvPr id="11" name="Straight Connector 10"/>
+          <p:cNvCxnSpPr/>
           <p:nvPr/>
-        </p:nvSpPr>
-        <p:spPr>
-          <a:xfrm>
-            <a:off x="3566160" y="2360815"/>
-            <a:ext cx="232756" cy="1986741"/>
-          </a:xfrm>
-          <a:prstGeom prst="rect">
+        </p:nvCxnSpPr>
+        <p:spPr>
+          <a:xfrm>
+            <a:off x="2423160" y="620120"/>
+            <a:ext cx="2219497" cy="0"/>
+          </a:xfrm>
+          <a:prstGeom prst="line">
             <a:avLst/>
           </a:prstGeom>
-          <a:solidFill>
-            <a:schemeClr val="bg1"/>
-          </a:solidFill>
           <a:ln>
             <a:solidFill>
               <a:schemeClr val="bg1"/>
@@ -3042,47 +3040,34 @@
           </a:ln>
         </p:spPr>
         <p:style>
-          <a:lnRef idx="2">
-            <a:schemeClr val="accent1">
-              <a:shade val="50000"/>
-            </a:schemeClr>
+          <a:lnRef idx="1">
+            <a:schemeClr val="accent1"/>
           </a:lnRef>
-          <a:fillRef idx="1">
+          <a:fillRef idx="0">
             <a:schemeClr val="accent1"/>
           </a:fillRef>
           <a:effectRef idx="0">
             <a:schemeClr val="accent1"/>
           </a:effectRef>
           <a:fontRef idx="minor">
-            <a:schemeClr val="lt1"/>
+            <a:schemeClr val="tx1"/>
           </a:fontRef>
         </p:style>
-        <p:txBody>
-          <a:bodyPr rtlCol="0" anchor="ctr"/>
-          <a:lstStyle/>
-          <a:p>
-            <a:pPr algn="ctr"/>
-            <a:endParaRPr lang="nl-NL"/>
-          </a:p>
-        </p:txBody>
-      </p:sp>
-      <p:sp>
-        <p:nvSpPr>
-          <p:cNvPr id="6" name="Rectangle 5"/>
-          <p:cNvSpPr/>
+      </p:cxnSp>
+      <p:cxnSp>
+        <p:nvCxnSpPr>
+          <p:cNvPr id="13" name="Straight Connector 12"/>
+          <p:cNvCxnSpPr/>
           <p:nvPr/>
-        </p:nvSpPr>
-        <p:spPr>
-          <a:xfrm rot="5400000">
-            <a:off x="4675908" y="1483822"/>
-            <a:ext cx="232756" cy="1986741"/>
-          </a:xfrm>
-          <a:prstGeom prst="rect">
+        </p:nvCxnSpPr>
+        <p:spPr>
+          <a:xfrm>
+            <a:off x="4642657" y="617739"/>
+            <a:ext cx="0" cy="2402379"/>
+          </a:xfrm>
+          <a:prstGeom prst="line">
             <a:avLst/>
           </a:prstGeom>
-          <a:solidFill>
-            <a:schemeClr val="bg1"/>
-          </a:solidFill>
           <a:ln>
             <a:solidFill>
               <a:schemeClr val="bg1"/>
@@ -3090,47 +3075,34 @@
           </a:ln>
         </p:spPr>
         <p:style>
-          <a:lnRef idx="2">
-            <a:schemeClr val="accent1">
-              <a:shade val="50000"/>
-            </a:schemeClr>
+          <a:lnRef idx="1">
+            <a:schemeClr val="accent1"/>
           </a:lnRef>
-          <a:fillRef idx="1">
+          <a:fillRef idx="0">
             <a:schemeClr val="accent1"/>
           </a:fillRef>
           <a:effectRef idx="0">
             <a:schemeClr val="accent1"/>
           </a:effectRef>
           <a:fontRef idx="minor">
-            <a:schemeClr val="lt1"/>
+            <a:schemeClr val="tx1"/>
           </a:fontRef>
         </p:style>
-        <p:txBody>
-          <a:bodyPr rtlCol="0" anchor="ctr"/>
-          <a:lstStyle/>
-          <a:p>
-            <a:pPr algn="ctr"/>
-            <a:endParaRPr lang="nl-NL"/>
-          </a:p>
-        </p:txBody>
-      </p:sp>
-      <p:sp>
-        <p:nvSpPr>
-          <p:cNvPr id="7" name="Rectangle 6"/>
-          <p:cNvSpPr/>
+      </p:cxnSp>
+      <p:cxnSp>
+        <p:nvCxnSpPr>
+          <p:cNvPr id="15" name="Straight Connector 14"/>
+          <p:cNvCxnSpPr/>
           <p:nvPr/>
-        </p:nvSpPr>
-        <p:spPr>
-          <a:xfrm rot="10800000">
-            <a:off x="5552902" y="2593571"/>
-            <a:ext cx="232756" cy="1986741"/>
-          </a:xfrm>
-          <a:prstGeom prst="rect">
+        </p:nvCxnSpPr>
+        <p:spPr>
+          <a:xfrm>
+            <a:off x="5120562" y="3487318"/>
+            <a:ext cx="1639417" cy="0"/>
+          </a:xfrm>
+          <a:prstGeom prst="line">
             <a:avLst/>
           </a:prstGeom>
-          <a:solidFill>
-            <a:schemeClr val="bg1"/>
-          </a:solidFill>
           <a:ln>
             <a:solidFill>
               <a:schemeClr val="bg1"/>
@@ -3138,47 +3110,34 @@
           </a:ln>
         </p:spPr>
         <p:style>
-          <a:lnRef idx="2">
-            <a:schemeClr val="accent1">
-              <a:shade val="50000"/>
-            </a:schemeClr>
+          <a:lnRef idx="1">
+            <a:schemeClr val="accent1"/>
           </a:lnRef>
-          <a:fillRef idx="1">
+          <a:fillRef idx="0">
             <a:schemeClr val="accent1"/>
           </a:fillRef>
           <a:effectRef idx="0">
             <a:schemeClr val="accent1"/>
           </a:effectRef>
           <a:fontRef idx="minor">
-            <a:schemeClr val="lt1"/>
+            <a:schemeClr val="tx1"/>
           </a:fontRef>
         </p:style>
-        <p:txBody>
-          <a:bodyPr rtlCol="0" anchor="ctr"/>
-          <a:lstStyle/>
-          <a:p>
-            <a:pPr algn="ctr"/>
-            <a:endParaRPr lang="nl-NL"/>
-          </a:p>
-        </p:txBody>
-      </p:sp>
-      <p:sp>
-        <p:nvSpPr>
-          <p:cNvPr id="8" name="Rectangle 7"/>
-          <p:cNvSpPr/>
+      </p:cxnSp>
+      <p:cxnSp>
+        <p:nvCxnSpPr>
+          <p:cNvPr id="17" name="Straight Connector 16"/>
+          <p:cNvCxnSpPr/>
           <p:nvPr/>
-        </p:nvSpPr>
-        <p:spPr>
-          <a:xfrm rot="16200000">
-            <a:off x="5838307" y="3703320"/>
-            <a:ext cx="232756" cy="1986741"/>
-          </a:xfrm>
-          <a:prstGeom prst="rect">
+        </p:nvCxnSpPr>
+        <p:spPr>
+          <a:xfrm>
+            <a:off x="6759979" y="3484937"/>
+            <a:ext cx="0" cy="1346663"/>
+          </a:xfrm>
+          <a:prstGeom prst="line">
             <a:avLst/>
           </a:prstGeom>
-          <a:solidFill>
-            <a:schemeClr val="bg1"/>
-          </a:solidFill>
           <a:ln>
             <a:solidFill>
               <a:schemeClr val="bg1"/>
@@ -3186,47 +3145,34 @@
           </a:ln>
         </p:spPr>
         <p:style>
-          <a:lnRef idx="2">
-            <a:schemeClr val="accent1">
-              <a:shade val="50000"/>
-            </a:schemeClr>
+          <a:lnRef idx="1">
+            <a:schemeClr val="accent1"/>
           </a:lnRef>
-          <a:fillRef idx="1">
+          <a:fillRef idx="0">
             <a:schemeClr val="accent1"/>
           </a:fillRef>
           <a:effectRef idx="0">
             <a:schemeClr val="accent1"/>
           </a:effectRef>
           <a:fontRef idx="minor">
-            <a:schemeClr val="lt1"/>
+            <a:schemeClr val="tx1"/>
           </a:fontRef>
         </p:style>
-        <p:txBody>
-          <a:bodyPr rtlCol="0" anchor="ctr"/>
-          <a:lstStyle/>
-          <a:p>
-            <a:pPr algn="ctr"/>
-            <a:endParaRPr lang="nl-NL"/>
-          </a:p>
-        </p:txBody>
-      </p:sp>
-      <p:sp>
-        <p:nvSpPr>
-          <p:cNvPr id="9" name="Rectangle 8"/>
-          <p:cNvSpPr/>
+      </p:cxnSp>
+      <p:cxnSp>
+        <p:nvCxnSpPr>
+          <p:cNvPr id="20" name="Straight Connector 19"/>
+          <p:cNvCxnSpPr/>
           <p:nvPr/>
-        </p:nvSpPr>
-        <p:spPr>
-          <a:xfrm rot="10800000">
-            <a:off x="6886403" y="3819698"/>
-            <a:ext cx="232756" cy="1986741"/>
-          </a:xfrm>
-          <a:prstGeom prst="rect">
+        </p:nvCxnSpPr>
+        <p:spPr>
+          <a:xfrm>
+            <a:off x="2423160" y="617739"/>
+            <a:ext cx="0" cy="2402379"/>
+          </a:xfrm>
+          <a:prstGeom prst="line">
             <a:avLst/>
           </a:prstGeom>
-          <a:solidFill>
-            <a:schemeClr val="bg1"/>
-          </a:solidFill>
           <a:ln>
             <a:solidFill>
               <a:schemeClr val="bg1"/>
@@ -3234,34 +3180,234 @@
           </a:ln>
         </p:spPr>
         <p:style>
-          <a:lnRef idx="2">
-            <a:schemeClr val="accent1">
-              <a:shade val="50000"/>
-            </a:schemeClr>
+          <a:lnRef idx="1">
+            <a:schemeClr val="accent1"/>
           </a:lnRef>
-          <a:fillRef idx="1">
+          <a:fillRef idx="0">
             <a:schemeClr val="accent1"/>
           </a:fillRef>
           <a:effectRef idx="0">
             <a:schemeClr val="accent1"/>
           </a:effectRef>
           <a:fontRef idx="minor">
-            <a:schemeClr val="lt1"/>
+            <a:schemeClr val="tx1"/>
           </a:fontRef>
         </p:style>
-        <p:txBody>
-          <a:bodyPr rtlCol="0" anchor="ctr"/>
-          <a:lstStyle/>
-          <a:p>
-            <a:pPr algn="ctr"/>
-            <a:endParaRPr lang="nl-NL"/>
-          </a:p>
-        </p:txBody>
-      </p:sp>
+      </p:cxnSp>
+      <p:cxnSp>
+        <p:nvCxnSpPr>
+          <p:cNvPr id="8" name="Straight Connector 7"/>
+          <p:cNvCxnSpPr/>
+          <p:nvPr/>
+        </p:nvCxnSpPr>
+        <p:spPr>
+          <a:xfrm>
+            <a:off x="5120562" y="3484937"/>
+            <a:ext cx="0" cy="1346663"/>
+          </a:xfrm>
+          <a:prstGeom prst="line">
+            <a:avLst/>
+          </a:prstGeom>
+          <a:ln>
+            <a:solidFill>
+              <a:schemeClr val="bg1"/>
+            </a:solidFill>
+          </a:ln>
+        </p:spPr>
+        <p:style>
+          <a:lnRef idx="1">
+            <a:schemeClr val="accent1"/>
+          </a:lnRef>
+          <a:fillRef idx="0">
+            <a:schemeClr val="accent1"/>
+          </a:fillRef>
+          <a:effectRef idx="0">
+            <a:schemeClr val="accent1"/>
+          </a:effectRef>
+          <a:fontRef idx="minor">
+            <a:schemeClr val="tx1"/>
+          </a:fontRef>
+        </p:style>
+      </p:cxnSp>
+      <p:cxnSp>
+        <p:nvCxnSpPr>
+          <p:cNvPr id="12" name="Straight Connector 11"/>
+          <p:cNvCxnSpPr/>
+          <p:nvPr/>
+        </p:nvCxnSpPr>
+        <p:spPr>
+          <a:xfrm>
+            <a:off x="5120562" y="4826838"/>
+            <a:ext cx="1639417" cy="0"/>
+          </a:xfrm>
+          <a:prstGeom prst="line">
+            <a:avLst/>
+          </a:prstGeom>
+          <a:ln>
+            <a:solidFill>
+              <a:schemeClr val="bg1"/>
+            </a:solidFill>
+          </a:ln>
+        </p:spPr>
+        <p:style>
+          <a:lnRef idx="1">
+            <a:schemeClr val="accent1"/>
+          </a:lnRef>
+          <a:fillRef idx="0">
+            <a:schemeClr val="accent1"/>
+          </a:fillRef>
+          <a:effectRef idx="0">
+            <a:schemeClr val="accent1"/>
+          </a:effectRef>
+          <a:fontRef idx="minor">
+            <a:schemeClr val="tx1"/>
+          </a:fontRef>
+        </p:style>
+      </p:cxnSp>
+      <p:cxnSp>
+        <p:nvCxnSpPr>
+          <p:cNvPr id="14" name="Straight Connector 13"/>
+          <p:cNvCxnSpPr/>
+          <p:nvPr/>
+        </p:nvCxnSpPr>
+        <p:spPr>
+          <a:xfrm>
+            <a:off x="2423160" y="3020118"/>
+            <a:ext cx="2219497" cy="0"/>
+          </a:xfrm>
+          <a:prstGeom prst="line">
+            <a:avLst/>
+          </a:prstGeom>
+          <a:ln>
+            <a:solidFill>
+              <a:schemeClr val="bg1"/>
+            </a:solidFill>
+          </a:ln>
+        </p:spPr>
+        <p:style>
+          <a:lnRef idx="1">
+            <a:schemeClr val="accent1"/>
+          </a:lnRef>
+          <a:fillRef idx="0">
+            <a:schemeClr val="accent1"/>
+          </a:fillRef>
+          <a:effectRef idx="0">
+            <a:schemeClr val="accent1"/>
+          </a:effectRef>
+          <a:fontRef idx="minor">
+            <a:schemeClr val="tx1"/>
+          </a:fontRef>
+        </p:style>
+      </p:cxnSp>
+      <p:cxnSp>
+        <p:nvCxnSpPr>
+          <p:cNvPr id="16" name="Straight Connector 15"/>
+          <p:cNvCxnSpPr/>
+          <p:nvPr/>
+        </p:nvCxnSpPr>
+        <p:spPr>
+          <a:xfrm>
+            <a:off x="4829269" y="3486194"/>
+            <a:ext cx="288000" cy="0"/>
+          </a:xfrm>
+          <a:prstGeom prst="line">
+            <a:avLst/>
+          </a:prstGeom>
+          <a:ln>
+            <a:solidFill>
+              <a:schemeClr val="bg1"/>
+            </a:solidFill>
+          </a:ln>
+        </p:spPr>
+        <p:style>
+          <a:lnRef idx="1">
+            <a:schemeClr val="accent1"/>
+          </a:lnRef>
+          <a:fillRef idx="0">
+            <a:schemeClr val="accent1"/>
+          </a:fillRef>
+          <a:effectRef idx="0">
+            <a:schemeClr val="accent1"/>
+          </a:effectRef>
+          <a:fontRef idx="minor">
+            <a:schemeClr val="tx1"/>
+          </a:fontRef>
+        </p:style>
+      </p:cxnSp>
+      <p:cxnSp>
+        <p:nvCxnSpPr>
+          <p:cNvPr id="19" name="Straight Connector 18"/>
+          <p:cNvCxnSpPr/>
+          <p:nvPr/>
+        </p:nvCxnSpPr>
+        <p:spPr>
+          <a:xfrm>
+            <a:off x="4831650" y="3018039"/>
+            <a:ext cx="0" cy="468000"/>
+          </a:xfrm>
+          <a:prstGeom prst="line">
+            <a:avLst/>
+          </a:prstGeom>
+          <a:ln>
+            <a:solidFill>
+              <a:schemeClr val="bg1"/>
+            </a:solidFill>
+          </a:ln>
+        </p:spPr>
+        <p:style>
+          <a:lnRef idx="1">
+            <a:schemeClr val="accent1"/>
+          </a:lnRef>
+          <a:fillRef idx="0">
+            <a:schemeClr val="accent1"/>
+          </a:fillRef>
+          <a:effectRef idx="0">
+            <a:schemeClr val="accent1"/>
+          </a:effectRef>
+          <a:fontRef idx="minor">
+            <a:schemeClr val="tx1"/>
+          </a:fontRef>
+        </p:style>
+      </p:cxnSp>
+      <p:cxnSp>
+        <p:nvCxnSpPr>
+          <p:cNvPr id="22" name="Straight Connector 21"/>
+          <p:cNvCxnSpPr/>
+          <p:nvPr/>
+        </p:nvCxnSpPr>
+        <p:spPr>
+          <a:xfrm>
+            <a:off x="4619719" y="3019469"/>
+            <a:ext cx="216000" cy="0"/>
+          </a:xfrm>
+          <a:prstGeom prst="line">
+            <a:avLst/>
+          </a:prstGeom>
+          <a:ln>
+            <a:solidFill>
+              <a:schemeClr val="bg1"/>
+            </a:solidFill>
+          </a:ln>
+        </p:spPr>
+        <p:style>
+          <a:lnRef idx="1">
+            <a:schemeClr val="accent1"/>
+          </a:lnRef>
+          <a:fillRef idx="0">
+            <a:schemeClr val="accent1"/>
+          </a:fillRef>
+          <a:effectRef idx="0">
+            <a:schemeClr val="accent1"/>
+          </a:effectRef>
+          <a:fontRef idx="minor">
+            <a:schemeClr val="tx1"/>
+          </a:fontRef>
+        </p:style>
+      </p:cxnSp>
     </p:spTree>
     <p:extLst>
       <p:ext uri="{BB962C8B-B14F-4D97-AF65-F5344CB8AC3E}">
-        <p14:creationId xmlns:p14="http://schemas.microsoft.com/office/powerpoint/2010/main" val="2007415530"/>
+        <p14:creationId xmlns:p14="http://schemas.microsoft.com/office/powerpoint/2010/main" val="1985817931"/>
       </p:ext>
     </p:extLst>
   </p:cSld>
@@ -3296,8 +3442,8 @@
         </p:nvSpPr>
         <p:spPr>
           <a:xfrm>
-            <a:off x="2909455" y="1828800"/>
-            <a:ext cx="4871258" cy="4438996"/>
+            <a:off x="356755" y="95250"/>
+            <a:ext cx="7501370" cy="4810126"/>
           </a:xfrm>
           <a:prstGeom prst="rect">
             <a:avLst/>
@@ -3342,7 +3488,7 @@
         </p:nvCxnSpPr>
         <p:spPr>
           <a:xfrm>
-            <a:off x="3566160" y="2360814"/>
+            <a:off x="603885" y="420095"/>
             <a:ext cx="2219497" cy="0"/>
           </a:xfrm>
           <a:prstGeom prst="line">
@@ -3377,8 +3523,8 @@
         </p:nvCxnSpPr>
         <p:spPr>
           <a:xfrm>
-            <a:off x="5785657" y="2360814"/>
-            <a:ext cx="0" cy="2219498"/>
+            <a:off x="2823382" y="417714"/>
+            <a:ext cx="0" cy="2402379"/>
           </a:xfrm>
           <a:prstGeom prst="line">
             <a:avLst/>
@@ -3412,8 +3558,8 @@
         </p:nvCxnSpPr>
         <p:spPr>
           <a:xfrm>
-            <a:off x="5785657" y="4580312"/>
-            <a:ext cx="1221972" cy="0"/>
+            <a:off x="3301287" y="3287293"/>
+            <a:ext cx="1639417" cy="0"/>
           </a:xfrm>
           <a:prstGeom prst="line">
             <a:avLst/>
@@ -3447,8 +3593,8 @@
         </p:nvCxnSpPr>
         <p:spPr>
           <a:xfrm>
-            <a:off x="7007629" y="4580312"/>
-            <a:ext cx="0" cy="1346663"/>
+            <a:off x="4940704" y="3284912"/>
+            <a:ext cx="0" cy="1341901"/>
           </a:xfrm>
           <a:prstGeom prst="line">
             <a:avLst/>
@@ -3482,7 +3628,7 @@
         </p:nvCxnSpPr>
         <p:spPr>
           <a:xfrm>
-            <a:off x="3566160" y="2360814"/>
+            <a:off x="603885" y="417714"/>
             <a:ext cx="0" cy="2402379"/>
           </a:xfrm>
           <a:prstGeom prst="line">
@@ -3517,8 +3663,8 @@
         </p:nvCxnSpPr>
         <p:spPr>
           <a:xfrm>
-            <a:off x="5368212" y="4763193"/>
-            <a:ext cx="0" cy="1163782"/>
+            <a:off x="3301287" y="3284912"/>
+            <a:ext cx="0" cy="1346663"/>
           </a:xfrm>
           <a:prstGeom prst="line">
             <a:avLst/>
@@ -3552,8 +3698,8 @@
         </p:nvCxnSpPr>
         <p:spPr>
           <a:xfrm>
-            <a:off x="5368212" y="5926975"/>
-            <a:ext cx="1639417" cy="0"/>
+            <a:off x="3303668" y="4626813"/>
+            <a:ext cx="1637036" cy="0"/>
           </a:xfrm>
           <a:prstGeom prst="line">
             <a:avLst/>
@@ -3587,8 +3733,8 @@
         </p:nvCxnSpPr>
         <p:spPr>
           <a:xfrm>
-            <a:off x="3566160" y="4763193"/>
-            <a:ext cx="1802052" cy="0"/>
+            <a:off x="603885" y="2820093"/>
+            <a:ext cx="2219497" cy="0"/>
           </a:xfrm>
           <a:prstGeom prst="line">
             <a:avLst/>
@@ -3616,14 +3762,14 @@
       </p:cxnSp>
       <p:cxnSp>
         <p:nvCxnSpPr>
-          <p:cNvPr id="21" name="Straight Connector 20"/>
+          <p:cNvPr id="16" name="Straight Connector 15"/>
           <p:cNvCxnSpPr/>
           <p:nvPr/>
         </p:nvCxnSpPr>
         <p:spPr>
           <a:xfrm>
-            <a:off x="5368212" y="2360814"/>
-            <a:ext cx="0" cy="2402379"/>
+            <a:off x="3009994" y="3286169"/>
+            <a:ext cx="288000" cy="0"/>
           </a:xfrm>
           <a:prstGeom prst="line">
             <a:avLst/>
@@ -3649,10 +3795,325 @@
           </a:fontRef>
         </p:style>
       </p:cxnSp>
+      <p:cxnSp>
+        <p:nvCxnSpPr>
+          <p:cNvPr id="19" name="Straight Connector 18"/>
+          <p:cNvCxnSpPr/>
+          <p:nvPr/>
+        </p:nvCxnSpPr>
+        <p:spPr>
+          <a:xfrm>
+            <a:off x="3012375" y="2818014"/>
+            <a:ext cx="0" cy="468000"/>
+          </a:xfrm>
+          <a:prstGeom prst="line">
+            <a:avLst/>
+          </a:prstGeom>
+          <a:ln>
+            <a:solidFill>
+              <a:schemeClr val="bg1"/>
+            </a:solidFill>
+          </a:ln>
+        </p:spPr>
+        <p:style>
+          <a:lnRef idx="1">
+            <a:schemeClr val="accent1"/>
+          </a:lnRef>
+          <a:fillRef idx="0">
+            <a:schemeClr val="accent1"/>
+          </a:fillRef>
+          <a:effectRef idx="0">
+            <a:schemeClr val="accent1"/>
+          </a:effectRef>
+          <a:fontRef idx="minor">
+            <a:schemeClr val="tx1"/>
+          </a:fontRef>
+        </p:style>
+      </p:cxnSp>
+      <p:cxnSp>
+        <p:nvCxnSpPr>
+          <p:cNvPr id="22" name="Straight Connector 21"/>
+          <p:cNvCxnSpPr/>
+          <p:nvPr/>
+        </p:nvCxnSpPr>
+        <p:spPr>
+          <a:xfrm>
+            <a:off x="2800444" y="2819444"/>
+            <a:ext cx="216000" cy="0"/>
+          </a:xfrm>
+          <a:prstGeom prst="line">
+            <a:avLst/>
+          </a:prstGeom>
+          <a:ln>
+            <a:solidFill>
+              <a:schemeClr val="bg1"/>
+            </a:solidFill>
+          </a:ln>
+        </p:spPr>
+        <p:style>
+          <a:lnRef idx="1">
+            <a:schemeClr val="accent1"/>
+          </a:lnRef>
+          <a:fillRef idx="0">
+            <a:schemeClr val="accent1"/>
+          </a:fillRef>
+          <a:effectRef idx="0">
+            <a:schemeClr val="accent1"/>
+          </a:effectRef>
+          <a:fontRef idx="minor">
+            <a:schemeClr val="tx1"/>
+          </a:fontRef>
+        </p:style>
+      </p:cxnSp>
+      <p:cxnSp>
+        <p:nvCxnSpPr>
+          <p:cNvPr id="35" name="Straight Connector 34"/>
+          <p:cNvCxnSpPr/>
+          <p:nvPr/>
+        </p:nvCxnSpPr>
+        <p:spPr>
+          <a:xfrm>
+            <a:off x="5363179" y="417323"/>
+            <a:ext cx="2219497" cy="0"/>
+          </a:xfrm>
+          <a:prstGeom prst="line">
+            <a:avLst/>
+          </a:prstGeom>
+          <a:ln>
+            <a:solidFill>
+              <a:schemeClr val="bg1"/>
+            </a:solidFill>
+          </a:ln>
+        </p:spPr>
+        <p:style>
+          <a:lnRef idx="1">
+            <a:schemeClr val="accent1"/>
+          </a:lnRef>
+          <a:fillRef idx="0">
+            <a:schemeClr val="accent1"/>
+          </a:fillRef>
+          <a:effectRef idx="0">
+            <a:schemeClr val="accent1"/>
+          </a:effectRef>
+          <a:fontRef idx="minor">
+            <a:schemeClr val="tx1"/>
+          </a:fontRef>
+        </p:style>
+      </p:cxnSp>
+      <p:cxnSp>
+        <p:nvCxnSpPr>
+          <p:cNvPr id="36" name="Straight Connector 35"/>
+          <p:cNvCxnSpPr/>
+          <p:nvPr/>
+        </p:nvCxnSpPr>
+        <p:spPr>
+          <a:xfrm>
+            <a:off x="7582676" y="414942"/>
+            <a:ext cx="0" cy="2402379"/>
+          </a:xfrm>
+          <a:prstGeom prst="line">
+            <a:avLst/>
+          </a:prstGeom>
+          <a:ln>
+            <a:solidFill>
+              <a:schemeClr val="bg1"/>
+            </a:solidFill>
+          </a:ln>
+        </p:spPr>
+        <p:style>
+          <a:lnRef idx="1">
+            <a:schemeClr val="accent1"/>
+          </a:lnRef>
+          <a:fillRef idx="0">
+            <a:schemeClr val="accent1"/>
+          </a:fillRef>
+          <a:effectRef idx="0">
+            <a:schemeClr val="accent1"/>
+          </a:effectRef>
+          <a:fontRef idx="minor">
+            <a:schemeClr val="tx1"/>
+          </a:fontRef>
+        </p:style>
+      </p:cxnSp>
+      <p:cxnSp>
+        <p:nvCxnSpPr>
+          <p:cNvPr id="37" name="Straight Connector 36"/>
+          <p:cNvCxnSpPr/>
+          <p:nvPr/>
+        </p:nvCxnSpPr>
+        <p:spPr>
+          <a:xfrm>
+            <a:off x="5363179" y="414942"/>
+            <a:ext cx="0" cy="2402379"/>
+          </a:xfrm>
+          <a:prstGeom prst="line">
+            <a:avLst/>
+          </a:prstGeom>
+          <a:ln>
+            <a:solidFill>
+              <a:schemeClr val="bg1"/>
+            </a:solidFill>
+          </a:ln>
+        </p:spPr>
+        <p:style>
+          <a:lnRef idx="1">
+            <a:schemeClr val="accent1"/>
+          </a:lnRef>
+          <a:fillRef idx="0">
+            <a:schemeClr val="accent1"/>
+          </a:fillRef>
+          <a:effectRef idx="0">
+            <a:schemeClr val="accent1"/>
+          </a:effectRef>
+          <a:fontRef idx="minor">
+            <a:schemeClr val="tx1"/>
+          </a:fontRef>
+        </p:style>
+      </p:cxnSp>
+      <p:cxnSp>
+        <p:nvCxnSpPr>
+          <p:cNvPr id="38" name="Straight Connector 37"/>
+          <p:cNvCxnSpPr/>
+          <p:nvPr/>
+        </p:nvCxnSpPr>
+        <p:spPr>
+          <a:xfrm>
+            <a:off x="5363179" y="2817321"/>
+            <a:ext cx="2219497" cy="0"/>
+          </a:xfrm>
+          <a:prstGeom prst="line">
+            <a:avLst/>
+          </a:prstGeom>
+          <a:ln>
+            <a:solidFill>
+              <a:schemeClr val="bg1"/>
+            </a:solidFill>
+          </a:ln>
+        </p:spPr>
+        <p:style>
+          <a:lnRef idx="1">
+            <a:schemeClr val="accent1"/>
+          </a:lnRef>
+          <a:fillRef idx="0">
+            <a:schemeClr val="accent1"/>
+          </a:fillRef>
+          <a:effectRef idx="0">
+            <a:schemeClr val="accent1"/>
+          </a:effectRef>
+          <a:fontRef idx="minor">
+            <a:schemeClr val="tx1"/>
+          </a:fontRef>
+        </p:style>
+      </p:cxnSp>
+      <p:cxnSp>
+        <p:nvCxnSpPr>
+          <p:cNvPr id="39" name="Straight Connector 38"/>
+          <p:cNvCxnSpPr/>
+          <p:nvPr/>
+        </p:nvCxnSpPr>
+        <p:spPr>
+          <a:xfrm>
+            <a:off x="4940704" y="3287410"/>
+            <a:ext cx="216000" cy="0"/>
+          </a:xfrm>
+          <a:prstGeom prst="line">
+            <a:avLst/>
+          </a:prstGeom>
+          <a:ln>
+            <a:solidFill>
+              <a:schemeClr val="bg1"/>
+            </a:solidFill>
+          </a:ln>
+        </p:spPr>
+        <p:style>
+          <a:lnRef idx="1">
+            <a:schemeClr val="accent1"/>
+          </a:lnRef>
+          <a:fillRef idx="0">
+            <a:schemeClr val="accent1"/>
+          </a:fillRef>
+          <a:effectRef idx="0">
+            <a:schemeClr val="accent1"/>
+          </a:effectRef>
+          <a:fontRef idx="minor">
+            <a:schemeClr val="tx1"/>
+          </a:fontRef>
+        </p:style>
+      </p:cxnSp>
+      <p:cxnSp>
+        <p:nvCxnSpPr>
+          <p:cNvPr id="40" name="Straight Connector 39"/>
+          <p:cNvCxnSpPr/>
+          <p:nvPr/>
+        </p:nvCxnSpPr>
+        <p:spPr>
+          <a:xfrm>
+            <a:off x="5154270" y="2817321"/>
+            <a:ext cx="0" cy="468000"/>
+          </a:xfrm>
+          <a:prstGeom prst="line">
+            <a:avLst/>
+          </a:prstGeom>
+          <a:ln>
+            <a:solidFill>
+              <a:schemeClr val="bg1"/>
+            </a:solidFill>
+          </a:ln>
+        </p:spPr>
+        <p:style>
+          <a:lnRef idx="1">
+            <a:schemeClr val="accent1"/>
+          </a:lnRef>
+          <a:fillRef idx="0">
+            <a:schemeClr val="accent1"/>
+          </a:fillRef>
+          <a:effectRef idx="0">
+            <a:schemeClr val="accent1"/>
+          </a:effectRef>
+          <a:fontRef idx="minor">
+            <a:schemeClr val="tx1"/>
+          </a:fontRef>
+        </p:style>
+      </p:cxnSp>
+      <p:cxnSp>
+        <p:nvCxnSpPr>
+          <p:cNvPr id="41" name="Straight Connector 40"/>
+          <p:cNvCxnSpPr/>
+          <p:nvPr/>
+        </p:nvCxnSpPr>
+        <p:spPr>
+          <a:xfrm>
+            <a:off x="5154089" y="2818014"/>
+            <a:ext cx="216000" cy="0"/>
+          </a:xfrm>
+          <a:prstGeom prst="line">
+            <a:avLst/>
+          </a:prstGeom>
+          <a:ln>
+            <a:solidFill>
+              <a:schemeClr val="bg1"/>
+            </a:solidFill>
+          </a:ln>
+        </p:spPr>
+        <p:style>
+          <a:lnRef idx="1">
+            <a:schemeClr val="accent1"/>
+          </a:lnRef>
+          <a:fillRef idx="0">
+            <a:schemeClr val="accent1"/>
+          </a:fillRef>
+          <a:effectRef idx="0">
+            <a:schemeClr val="accent1"/>
+          </a:effectRef>
+          <a:fontRef idx="minor">
+            <a:schemeClr val="tx1"/>
+          </a:fontRef>
+        </p:style>
+      </p:cxnSp>
     </p:spTree>
     <p:extLst>
       <p:ext uri="{BB962C8B-B14F-4D97-AF65-F5344CB8AC3E}">
-        <p14:creationId xmlns:p14="http://schemas.microsoft.com/office/powerpoint/2010/main" val="1985817931"/>
+        <p14:creationId xmlns:p14="http://schemas.microsoft.com/office/powerpoint/2010/main" val="228806230"/>
       </p:ext>
     </p:extLst>
   </p:cSld>
@@ -3681,14 +4142,14 @@
       </p:grpSpPr>
       <p:sp>
         <p:nvSpPr>
-          <p:cNvPr id="4" name="Rectangle 3"/>
+          <p:cNvPr id="7" name="Rectangle 6"/>
           <p:cNvSpPr/>
           <p:nvPr/>
         </p:nvSpPr>
         <p:spPr>
           <a:xfrm>
-            <a:off x="4153648" y="1763059"/>
-            <a:ext cx="4566023" cy="4350870"/>
+            <a:off x="356755" y="95250"/>
+            <a:ext cx="7501370" cy="4810126"/>
           </a:xfrm>
           <a:prstGeom prst="rect">
             <a:avLst/>
@@ -3725,154 +4186,16 @@
           </a:p>
         </p:txBody>
       </p:sp>
-      <p:sp>
-        <p:nvSpPr>
-          <p:cNvPr id="30" name="Rectangle 29"/>
-          <p:cNvSpPr/>
-          <p:nvPr/>
-        </p:nvSpPr>
-        <p:spPr>
-          <a:xfrm>
-            <a:off x="5504329" y="3155577"/>
-            <a:ext cx="1900518" cy="1583765"/>
-          </a:xfrm>
-          <a:prstGeom prst="rect">
-            <a:avLst/>
-          </a:prstGeom>
-          <a:noFill/>
-          <a:ln w="6350">
-            <a:solidFill>
-              <a:schemeClr val="bg1"/>
-            </a:solidFill>
-          </a:ln>
-        </p:spPr>
-        <p:style>
-          <a:lnRef idx="2">
-            <a:schemeClr val="accent1">
-              <a:shade val="50000"/>
-            </a:schemeClr>
-          </a:lnRef>
-          <a:fillRef idx="1">
-            <a:schemeClr val="accent1"/>
-          </a:fillRef>
-          <a:effectRef idx="0">
-            <a:schemeClr val="accent1"/>
-          </a:effectRef>
-          <a:fontRef idx="minor">
-            <a:schemeClr val="lt1"/>
-          </a:fontRef>
-        </p:style>
-        <p:txBody>
-          <a:bodyPr rtlCol="0" anchor="ctr"/>
-          <a:lstStyle/>
-          <a:p>
-            <a:pPr algn="ctr"/>
-            <a:endParaRPr lang="nl-NL"/>
-          </a:p>
-        </p:txBody>
-      </p:sp>
-      <p:sp>
-        <p:nvSpPr>
-          <p:cNvPr id="31" name="Rectangle 30"/>
-          <p:cNvSpPr/>
-          <p:nvPr/>
-        </p:nvSpPr>
-        <p:spPr>
-          <a:xfrm>
-            <a:off x="5068047" y="2695388"/>
-            <a:ext cx="2794000" cy="2501155"/>
-          </a:xfrm>
-          <a:prstGeom prst="rect">
-            <a:avLst/>
-          </a:prstGeom>
-          <a:noFill/>
-          <a:ln w="6350">
-            <a:solidFill>
-              <a:schemeClr val="bg1"/>
-            </a:solidFill>
-          </a:ln>
-        </p:spPr>
-        <p:style>
-          <a:lnRef idx="2">
-            <a:schemeClr val="accent1">
-              <a:shade val="50000"/>
-            </a:schemeClr>
-          </a:lnRef>
-          <a:fillRef idx="1">
-            <a:schemeClr val="accent1"/>
-          </a:fillRef>
-          <a:effectRef idx="0">
-            <a:schemeClr val="accent1"/>
-          </a:effectRef>
-          <a:fontRef idx="minor">
-            <a:schemeClr val="lt1"/>
-          </a:fontRef>
-        </p:style>
-        <p:txBody>
-          <a:bodyPr rtlCol="0" anchor="ctr"/>
-          <a:lstStyle/>
-          <a:p>
-            <a:pPr algn="ctr"/>
-            <a:endParaRPr lang="nl-NL"/>
-          </a:p>
-        </p:txBody>
-      </p:sp>
-      <p:sp>
-        <p:nvSpPr>
-          <p:cNvPr id="32" name="Rectangle 31"/>
-          <p:cNvSpPr/>
-          <p:nvPr/>
-        </p:nvSpPr>
-        <p:spPr>
-          <a:xfrm>
-            <a:off x="4601882" y="2217271"/>
-            <a:ext cx="3696447" cy="3439461"/>
-          </a:xfrm>
-          <a:prstGeom prst="rect">
-            <a:avLst/>
-          </a:prstGeom>
-          <a:noFill/>
-          <a:ln w="6350">
-            <a:solidFill>
-              <a:schemeClr val="bg1"/>
-            </a:solidFill>
-          </a:ln>
-        </p:spPr>
-        <p:style>
-          <a:lnRef idx="2">
-            <a:schemeClr val="accent1">
-              <a:shade val="50000"/>
-            </a:schemeClr>
-          </a:lnRef>
-          <a:fillRef idx="1">
-            <a:schemeClr val="accent1"/>
-          </a:fillRef>
-          <a:effectRef idx="0">
-            <a:schemeClr val="accent1"/>
-          </a:effectRef>
-          <a:fontRef idx="minor">
-            <a:schemeClr val="lt1"/>
-          </a:fontRef>
-        </p:style>
-        <p:txBody>
-          <a:bodyPr rtlCol="0" anchor="ctr"/>
-          <a:lstStyle/>
-          <a:p>
-            <a:pPr algn="ctr"/>
-            <a:endParaRPr lang="nl-NL"/>
-          </a:p>
-        </p:txBody>
-      </p:sp>
       <p:cxnSp>
         <p:nvCxnSpPr>
-          <p:cNvPr id="34" name="Straight Connector 33"/>
+          <p:cNvPr id="11" name="Straight Connector 10"/>
           <p:cNvCxnSpPr/>
           <p:nvPr/>
         </p:nvCxnSpPr>
         <p:spPr>
           <a:xfrm>
-            <a:off x="6950636" y="2217271"/>
-            <a:ext cx="0" cy="478117"/>
+            <a:off x="3301287" y="3287293"/>
+            <a:ext cx="1639417" cy="0"/>
           </a:xfrm>
           <a:prstGeom prst="line">
             <a:avLst/>
@@ -3900,14 +4223,14 @@
       </p:cxnSp>
       <p:cxnSp>
         <p:nvCxnSpPr>
-          <p:cNvPr id="35" name="Straight Connector 34"/>
+          <p:cNvPr id="13" name="Straight Connector 12"/>
           <p:cNvCxnSpPr/>
           <p:nvPr/>
         </p:nvCxnSpPr>
         <p:spPr>
           <a:xfrm>
-            <a:off x="7168777" y="4739342"/>
-            <a:ext cx="8964" cy="457201"/>
+            <a:off x="4940704" y="3284912"/>
+            <a:ext cx="0" cy="1341901"/>
           </a:xfrm>
           <a:prstGeom prst="line">
             <a:avLst/>
@@ -3935,14 +4258,14 @@
       </p:cxnSp>
       <p:cxnSp>
         <p:nvCxnSpPr>
-          <p:cNvPr id="39" name="Straight Connector 38"/>
+          <p:cNvPr id="16" name="Straight Connector 15"/>
           <p:cNvCxnSpPr/>
           <p:nvPr/>
         </p:nvCxnSpPr>
         <p:spPr>
-          <a:xfrm flipH="1">
-            <a:off x="7404847" y="3346827"/>
-            <a:ext cx="457201" cy="0"/>
+          <a:xfrm>
+            <a:off x="3301287" y="3284912"/>
+            <a:ext cx="0" cy="1346663"/>
           </a:xfrm>
           <a:prstGeom prst="line">
             <a:avLst/>
@@ -3970,14 +4293,14 @@
       </p:cxnSp>
       <p:cxnSp>
         <p:nvCxnSpPr>
-          <p:cNvPr id="42" name="Straight Connector 41"/>
+          <p:cNvPr id="18" name="Straight Connector 17"/>
           <p:cNvCxnSpPr/>
           <p:nvPr/>
         </p:nvCxnSpPr>
         <p:spPr>
-          <a:xfrm flipH="1">
-            <a:off x="4601882" y="2971800"/>
-            <a:ext cx="466166" cy="0"/>
+          <a:xfrm>
+            <a:off x="3303668" y="4626813"/>
+            <a:ext cx="1637036" cy="0"/>
           </a:xfrm>
           <a:prstGeom prst="line">
             <a:avLst/>
@@ -4003,80 +4326,10 @@
           </a:fontRef>
         </p:style>
       </p:cxnSp>
-      <p:cxnSp>
-        <p:nvCxnSpPr>
-          <p:cNvPr id="44" name="Straight Connector 43"/>
-          <p:cNvCxnSpPr/>
-          <p:nvPr/>
-        </p:nvCxnSpPr>
-        <p:spPr>
-          <a:xfrm flipH="1">
-            <a:off x="5068047" y="4433048"/>
-            <a:ext cx="436282" cy="1493"/>
-          </a:xfrm>
-          <a:prstGeom prst="line">
-            <a:avLst/>
-          </a:prstGeom>
-          <a:ln>
-            <a:solidFill>
-              <a:schemeClr val="bg1"/>
-            </a:solidFill>
-          </a:ln>
-        </p:spPr>
-        <p:style>
-          <a:lnRef idx="1">
-            <a:schemeClr val="accent1"/>
-          </a:lnRef>
-          <a:fillRef idx="0">
-            <a:schemeClr val="accent1"/>
-          </a:fillRef>
-          <a:effectRef idx="0">
-            <a:schemeClr val="accent1"/>
-          </a:effectRef>
-          <a:fontRef idx="minor">
-            <a:schemeClr val="tx1"/>
-          </a:fontRef>
-        </p:style>
-      </p:cxnSp>
-      <p:cxnSp>
-        <p:nvCxnSpPr>
-          <p:cNvPr id="46" name="Straight Connector 45"/>
-          <p:cNvCxnSpPr/>
-          <p:nvPr/>
-        </p:nvCxnSpPr>
-        <p:spPr>
-          <a:xfrm flipH="1" flipV="1">
-            <a:off x="7862047" y="4566024"/>
-            <a:ext cx="436284" cy="2992"/>
-          </a:xfrm>
-          <a:prstGeom prst="line">
-            <a:avLst/>
-          </a:prstGeom>
-          <a:ln>
-            <a:solidFill>
-              <a:schemeClr val="bg1"/>
-            </a:solidFill>
-          </a:ln>
-        </p:spPr>
-        <p:style>
-          <a:lnRef idx="1">
-            <a:schemeClr val="accent1"/>
-          </a:lnRef>
-          <a:fillRef idx="0">
-            <a:schemeClr val="accent1"/>
-          </a:fillRef>
-          <a:effectRef idx="0">
-            <a:schemeClr val="accent1"/>
-          </a:effectRef>
-          <a:fontRef idx="minor">
-            <a:schemeClr val="tx1"/>
-          </a:fontRef>
-        </p:style>
-      </p:cxnSp>
     </p:spTree>
     <p:extLst>
       <p:ext uri="{BB962C8B-B14F-4D97-AF65-F5344CB8AC3E}">
-        <p14:creationId xmlns:p14="http://schemas.microsoft.com/office/powerpoint/2010/main" val="2055217728"/>
+        <p14:creationId xmlns:p14="http://schemas.microsoft.com/office/powerpoint/2010/main" val="1541075144"/>
       </p:ext>
     </p:extLst>
   </p:cSld>
@@ -4111,8 +4364,8 @@
         </p:nvSpPr>
         <p:spPr>
           <a:xfrm>
-            <a:off x="2931758" y="1014761"/>
-            <a:ext cx="4871258" cy="4438996"/>
+            <a:off x="356755" y="95250"/>
+            <a:ext cx="7501370" cy="4810126"/>
           </a:xfrm>
           <a:prstGeom prst="rect">
             <a:avLst/>
@@ -4151,19 +4404,19 @@
       </p:sp>
       <p:cxnSp>
         <p:nvCxnSpPr>
-          <p:cNvPr id="13" name="Straight Connector 12"/>
+          <p:cNvPr id="5" name="Straight Connector 4"/>
           <p:cNvCxnSpPr/>
           <p:nvPr/>
         </p:nvCxnSpPr>
         <p:spPr>
           <a:xfrm>
-            <a:off x="4222727" y="2044513"/>
+            <a:off x="603885" y="420095"/>
             <a:ext cx="2219497" cy="0"/>
           </a:xfrm>
           <a:prstGeom prst="line">
             <a:avLst/>
           </a:prstGeom>
-          <a:ln w="12700">
+          <a:ln>
             <a:solidFill>
               <a:schemeClr val="bg1"/>
             </a:solidFill>
@@ -4186,19 +4439,19 @@
       </p:cxnSp>
       <p:cxnSp>
         <p:nvCxnSpPr>
-          <p:cNvPr id="14" name="Straight Connector 13"/>
+          <p:cNvPr id="6" name="Straight Connector 5"/>
           <p:cNvCxnSpPr/>
           <p:nvPr/>
         </p:nvCxnSpPr>
         <p:spPr>
           <a:xfrm>
-            <a:off x="6442224" y="2044513"/>
+            <a:off x="2823382" y="417714"/>
             <a:ext cx="0" cy="2402379"/>
           </a:xfrm>
           <a:prstGeom prst="line">
             <a:avLst/>
           </a:prstGeom>
-          <a:ln w="12700">
+          <a:ln>
             <a:solidFill>
               <a:schemeClr val="bg1"/>
             </a:solidFill>
@@ -4221,19 +4474,19 @@
       </p:cxnSp>
       <p:cxnSp>
         <p:nvCxnSpPr>
-          <p:cNvPr id="15" name="Straight Connector 14"/>
+          <p:cNvPr id="7" name="Straight Connector 6"/>
           <p:cNvCxnSpPr/>
           <p:nvPr/>
         </p:nvCxnSpPr>
         <p:spPr>
-          <a:xfrm flipV="1">
-            <a:off x="4222727" y="4446895"/>
-            <a:ext cx="2219497" cy="2873"/>
+          <a:xfrm>
+            <a:off x="603885" y="417714"/>
+            <a:ext cx="0" cy="2402379"/>
           </a:xfrm>
           <a:prstGeom prst="line">
             <a:avLst/>
           </a:prstGeom>
-          <a:ln w="12700">
+          <a:ln>
             <a:solidFill>
               <a:schemeClr val="bg1"/>
             </a:solidFill>
@@ -4256,19 +4509,130 @@
       </p:cxnSp>
       <p:cxnSp>
         <p:nvCxnSpPr>
-          <p:cNvPr id="16" name="Straight Connector 15"/>
+          <p:cNvPr id="8" name="Straight Connector 7"/>
           <p:cNvCxnSpPr/>
           <p:nvPr/>
         </p:nvCxnSpPr>
         <p:spPr>
           <a:xfrm>
-            <a:off x="5880444" y="1595886"/>
-            <a:ext cx="2771" cy="448627"/>
+            <a:off x="603885" y="2820093"/>
+            <a:ext cx="2219497" cy="0"/>
           </a:xfrm>
           <a:prstGeom prst="line">
             <a:avLst/>
           </a:prstGeom>
-          <a:ln w="12700">
+          <a:ln>
+            <a:solidFill>
+              <a:schemeClr val="bg1"/>
+            </a:solidFill>
+          </a:ln>
+        </p:spPr>
+        <p:style>
+          <a:lnRef idx="1">
+            <a:schemeClr val="accent1"/>
+          </a:lnRef>
+          <a:fillRef idx="0">
+            <a:schemeClr val="accent1"/>
+          </a:fillRef>
+          <a:effectRef idx="0">
+            <a:schemeClr val="accent1"/>
+          </a:effectRef>
+          <a:fontRef idx="minor">
+            <a:schemeClr val="tx1"/>
+          </a:fontRef>
+        </p:style>
+      </p:cxnSp>
+    </p:spTree>
+    <p:extLst>
+      <p:ext uri="{BB962C8B-B14F-4D97-AF65-F5344CB8AC3E}">
+        <p14:creationId xmlns:p14="http://schemas.microsoft.com/office/powerpoint/2010/main" val="3183901185"/>
+      </p:ext>
+    </p:extLst>
+  </p:cSld>
+  <p:clrMapOvr>
+    <a:masterClrMapping/>
+  </p:clrMapOvr>
+</p:sld>
+</file>
+
+<file path=ppt/slides/slide5.xml><?xml version="1.0" encoding="utf-8"?>
+<p:sld xmlns:a="http://schemas.openxmlformats.org/drawingml/2006/main" xmlns:r="http://schemas.openxmlformats.org/officeDocument/2006/relationships" xmlns:p="http://schemas.openxmlformats.org/presentationml/2006/main">
+  <p:cSld>
+    <p:spTree>
+      <p:nvGrpSpPr>
+        <p:cNvPr id="1" name=""/>
+        <p:cNvGrpSpPr/>
+        <p:nvPr/>
+      </p:nvGrpSpPr>
+      <p:grpSpPr>
+        <a:xfrm>
+          <a:off x="0" y="0"/>
+          <a:ext cx="0" cy="0"/>
+          <a:chOff x="0" y="0"/>
+          <a:chExt cx="0" cy="0"/>
+        </a:xfrm>
+      </p:grpSpPr>
+      <p:sp>
+        <p:nvSpPr>
+          <p:cNvPr id="4" name="Rectangle 3"/>
+          <p:cNvSpPr/>
+          <p:nvPr/>
+        </p:nvSpPr>
+        <p:spPr>
+          <a:xfrm>
+            <a:off x="356755" y="95250"/>
+            <a:ext cx="7501370" cy="4810126"/>
+          </a:xfrm>
+          <a:prstGeom prst="rect">
+            <a:avLst/>
+          </a:prstGeom>
+          <a:solidFill>
+            <a:schemeClr val="tx1"/>
+          </a:solidFill>
+          <a:ln>
+            <a:noFill/>
+          </a:ln>
+        </p:spPr>
+        <p:style>
+          <a:lnRef idx="2">
+            <a:schemeClr val="accent1">
+              <a:shade val="50000"/>
+            </a:schemeClr>
+          </a:lnRef>
+          <a:fillRef idx="1">
+            <a:schemeClr val="accent1"/>
+          </a:fillRef>
+          <a:effectRef idx="0">
+            <a:schemeClr val="accent1"/>
+          </a:effectRef>
+          <a:fontRef idx="minor">
+            <a:schemeClr val="lt1"/>
+          </a:fontRef>
+        </p:style>
+        <p:txBody>
+          <a:bodyPr rtlCol="0" anchor="ctr"/>
+          <a:lstStyle/>
+          <a:p>
+            <a:pPr algn="ctr"/>
+            <a:endParaRPr lang="nl-NL"/>
+          </a:p>
+        </p:txBody>
+      </p:sp>
+      <p:cxnSp>
+        <p:nvCxnSpPr>
+          <p:cNvPr id="35" name="Straight Connector 34"/>
+          <p:cNvCxnSpPr/>
+          <p:nvPr/>
+        </p:nvCxnSpPr>
+        <p:spPr>
+          <a:xfrm>
+            <a:off x="5363179" y="417323"/>
+            <a:ext cx="2219497" cy="0"/>
+          </a:xfrm>
+          <a:prstGeom prst="line">
+            <a:avLst/>
+          </a:prstGeom>
+          <a:ln>
             <a:solidFill>
               <a:schemeClr val="bg1"/>
             </a:solidFill>
@@ -4291,19 +4655,19 @@
       </p:cxnSp>
       <p:cxnSp>
         <p:nvCxnSpPr>
-          <p:cNvPr id="17" name="Straight Connector 16"/>
+          <p:cNvPr id="36" name="Straight Connector 35"/>
           <p:cNvCxnSpPr/>
           <p:nvPr/>
         </p:nvCxnSpPr>
         <p:spPr>
           <a:xfrm>
-            <a:off x="4222727" y="2044513"/>
+            <a:off x="7582676" y="414942"/>
             <a:ext cx="0" cy="2402379"/>
           </a:xfrm>
           <a:prstGeom prst="line">
             <a:avLst/>
           </a:prstGeom>
-          <a:ln w="12700">
+          <a:ln>
             <a:solidFill>
               <a:schemeClr val="bg1"/>
             </a:solidFill>
@@ -4326,124 +4690,19 @@
       </p:cxnSp>
       <p:cxnSp>
         <p:nvCxnSpPr>
-          <p:cNvPr id="20" name="Straight Connector 19"/>
+          <p:cNvPr id="37" name="Straight Connector 36"/>
           <p:cNvCxnSpPr/>
           <p:nvPr/>
         </p:nvCxnSpPr>
         <p:spPr>
           <a:xfrm>
-            <a:off x="3754025" y="1595886"/>
-            <a:ext cx="3133897" cy="2876"/>
+            <a:off x="5363179" y="414942"/>
+            <a:ext cx="0" cy="2402379"/>
           </a:xfrm>
           <a:prstGeom prst="line">
             <a:avLst/>
           </a:prstGeom>
-          <a:ln w="12700">
-            <a:solidFill>
-              <a:schemeClr val="bg1"/>
-            </a:solidFill>
-          </a:ln>
-        </p:spPr>
-        <p:style>
-          <a:lnRef idx="1">
-            <a:schemeClr val="accent1"/>
-          </a:lnRef>
-          <a:fillRef idx="0">
-            <a:schemeClr val="accent1"/>
-          </a:fillRef>
-          <a:effectRef idx="0">
-            <a:schemeClr val="accent1"/>
-          </a:effectRef>
-          <a:fontRef idx="minor">
-            <a:schemeClr val="tx1"/>
-          </a:fontRef>
-        </p:style>
-      </p:cxnSp>
-      <p:cxnSp>
-        <p:nvCxnSpPr>
-          <p:cNvPr id="21" name="Straight Connector 20"/>
-          <p:cNvCxnSpPr/>
-          <p:nvPr/>
-        </p:nvCxnSpPr>
-        <p:spPr>
-          <a:xfrm>
-            <a:off x="6887922" y="1598762"/>
-            <a:ext cx="0" cy="3265073"/>
-          </a:xfrm>
-          <a:prstGeom prst="line">
-            <a:avLst/>
-          </a:prstGeom>
-          <a:ln w="12700">
-            <a:solidFill>
-              <a:schemeClr val="bg1"/>
-            </a:solidFill>
-          </a:ln>
-        </p:spPr>
-        <p:style>
-          <a:lnRef idx="1">
-            <a:schemeClr val="accent1"/>
-          </a:lnRef>
-          <a:fillRef idx="0">
-            <a:schemeClr val="accent1"/>
-          </a:fillRef>
-          <a:effectRef idx="0">
-            <a:schemeClr val="accent1"/>
-          </a:effectRef>
-          <a:fontRef idx="minor">
-            <a:schemeClr val="tx1"/>
-          </a:fontRef>
-        </p:style>
-      </p:cxnSp>
-      <p:cxnSp>
-        <p:nvCxnSpPr>
-          <p:cNvPr id="22" name="Straight Connector 21"/>
-          <p:cNvCxnSpPr/>
-          <p:nvPr/>
-        </p:nvCxnSpPr>
-        <p:spPr>
-          <a:xfrm>
-            <a:off x="3754025" y="4866711"/>
-            <a:ext cx="3133897" cy="1"/>
-          </a:xfrm>
-          <a:prstGeom prst="line">
-            <a:avLst/>
-          </a:prstGeom>
-          <a:ln w="12700">
-            <a:solidFill>
-              <a:schemeClr val="bg1"/>
-            </a:solidFill>
-          </a:ln>
-        </p:spPr>
-        <p:style>
-          <a:lnRef idx="1">
-            <a:schemeClr val="accent1"/>
-          </a:lnRef>
-          <a:fillRef idx="0">
-            <a:schemeClr val="accent1"/>
-          </a:fillRef>
-          <a:effectRef idx="0">
-            <a:schemeClr val="accent1"/>
-          </a:effectRef>
-          <a:fontRef idx="minor">
-            <a:schemeClr val="tx1"/>
-          </a:fontRef>
-        </p:style>
-      </p:cxnSp>
-      <p:cxnSp>
-        <p:nvCxnSpPr>
-          <p:cNvPr id="23" name="Straight Connector 22"/>
-          <p:cNvCxnSpPr/>
-          <p:nvPr/>
-        </p:nvCxnSpPr>
-        <p:spPr>
-          <a:xfrm>
-            <a:off x="3754025" y="1598762"/>
-            <a:ext cx="0" cy="3270824"/>
-          </a:xfrm>
-          <a:prstGeom prst="line">
-            <a:avLst/>
-          </a:prstGeom>
-          <a:ln w="12700">
+          <a:ln>
             <a:solidFill>
               <a:schemeClr val="bg1"/>
             </a:solidFill>
@@ -4472,13 +4731,13 @@
         </p:nvCxnSpPr>
         <p:spPr>
           <a:xfrm>
-            <a:off x="4619625" y="4446892"/>
-            <a:ext cx="1257" cy="424132"/>
+            <a:off x="5363179" y="2817321"/>
+            <a:ext cx="2219497" cy="0"/>
           </a:xfrm>
           <a:prstGeom prst="line">
             <a:avLst/>
           </a:prstGeom>
-          <a:ln w="12700">
+          <a:ln>
             <a:solidFill>
               <a:schemeClr val="bg1"/>
             </a:solidFill>
@@ -4502,7 +4761,7 @@
     </p:spTree>
     <p:extLst>
       <p:ext uri="{BB962C8B-B14F-4D97-AF65-F5344CB8AC3E}">
-        <p14:creationId xmlns:p14="http://schemas.microsoft.com/office/powerpoint/2010/main" val="4095599319"/>
+        <p14:creationId xmlns:p14="http://schemas.microsoft.com/office/powerpoint/2010/main" val="2541246263"/>
       </p:ext>
     </p:extLst>
   </p:cSld>

--- a/sample_maps.pptx
+++ b/sample_maps.pptx
@@ -5,8 +5,8 @@
     <p:sldMasterId id="2147483648" r:id="rId1"/>
   </p:sldMasterIdLst>
   <p:sldIdLst>
-    <p:sldId id="257" r:id="rId2"/>
-    <p:sldId id="258" r:id="rId3"/>
+    <p:sldId id="258" r:id="rId2"/>
+    <p:sldId id="262" r:id="rId3"/>
     <p:sldId id="259" r:id="rId4"/>
     <p:sldId id="260" r:id="rId5"/>
     <p:sldId id="261" r:id="rId6"/>
@@ -2981,8 +2981,8 @@
         </p:nvSpPr>
         <p:spPr>
           <a:xfrm>
-            <a:off x="2176030" y="295275"/>
-            <a:ext cx="4843895" cy="4933950"/>
+            <a:off x="356755" y="95250"/>
+            <a:ext cx="7501370" cy="4810126"/>
           </a:xfrm>
           <a:prstGeom prst="rect">
             <a:avLst/>
@@ -3027,7 +3027,7 @@
         </p:nvCxnSpPr>
         <p:spPr>
           <a:xfrm>
-            <a:off x="2423160" y="620120"/>
+            <a:off x="603885" y="420095"/>
             <a:ext cx="2219497" cy="0"/>
           </a:xfrm>
           <a:prstGeom prst="line">
@@ -3062,7 +3062,7 @@
         </p:nvCxnSpPr>
         <p:spPr>
           <a:xfrm>
-            <a:off x="4642657" y="617739"/>
+            <a:off x="2823382" y="417714"/>
             <a:ext cx="0" cy="2402379"/>
           </a:xfrm>
           <a:prstGeom prst="line">
@@ -3097,7 +3097,7 @@
         </p:nvCxnSpPr>
         <p:spPr>
           <a:xfrm>
-            <a:off x="5120562" y="3487318"/>
+            <a:off x="3301287" y="3287293"/>
             <a:ext cx="1639417" cy="0"/>
           </a:xfrm>
           <a:prstGeom prst="line">
@@ -3132,8 +3132,8 @@
         </p:nvCxnSpPr>
         <p:spPr>
           <a:xfrm>
-            <a:off x="6759979" y="3484937"/>
-            <a:ext cx="0" cy="1346663"/>
+            <a:off x="4940704" y="3284912"/>
+            <a:ext cx="0" cy="1341901"/>
           </a:xfrm>
           <a:prstGeom prst="line">
             <a:avLst/>
@@ -3167,7 +3167,7 @@
         </p:nvCxnSpPr>
         <p:spPr>
           <a:xfrm>
-            <a:off x="2423160" y="617739"/>
+            <a:off x="603885" y="417714"/>
             <a:ext cx="0" cy="2402379"/>
           </a:xfrm>
           <a:prstGeom prst="line">
@@ -3202,7 +3202,7 @@
         </p:nvCxnSpPr>
         <p:spPr>
           <a:xfrm>
-            <a:off x="5120562" y="3484937"/>
+            <a:off x="3301287" y="3284912"/>
             <a:ext cx="0" cy="1346663"/>
           </a:xfrm>
           <a:prstGeom prst="line">
@@ -3237,8 +3237,8 @@
         </p:nvCxnSpPr>
         <p:spPr>
           <a:xfrm>
-            <a:off x="5120562" y="4826838"/>
-            <a:ext cx="1639417" cy="0"/>
+            <a:off x="3303668" y="4626813"/>
+            <a:ext cx="1637036" cy="0"/>
           </a:xfrm>
           <a:prstGeom prst="line">
             <a:avLst/>
@@ -3272,7 +3272,7 @@
         </p:nvCxnSpPr>
         <p:spPr>
           <a:xfrm>
-            <a:off x="2423160" y="3020118"/>
+            <a:off x="603885" y="2820093"/>
             <a:ext cx="2219497" cy="0"/>
           </a:xfrm>
           <a:prstGeom prst="line">
@@ -3307,7 +3307,7 @@
         </p:nvCxnSpPr>
         <p:spPr>
           <a:xfrm>
-            <a:off x="4829269" y="3486194"/>
+            <a:off x="3009994" y="3286169"/>
             <a:ext cx="288000" cy="0"/>
           </a:xfrm>
           <a:prstGeom prst="line">
@@ -3342,7 +3342,7 @@
         </p:nvCxnSpPr>
         <p:spPr>
           <a:xfrm>
-            <a:off x="4831650" y="3018039"/>
+            <a:off x="3012375" y="2818014"/>
             <a:ext cx="0" cy="468000"/>
           </a:xfrm>
           <a:prstGeom prst="line">
@@ -3377,7 +3377,7 @@
         </p:nvCxnSpPr>
         <p:spPr>
           <a:xfrm>
-            <a:off x="4619719" y="3019469"/>
+            <a:off x="2800444" y="2819444"/>
             <a:ext cx="216000" cy="0"/>
           </a:xfrm>
           <a:prstGeom prst="line">
@@ -3404,10 +3404,255 @@
           </a:fontRef>
         </p:style>
       </p:cxnSp>
+      <p:cxnSp>
+        <p:nvCxnSpPr>
+          <p:cNvPr id="35" name="Straight Connector 34"/>
+          <p:cNvCxnSpPr/>
+          <p:nvPr/>
+        </p:nvCxnSpPr>
+        <p:spPr>
+          <a:xfrm>
+            <a:off x="5363179" y="417323"/>
+            <a:ext cx="2219497" cy="0"/>
+          </a:xfrm>
+          <a:prstGeom prst="line">
+            <a:avLst/>
+          </a:prstGeom>
+          <a:ln>
+            <a:solidFill>
+              <a:schemeClr val="bg1"/>
+            </a:solidFill>
+          </a:ln>
+        </p:spPr>
+        <p:style>
+          <a:lnRef idx="1">
+            <a:schemeClr val="accent1"/>
+          </a:lnRef>
+          <a:fillRef idx="0">
+            <a:schemeClr val="accent1"/>
+          </a:fillRef>
+          <a:effectRef idx="0">
+            <a:schemeClr val="accent1"/>
+          </a:effectRef>
+          <a:fontRef idx="minor">
+            <a:schemeClr val="tx1"/>
+          </a:fontRef>
+        </p:style>
+      </p:cxnSp>
+      <p:cxnSp>
+        <p:nvCxnSpPr>
+          <p:cNvPr id="36" name="Straight Connector 35"/>
+          <p:cNvCxnSpPr/>
+          <p:nvPr/>
+        </p:nvCxnSpPr>
+        <p:spPr>
+          <a:xfrm>
+            <a:off x="7582676" y="414942"/>
+            <a:ext cx="0" cy="2402379"/>
+          </a:xfrm>
+          <a:prstGeom prst="line">
+            <a:avLst/>
+          </a:prstGeom>
+          <a:ln>
+            <a:solidFill>
+              <a:schemeClr val="bg1"/>
+            </a:solidFill>
+          </a:ln>
+        </p:spPr>
+        <p:style>
+          <a:lnRef idx="1">
+            <a:schemeClr val="accent1"/>
+          </a:lnRef>
+          <a:fillRef idx="0">
+            <a:schemeClr val="accent1"/>
+          </a:fillRef>
+          <a:effectRef idx="0">
+            <a:schemeClr val="accent1"/>
+          </a:effectRef>
+          <a:fontRef idx="minor">
+            <a:schemeClr val="tx1"/>
+          </a:fontRef>
+        </p:style>
+      </p:cxnSp>
+      <p:cxnSp>
+        <p:nvCxnSpPr>
+          <p:cNvPr id="37" name="Straight Connector 36"/>
+          <p:cNvCxnSpPr/>
+          <p:nvPr/>
+        </p:nvCxnSpPr>
+        <p:spPr>
+          <a:xfrm>
+            <a:off x="5363179" y="414942"/>
+            <a:ext cx="0" cy="2402379"/>
+          </a:xfrm>
+          <a:prstGeom prst="line">
+            <a:avLst/>
+          </a:prstGeom>
+          <a:ln>
+            <a:solidFill>
+              <a:schemeClr val="bg1"/>
+            </a:solidFill>
+          </a:ln>
+        </p:spPr>
+        <p:style>
+          <a:lnRef idx="1">
+            <a:schemeClr val="accent1"/>
+          </a:lnRef>
+          <a:fillRef idx="0">
+            <a:schemeClr val="accent1"/>
+          </a:fillRef>
+          <a:effectRef idx="0">
+            <a:schemeClr val="accent1"/>
+          </a:effectRef>
+          <a:fontRef idx="minor">
+            <a:schemeClr val="tx1"/>
+          </a:fontRef>
+        </p:style>
+      </p:cxnSp>
+      <p:cxnSp>
+        <p:nvCxnSpPr>
+          <p:cNvPr id="38" name="Straight Connector 37"/>
+          <p:cNvCxnSpPr/>
+          <p:nvPr/>
+        </p:nvCxnSpPr>
+        <p:spPr>
+          <a:xfrm>
+            <a:off x="5363179" y="2817321"/>
+            <a:ext cx="2219497" cy="0"/>
+          </a:xfrm>
+          <a:prstGeom prst="line">
+            <a:avLst/>
+          </a:prstGeom>
+          <a:ln>
+            <a:solidFill>
+              <a:schemeClr val="bg1"/>
+            </a:solidFill>
+          </a:ln>
+        </p:spPr>
+        <p:style>
+          <a:lnRef idx="1">
+            <a:schemeClr val="accent1"/>
+          </a:lnRef>
+          <a:fillRef idx="0">
+            <a:schemeClr val="accent1"/>
+          </a:fillRef>
+          <a:effectRef idx="0">
+            <a:schemeClr val="accent1"/>
+          </a:effectRef>
+          <a:fontRef idx="minor">
+            <a:schemeClr val="tx1"/>
+          </a:fontRef>
+        </p:style>
+      </p:cxnSp>
+      <p:cxnSp>
+        <p:nvCxnSpPr>
+          <p:cNvPr id="39" name="Straight Connector 38"/>
+          <p:cNvCxnSpPr/>
+          <p:nvPr/>
+        </p:nvCxnSpPr>
+        <p:spPr>
+          <a:xfrm>
+            <a:off x="4940704" y="3287410"/>
+            <a:ext cx="216000" cy="0"/>
+          </a:xfrm>
+          <a:prstGeom prst="line">
+            <a:avLst/>
+          </a:prstGeom>
+          <a:ln>
+            <a:solidFill>
+              <a:schemeClr val="bg1"/>
+            </a:solidFill>
+          </a:ln>
+        </p:spPr>
+        <p:style>
+          <a:lnRef idx="1">
+            <a:schemeClr val="accent1"/>
+          </a:lnRef>
+          <a:fillRef idx="0">
+            <a:schemeClr val="accent1"/>
+          </a:fillRef>
+          <a:effectRef idx="0">
+            <a:schemeClr val="accent1"/>
+          </a:effectRef>
+          <a:fontRef idx="minor">
+            <a:schemeClr val="tx1"/>
+          </a:fontRef>
+        </p:style>
+      </p:cxnSp>
+      <p:cxnSp>
+        <p:nvCxnSpPr>
+          <p:cNvPr id="40" name="Straight Connector 39"/>
+          <p:cNvCxnSpPr/>
+          <p:nvPr/>
+        </p:nvCxnSpPr>
+        <p:spPr>
+          <a:xfrm>
+            <a:off x="5154270" y="2817321"/>
+            <a:ext cx="0" cy="468000"/>
+          </a:xfrm>
+          <a:prstGeom prst="line">
+            <a:avLst/>
+          </a:prstGeom>
+          <a:ln>
+            <a:solidFill>
+              <a:schemeClr val="bg1"/>
+            </a:solidFill>
+          </a:ln>
+        </p:spPr>
+        <p:style>
+          <a:lnRef idx="1">
+            <a:schemeClr val="accent1"/>
+          </a:lnRef>
+          <a:fillRef idx="0">
+            <a:schemeClr val="accent1"/>
+          </a:fillRef>
+          <a:effectRef idx="0">
+            <a:schemeClr val="accent1"/>
+          </a:effectRef>
+          <a:fontRef idx="minor">
+            <a:schemeClr val="tx1"/>
+          </a:fontRef>
+        </p:style>
+      </p:cxnSp>
+      <p:cxnSp>
+        <p:nvCxnSpPr>
+          <p:cNvPr id="41" name="Straight Connector 40"/>
+          <p:cNvCxnSpPr/>
+          <p:nvPr/>
+        </p:nvCxnSpPr>
+        <p:spPr>
+          <a:xfrm>
+            <a:off x="5154089" y="2818014"/>
+            <a:ext cx="216000" cy="0"/>
+          </a:xfrm>
+          <a:prstGeom prst="line">
+            <a:avLst/>
+          </a:prstGeom>
+          <a:ln>
+            <a:solidFill>
+              <a:schemeClr val="bg1"/>
+            </a:solidFill>
+          </a:ln>
+        </p:spPr>
+        <p:style>
+          <a:lnRef idx="1">
+            <a:schemeClr val="accent1"/>
+          </a:lnRef>
+          <a:fillRef idx="0">
+            <a:schemeClr val="accent1"/>
+          </a:fillRef>
+          <a:effectRef idx="0">
+            <a:schemeClr val="accent1"/>
+          </a:effectRef>
+          <a:fontRef idx="minor">
+            <a:schemeClr val="tx1"/>
+          </a:fontRef>
+        </p:style>
+      </p:cxnSp>
     </p:spTree>
     <p:extLst>
       <p:ext uri="{BB962C8B-B14F-4D97-AF65-F5344CB8AC3E}">
-        <p14:creationId xmlns:p14="http://schemas.microsoft.com/office/powerpoint/2010/main" val="1985817931"/>
+        <p14:creationId xmlns:p14="http://schemas.microsoft.com/office/powerpoint/2010/main" val="228806230"/>
       </p:ext>
     </p:extLst>
   </p:cSld>
@@ -3442,17 +3687,24 @@
         </p:nvSpPr>
         <p:spPr>
           <a:xfrm>
-            <a:off x="356755" y="95250"/>
+            <a:off x="373381" y="95250"/>
             <a:ext cx="7501370" cy="4810126"/>
           </a:xfrm>
           <a:prstGeom prst="rect">
             <a:avLst/>
           </a:prstGeom>
           <a:solidFill>
-            <a:schemeClr val="tx1"/>
+            <a:schemeClr val="accent2">
+              <a:lumMod val="40000"/>
+              <a:lumOff val="60000"/>
+            </a:schemeClr>
           </a:solidFill>
           <a:ln>
-            <a:noFill/>
+            <a:solidFill>
+              <a:schemeClr val="accent6">
+                <a:lumMod val="50000"/>
+              </a:schemeClr>
+            </a:solidFill>
           </a:ln>
         </p:spPr>
         <p:style>
@@ -3480,76 +3732,6 @@
           </a:p>
         </p:txBody>
       </p:sp>
-      <p:cxnSp>
-        <p:nvCxnSpPr>
-          <p:cNvPr id="11" name="Straight Connector 10"/>
-          <p:cNvCxnSpPr/>
-          <p:nvPr/>
-        </p:nvCxnSpPr>
-        <p:spPr>
-          <a:xfrm>
-            <a:off x="603885" y="420095"/>
-            <a:ext cx="2219497" cy="0"/>
-          </a:xfrm>
-          <a:prstGeom prst="line">
-            <a:avLst/>
-          </a:prstGeom>
-          <a:ln>
-            <a:solidFill>
-              <a:schemeClr val="bg1"/>
-            </a:solidFill>
-          </a:ln>
-        </p:spPr>
-        <p:style>
-          <a:lnRef idx="1">
-            <a:schemeClr val="accent1"/>
-          </a:lnRef>
-          <a:fillRef idx="0">
-            <a:schemeClr val="accent1"/>
-          </a:fillRef>
-          <a:effectRef idx="0">
-            <a:schemeClr val="accent1"/>
-          </a:effectRef>
-          <a:fontRef idx="minor">
-            <a:schemeClr val="tx1"/>
-          </a:fontRef>
-        </p:style>
-      </p:cxnSp>
-      <p:cxnSp>
-        <p:nvCxnSpPr>
-          <p:cNvPr id="13" name="Straight Connector 12"/>
-          <p:cNvCxnSpPr/>
-          <p:nvPr/>
-        </p:nvCxnSpPr>
-        <p:spPr>
-          <a:xfrm>
-            <a:off x="2823382" y="417714"/>
-            <a:ext cx="0" cy="2402379"/>
-          </a:xfrm>
-          <a:prstGeom prst="line">
-            <a:avLst/>
-          </a:prstGeom>
-          <a:ln>
-            <a:solidFill>
-              <a:schemeClr val="bg1"/>
-            </a:solidFill>
-          </a:ln>
-        </p:spPr>
-        <p:style>
-          <a:lnRef idx="1">
-            <a:schemeClr val="accent1"/>
-          </a:lnRef>
-          <a:fillRef idx="0">
-            <a:schemeClr val="accent1"/>
-          </a:fillRef>
-          <a:effectRef idx="0">
-            <a:schemeClr val="accent1"/>
-          </a:effectRef>
-          <a:fontRef idx="minor">
-            <a:schemeClr val="tx1"/>
-          </a:fontRef>
-        </p:style>
-      </p:cxnSp>
       <p:cxnSp>
         <p:nvCxnSpPr>
           <p:cNvPr id="15" name="Straight Connector 14"/>
@@ -3622,41 +3804,6 @@
       </p:cxnSp>
       <p:cxnSp>
         <p:nvCxnSpPr>
-          <p:cNvPr id="20" name="Straight Connector 19"/>
-          <p:cNvCxnSpPr/>
-          <p:nvPr/>
-        </p:nvCxnSpPr>
-        <p:spPr>
-          <a:xfrm>
-            <a:off x="603885" y="417714"/>
-            <a:ext cx="0" cy="2402379"/>
-          </a:xfrm>
-          <a:prstGeom prst="line">
-            <a:avLst/>
-          </a:prstGeom>
-          <a:ln>
-            <a:solidFill>
-              <a:schemeClr val="bg1"/>
-            </a:solidFill>
-          </a:ln>
-        </p:spPr>
-        <p:style>
-          <a:lnRef idx="1">
-            <a:schemeClr val="accent1"/>
-          </a:lnRef>
-          <a:fillRef idx="0">
-            <a:schemeClr val="accent1"/>
-          </a:fillRef>
-          <a:effectRef idx="0">
-            <a:schemeClr val="accent1"/>
-          </a:effectRef>
-          <a:fontRef idx="minor">
-            <a:schemeClr val="tx1"/>
-          </a:fontRef>
-        </p:style>
-      </p:cxnSp>
-      <p:cxnSp>
-        <p:nvCxnSpPr>
           <p:cNvPr id="8" name="Straight Connector 7"/>
           <p:cNvCxnSpPr/>
           <p:nvPr/>
@@ -3727,41 +3874,6 @@
       </p:cxnSp>
       <p:cxnSp>
         <p:nvCxnSpPr>
-          <p:cNvPr id="14" name="Straight Connector 13"/>
-          <p:cNvCxnSpPr/>
-          <p:nvPr/>
-        </p:nvCxnSpPr>
-        <p:spPr>
-          <a:xfrm>
-            <a:off x="603885" y="2820093"/>
-            <a:ext cx="2219497" cy="0"/>
-          </a:xfrm>
-          <a:prstGeom prst="line">
-            <a:avLst/>
-          </a:prstGeom>
-          <a:ln>
-            <a:solidFill>
-              <a:schemeClr val="bg1"/>
-            </a:solidFill>
-          </a:ln>
-        </p:spPr>
-        <p:style>
-          <a:lnRef idx="1">
-            <a:schemeClr val="accent1"/>
-          </a:lnRef>
-          <a:fillRef idx="0">
-            <a:schemeClr val="accent1"/>
-          </a:fillRef>
-          <a:effectRef idx="0">
-            <a:schemeClr val="accent1"/>
-          </a:effectRef>
-          <a:fontRef idx="minor">
-            <a:schemeClr val="tx1"/>
-          </a:fontRef>
-        </p:style>
-      </p:cxnSp>
-      <p:cxnSp>
-        <p:nvCxnSpPr>
           <p:cNvPr id="16" name="Straight Connector 15"/>
           <p:cNvCxnSpPr/>
           <p:nvPr/>
@@ -3832,41 +3944,6 @@
       </p:cxnSp>
       <p:cxnSp>
         <p:nvCxnSpPr>
-          <p:cNvPr id="22" name="Straight Connector 21"/>
-          <p:cNvCxnSpPr/>
-          <p:nvPr/>
-        </p:nvCxnSpPr>
-        <p:spPr>
-          <a:xfrm>
-            <a:off x="2800444" y="2819444"/>
-            <a:ext cx="216000" cy="0"/>
-          </a:xfrm>
-          <a:prstGeom prst="line">
-            <a:avLst/>
-          </a:prstGeom>
-          <a:ln>
-            <a:solidFill>
-              <a:schemeClr val="bg1"/>
-            </a:solidFill>
-          </a:ln>
-        </p:spPr>
-        <p:style>
-          <a:lnRef idx="1">
-            <a:schemeClr val="accent1"/>
-          </a:lnRef>
-          <a:fillRef idx="0">
-            <a:schemeClr val="accent1"/>
-          </a:fillRef>
-          <a:effectRef idx="0">
-            <a:schemeClr val="accent1"/>
-          </a:effectRef>
-          <a:fontRef idx="minor">
-            <a:schemeClr val="tx1"/>
-          </a:fontRef>
-        </p:style>
-      </p:cxnSp>
-      <p:cxnSp>
-        <p:nvCxnSpPr>
           <p:cNvPr id="35" name="Straight Connector 34"/>
           <p:cNvCxnSpPr/>
           <p:nvPr/>
@@ -4110,16 +4187,6853 @@
           </a:fontRef>
         </p:style>
       </p:cxnSp>
+      <p:grpSp>
+        <p:nvGrpSpPr>
+          <p:cNvPr id="9" name="Group 8"/>
+          <p:cNvGrpSpPr/>
+          <p:nvPr/>
+        </p:nvGrpSpPr>
+        <p:grpSpPr>
+          <a:xfrm>
+            <a:off x="670389" y="389310"/>
+            <a:ext cx="2354368" cy="2453255"/>
+            <a:chOff x="670389" y="389310"/>
+            <a:chExt cx="2354368" cy="2453255"/>
+          </a:xfrm>
+        </p:grpSpPr>
+        <p:cxnSp>
+          <p:nvCxnSpPr>
+            <p:cNvPr id="11" name="Straight Connector 10"/>
+            <p:cNvCxnSpPr/>
+            <p:nvPr/>
+          </p:nvCxnSpPr>
+          <p:spPr>
+            <a:xfrm>
+              <a:off x="678702" y="445034"/>
+              <a:ext cx="2219497" cy="0"/>
+            </a:xfrm>
+            <a:prstGeom prst="line">
+              <a:avLst/>
+            </a:prstGeom>
+            <a:ln>
+              <a:solidFill>
+                <a:schemeClr val="accent6">
+                  <a:lumMod val="75000"/>
+                </a:schemeClr>
+              </a:solidFill>
+            </a:ln>
+          </p:spPr>
+          <p:style>
+            <a:lnRef idx="1">
+              <a:schemeClr val="accent1"/>
+            </a:lnRef>
+            <a:fillRef idx="0">
+              <a:schemeClr val="accent1"/>
+            </a:fillRef>
+            <a:effectRef idx="0">
+              <a:schemeClr val="accent1"/>
+            </a:effectRef>
+            <a:fontRef idx="minor">
+              <a:schemeClr val="tx1"/>
+            </a:fontRef>
+          </p:style>
+        </p:cxnSp>
+        <p:cxnSp>
+          <p:nvCxnSpPr>
+            <p:cNvPr id="13" name="Straight Connector 12"/>
+            <p:cNvCxnSpPr/>
+            <p:nvPr/>
+          </p:nvCxnSpPr>
+          <p:spPr>
+            <a:xfrm>
+              <a:off x="2898199" y="417714"/>
+              <a:ext cx="0" cy="2402379"/>
+            </a:xfrm>
+            <a:prstGeom prst="line">
+              <a:avLst/>
+            </a:prstGeom>
+            <a:ln>
+              <a:solidFill>
+                <a:schemeClr val="bg1"/>
+              </a:solidFill>
+            </a:ln>
+          </p:spPr>
+          <p:style>
+            <a:lnRef idx="1">
+              <a:schemeClr val="accent1"/>
+            </a:lnRef>
+            <a:fillRef idx="0">
+              <a:schemeClr val="accent1"/>
+            </a:fillRef>
+            <a:effectRef idx="0">
+              <a:schemeClr val="accent1"/>
+            </a:effectRef>
+            <a:fontRef idx="minor">
+              <a:schemeClr val="tx1"/>
+            </a:fontRef>
+          </p:style>
+        </p:cxnSp>
+        <p:cxnSp>
+          <p:nvCxnSpPr>
+            <p:cNvPr id="20" name="Straight Connector 19"/>
+            <p:cNvCxnSpPr/>
+            <p:nvPr/>
+          </p:nvCxnSpPr>
+          <p:spPr>
+            <a:xfrm>
+              <a:off x="678702" y="417714"/>
+              <a:ext cx="0" cy="2402379"/>
+            </a:xfrm>
+            <a:prstGeom prst="line">
+              <a:avLst/>
+            </a:prstGeom>
+            <a:ln>
+              <a:solidFill>
+                <a:schemeClr val="bg1"/>
+              </a:solidFill>
+            </a:ln>
+          </p:spPr>
+          <p:style>
+            <a:lnRef idx="1">
+              <a:schemeClr val="accent1"/>
+            </a:lnRef>
+            <a:fillRef idx="0">
+              <a:schemeClr val="accent1"/>
+            </a:fillRef>
+            <a:effectRef idx="0">
+              <a:schemeClr val="accent1"/>
+            </a:effectRef>
+            <a:fontRef idx="minor">
+              <a:schemeClr val="tx1"/>
+            </a:fontRef>
+          </p:style>
+        </p:cxnSp>
+        <p:cxnSp>
+          <p:nvCxnSpPr>
+            <p:cNvPr id="14" name="Straight Connector 13"/>
+            <p:cNvCxnSpPr/>
+            <p:nvPr/>
+          </p:nvCxnSpPr>
+          <p:spPr>
+            <a:xfrm>
+              <a:off x="670389" y="2786841"/>
+              <a:ext cx="2219497" cy="0"/>
+            </a:xfrm>
+            <a:prstGeom prst="line">
+              <a:avLst/>
+            </a:prstGeom>
+            <a:ln>
+              <a:solidFill>
+                <a:schemeClr val="accent6">
+                  <a:lumMod val="75000"/>
+                </a:schemeClr>
+              </a:solidFill>
+            </a:ln>
+          </p:spPr>
+          <p:style>
+            <a:lnRef idx="1">
+              <a:schemeClr val="accent1"/>
+            </a:lnRef>
+            <a:fillRef idx="0">
+              <a:schemeClr val="accent1"/>
+            </a:fillRef>
+            <a:effectRef idx="0">
+              <a:schemeClr val="accent1"/>
+            </a:effectRef>
+            <a:fontRef idx="minor">
+              <a:schemeClr val="tx1"/>
+            </a:fontRef>
+          </p:style>
+        </p:cxnSp>
+        <p:cxnSp>
+          <p:nvCxnSpPr>
+            <p:cNvPr id="22" name="Straight Connector 21"/>
+            <p:cNvCxnSpPr/>
+            <p:nvPr/>
+          </p:nvCxnSpPr>
+          <p:spPr>
+            <a:xfrm>
+              <a:off x="2808757" y="2811131"/>
+              <a:ext cx="216000" cy="0"/>
+            </a:xfrm>
+            <a:prstGeom prst="line">
+              <a:avLst/>
+            </a:prstGeom>
+            <a:ln>
+              <a:solidFill>
+                <a:schemeClr val="bg1"/>
+              </a:solidFill>
+            </a:ln>
+          </p:spPr>
+          <p:style>
+            <a:lnRef idx="1">
+              <a:schemeClr val="accent1"/>
+            </a:lnRef>
+            <a:fillRef idx="0">
+              <a:schemeClr val="accent1"/>
+            </a:fillRef>
+            <a:effectRef idx="0">
+              <a:schemeClr val="accent1"/>
+            </a:effectRef>
+            <a:fontRef idx="minor">
+              <a:schemeClr val="tx1"/>
+            </a:fontRef>
+          </p:style>
+        </p:cxnSp>
+        <p:sp>
+          <p:nvSpPr>
+            <p:cNvPr id="2" name="Rectangle 1"/>
+            <p:cNvSpPr/>
+            <p:nvPr/>
+          </p:nvSpPr>
+          <p:spPr>
+            <a:xfrm>
+              <a:off x="678701" y="389310"/>
+              <a:ext cx="244013" cy="117073"/>
+            </a:xfrm>
+            <a:prstGeom prst="rect">
+              <a:avLst/>
+            </a:prstGeom>
+            <a:solidFill>
+              <a:schemeClr val="accent6">
+                <a:lumMod val="60000"/>
+                <a:lumOff val="40000"/>
+              </a:schemeClr>
+            </a:solidFill>
+            <a:ln>
+              <a:solidFill>
+                <a:schemeClr val="accent6">
+                  <a:lumMod val="75000"/>
+                </a:schemeClr>
+              </a:solidFill>
+            </a:ln>
+          </p:spPr>
+          <p:style>
+            <a:lnRef idx="2">
+              <a:schemeClr val="accent1">
+                <a:shade val="50000"/>
+              </a:schemeClr>
+            </a:lnRef>
+            <a:fillRef idx="1">
+              <a:schemeClr val="accent1"/>
+            </a:fillRef>
+            <a:effectRef idx="0">
+              <a:schemeClr val="accent1"/>
+            </a:effectRef>
+            <a:fontRef idx="minor">
+              <a:schemeClr val="lt1"/>
+            </a:fontRef>
+          </p:style>
+          <p:txBody>
+            <a:bodyPr rtlCol="0" anchor="ctr"/>
+            <a:lstStyle/>
+            <a:p>
+              <a:pPr algn="ctr"/>
+              <a:endParaRPr lang="nl-NL"/>
+            </a:p>
+          </p:txBody>
+        </p:sp>
+        <p:sp>
+          <p:nvSpPr>
+            <p:cNvPr id="23" name="Rectangle 22"/>
+            <p:cNvSpPr/>
+            <p:nvPr/>
+          </p:nvSpPr>
+          <p:spPr>
+            <a:xfrm>
+              <a:off x="922713" y="389310"/>
+              <a:ext cx="244013" cy="117073"/>
+            </a:xfrm>
+            <a:prstGeom prst="rect">
+              <a:avLst/>
+            </a:prstGeom>
+            <a:solidFill>
+              <a:schemeClr val="accent6">
+                <a:lumMod val="60000"/>
+                <a:lumOff val="40000"/>
+              </a:schemeClr>
+            </a:solidFill>
+            <a:ln>
+              <a:solidFill>
+                <a:schemeClr val="accent6">
+                  <a:lumMod val="75000"/>
+                </a:schemeClr>
+              </a:solidFill>
+            </a:ln>
+          </p:spPr>
+          <p:style>
+            <a:lnRef idx="2">
+              <a:schemeClr val="accent1">
+                <a:shade val="50000"/>
+              </a:schemeClr>
+            </a:lnRef>
+            <a:fillRef idx="1">
+              <a:schemeClr val="accent1"/>
+            </a:fillRef>
+            <a:effectRef idx="0">
+              <a:schemeClr val="accent1"/>
+            </a:effectRef>
+            <a:fontRef idx="minor">
+              <a:schemeClr val="lt1"/>
+            </a:fontRef>
+          </p:style>
+          <p:txBody>
+            <a:bodyPr rtlCol="0" anchor="ctr"/>
+            <a:lstStyle/>
+            <a:p>
+              <a:pPr algn="ctr"/>
+              <a:endParaRPr lang="nl-NL"/>
+            </a:p>
+          </p:txBody>
+        </p:sp>
+        <p:sp>
+          <p:nvSpPr>
+            <p:cNvPr id="24" name="Rectangle 23"/>
+            <p:cNvSpPr/>
+            <p:nvPr/>
+          </p:nvSpPr>
+          <p:spPr>
+            <a:xfrm>
+              <a:off x="1166726" y="389310"/>
+              <a:ext cx="244013" cy="117073"/>
+            </a:xfrm>
+            <a:prstGeom prst="rect">
+              <a:avLst/>
+            </a:prstGeom>
+            <a:solidFill>
+              <a:schemeClr val="accent6">
+                <a:lumMod val="60000"/>
+                <a:lumOff val="40000"/>
+              </a:schemeClr>
+            </a:solidFill>
+            <a:ln>
+              <a:solidFill>
+                <a:schemeClr val="accent6">
+                  <a:lumMod val="75000"/>
+                </a:schemeClr>
+              </a:solidFill>
+            </a:ln>
+          </p:spPr>
+          <p:style>
+            <a:lnRef idx="2">
+              <a:schemeClr val="accent1">
+                <a:shade val="50000"/>
+              </a:schemeClr>
+            </a:lnRef>
+            <a:fillRef idx="1">
+              <a:schemeClr val="accent1"/>
+            </a:fillRef>
+            <a:effectRef idx="0">
+              <a:schemeClr val="accent1"/>
+            </a:effectRef>
+            <a:fontRef idx="minor">
+              <a:schemeClr val="lt1"/>
+            </a:fontRef>
+          </p:style>
+          <p:txBody>
+            <a:bodyPr rtlCol="0" anchor="ctr"/>
+            <a:lstStyle/>
+            <a:p>
+              <a:pPr algn="ctr"/>
+              <a:endParaRPr lang="nl-NL"/>
+            </a:p>
+          </p:txBody>
+        </p:sp>
+        <p:sp>
+          <p:nvSpPr>
+            <p:cNvPr id="25" name="Rectangle 24"/>
+            <p:cNvSpPr/>
+            <p:nvPr/>
+          </p:nvSpPr>
+          <p:spPr>
+            <a:xfrm>
+              <a:off x="1414118" y="389310"/>
+              <a:ext cx="244013" cy="117073"/>
+            </a:xfrm>
+            <a:prstGeom prst="rect">
+              <a:avLst/>
+            </a:prstGeom>
+            <a:solidFill>
+              <a:schemeClr val="accent6">
+                <a:lumMod val="60000"/>
+                <a:lumOff val="40000"/>
+              </a:schemeClr>
+            </a:solidFill>
+            <a:ln>
+              <a:solidFill>
+                <a:schemeClr val="accent6">
+                  <a:lumMod val="75000"/>
+                </a:schemeClr>
+              </a:solidFill>
+            </a:ln>
+          </p:spPr>
+          <p:style>
+            <a:lnRef idx="2">
+              <a:schemeClr val="accent1">
+                <a:shade val="50000"/>
+              </a:schemeClr>
+            </a:lnRef>
+            <a:fillRef idx="1">
+              <a:schemeClr val="accent1"/>
+            </a:fillRef>
+            <a:effectRef idx="0">
+              <a:schemeClr val="accent1"/>
+            </a:effectRef>
+            <a:fontRef idx="minor">
+              <a:schemeClr val="lt1"/>
+            </a:fontRef>
+          </p:style>
+          <p:txBody>
+            <a:bodyPr rtlCol="0" anchor="ctr"/>
+            <a:lstStyle/>
+            <a:p>
+              <a:pPr algn="ctr"/>
+              <a:endParaRPr lang="nl-NL"/>
+            </a:p>
+          </p:txBody>
+        </p:sp>
+        <p:sp>
+          <p:nvSpPr>
+            <p:cNvPr id="27" name="Rectangle 26"/>
+            <p:cNvSpPr/>
+            <p:nvPr/>
+          </p:nvSpPr>
+          <p:spPr>
+            <a:xfrm>
+              <a:off x="1661510" y="389310"/>
+              <a:ext cx="244013" cy="117073"/>
+            </a:xfrm>
+            <a:prstGeom prst="rect">
+              <a:avLst/>
+            </a:prstGeom>
+            <a:solidFill>
+              <a:schemeClr val="accent6">
+                <a:lumMod val="60000"/>
+                <a:lumOff val="40000"/>
+              </a:schemeClr>
+            </a:solidFill>
+            <a:ln>
+              <a:solidFill>
+                <a:schemeClr val="accent6">
+                  <a:lumMod val="75000"/>
+                </a:schemeClr>
+              </a:solidFill>
+            </a:ln>
+          </p:spPr>
+          <p:style>
+            <a:lnRef idx="2">
+              <a:schemeClr val="accent1">
+                <a:shade val="50000"/>
+              </a:schemeClr>
+            </a:lnRef>
+            <a:fillRef idx="1">
+              <a:schemeClr val="accent1"/>
+            </a:fillRef>
+            <a:effectRef idx="0">
+              <a:schemeClr val="accent1"/>
+            </a:effectRef>
+            <a:fontRef idx="minor">
+              <a:schemeClr val="lt1"/>
+            </a:fontRef>
+          </p:style>
+          <p:txBody>
+            <a:bodyPr rtlCol="0" anchor="ctr"/>
+            <a:lstStyle/>
+            <a:p>
+              <a:pPr algn="ctr"/>
+              <a:endParaRPr lang="nl-NL"/>
+            </a:p>
+          </p:txBody>
+        </p:sp>
+        <p:sp>
+          <p:nvSpPr>
+            <p:cNvPr id="28" name="Rectangle 27"/>
+            <p:cNvSpPr/>
+            <p:nvPr/>
+          </p:nvSpPr>
+          <p:spPr>
+            <a:xfrm>
+              <a:off x="1905522" y="389310"/>
+              <a:ext cx="244013" cy="117073"/>
+            </a:xfrm>
+            <a:prstGeom prst="rect">
+              <a:avLst/>
+            </a:prstGeom>
+            <a:solidFill>
+              <a:schemeClr val="accent6">
+                <a:lumMod val="60000"/>
+                <a:lumOff val="40000"/>
+              </a:schemeClr>
+            </a:solidFill>
+            <a:ln>
+              <a:solidFill>
+                <a:schemeClr val="accent6">
+                  <a:lumMod val="75000"/>
+                </a:schemeClr>
+              </a:solidFill>
+            </a:ln>
+          </p:spPr>
+          <p:style>
+            <a:lnRef idx="2">
+              <a:schemeClr val="accent1">
+                <a:shade val="50000"/>
+              </a:schemeClr>
+            </a:lnRef>
+            <a:fillRef idx="1">
+              <a:schemeClr val="accent1"/>
+            </a:fillRef>
+            <a:effectRef idx="0">
+              <a:schemeClr val="accent1"/>
+            </a:effectRef>
+            <a:fontRef idx="minor">
+              <a:schemeClr val="lt1"/>
+            </a:fontRef>
+          </p:style>
+          <p:txBody>
+            <a:bodyPr rtlCol="0" anchor="ctr"/>
+            <a:lstStyle/>
+            <a:p>
+              <a:pPr algn="ctr"/>
+              <a:endParaRPr lang="nl-NL"/>
+            </a:p>
+          </p:txBody>
+        </p:sp>
+        <p:sp>
+          <p:nvSpPr>
+            <p:cNvPr id="29" name="Rectangle 28"/>
+            <p:cNvSpPr/>
+            <p:nvPr/>
+          </p:nvSpPr>
+          <p:spPr>
+            <a:xfrm>
+              <a:off x="2149535" y="389310"/>
+              <a:ext cx="244013" cy="117073"/>
+            </a:xfrm>
+            <a:prstGeom prst="rect">
+              <a:avLst/>
+            </a:prstGeom>
+            <a:solidFill>
+              <a:schemeClr val="accent6">
+                <a:lumMod val="60000"/>
+                <a:lumOff val="40000"/>
+              </a:schemeClr>
+            </a:solidFill>
+            <a:ln>
+              <a:solidFill>
+                <a:schemeClr val="accent6">
+                  <a:lumMod val="75000"/>
+                </a:schemeClr>
+              </a:solidFill>
+            </a:ln>
+          </p:spPr>
+          <p:style>
+            <a:lnRef idx="2">
+              <a:schemeClr val="accent1">
+                <a:shade val="50000"/>
+              </a:schemeClr>
+            </a:lnRef>
+            <a:fillRef idx="1">
+              <a:schemeClr val="accent1"/>
+            </a:fillRef>
+            <a:effectRef idx="0">
+              <a:schemeClr val="accent1"/>
+            </a:effectRef>
+            <a:fontRef idx="minor">
+              <a:schemeClr val="lt1"/>
+            </a:fontRef>
+          </p:style>
+          <p:txBody>
+            <a:bodyPr rtlCol="0" anchor="ctr"/>
+            <a:lstStyle/>
+            <a:p>
+              <a:pPr algn="ctr"/>
+              <a:endParaRPr lang="nl-NL"/>
+            </a:p>
+          </p:txBody>
+        </p:sp>
+        <p:sp>
+          <p:nvSpPr>
+            <p:cNvPr id="30" name="Rectangle 29"/>
+            <p:cNvSpPr/>
+            <p:nvPr/>
+          </p:nvSpPr>
+          <p:spPr>
+            <a:xfrm>
+              <a:off x="2405240" y="389310"/>
+              <a:ext cx="244013" cy="117073"/>
+            </a:xfrm>
+            <a:prstGeom prst="rect">
+              <a:avLst/>
+            </a:prstGeom>
+            <a:solidFill>
+              <a:schemeClr val="accent6">
+                <a:lumMod val="60000"/>
+                <a:lumOff val="40000"/>
+              </a:schemeClr>
+            </a:solidFill>
+            <a:ln>
+              <a:solidFill>
+                <a:schemeClr val="accent6">
+                  <a:lumMod val="75000"/>
+                </a:schemeClr>
+              </a:solidFill>
+            </a:ln>
+          </p:spPr>
+          <p:style>
+            <a:lnRef idx="2">
+              <a:schemeClr val="accent1">
+                <a:shade val="50000"/>
+              </a:schemeClr>
+            </a:lnRef>
+            <a:fillRef idx="1">
+              <a:schemeClr val="accent1"/>
+            </a:fillRef>
+            <a:effectRef idx="0">
+              <a:schemeClr val="accent1"/>
+            </a:effectRef>
+            <a:fontRef idx="minor">
+              <a:schemeClr val="lt1"/>
+            </a:fontRef>
+          </p:style>
+          <p:txBody>
+            <a:bodyPr rtlCol="0" anchor="ctr"/>
+            <a:lstStyle/>
+            <a:p>
+              <a:pPr algn="ctr"/>
+              <a:endParaRPr lang="nl-NL"/>
+            </a:p>
+          </p:txBody>
+        </p:sp>
+        <p:sp>
+          <p:nvSpPr>
+            <p:cNvPr id="31" name="Rectangle 30"/>
+            <p:cNvSpPr/>
+            <p:nvPr/>
+          </p:nvSpPr>
+          <p:spPr>
+            <a:xfrm>
+              <a:off x="2666835" y="389310"/>
+              <a:ext cx="244013" cy="117073"/>
+            </a:xfrm>
+            <a:prstGeom prst="rect">
+              <a:avLst/>
+            </a:prstGeom>
+            <a:solidFill>
+              <a:schemeClr val="accent6">
+                <a:lumMod val="60000"/>
+                <a:lumOff val="40000"/>
+              </a:schemeClr>
+            </a:solidFill>
+            <a:ln>
+              <a:solidFill>
+                <a:schemeClr val="accent6">
+                  <a:lumMod val="75000"/>
+                </a:schemeClr>
+              </a:solidFill>
+            </a:ln>
+          </p:spPr>
+          <p:style>
+            <a:lnRef idx="2">
+              <a:schemeClr val="accent1">
+                <a:shade val="50000"/>
+              </a:schemeClr>
+            </a:lnRef>
+            <a:fillRef idx="1">
+              <a:schemeClr val="accent1"/>
+            </a:fillRef>
+            <a:effectRef idx="0">
+              <a:schemeClr val="accent1"/>
+            </a:effectRef>
+            <a:fontRef idx="minor">
+              <a:schemeClr val="lt1"/>
+            </a:fontRef>
+          </p:style>
+          <p:txBody>
+            <a:bodyPr rtlCol="0" anchor="ctr"/>
+            <a:lstStyle/>
+            <a:p>
+              <a:pPr algn="ctr"/>
+              <a:endParaRPr lang="nl-NL"/>
+            </a:p>
+          </p:txBody>
+        </p:sp>
+        <p:cxnSp>
+          <p:nvCxnSpPr>
+            <p:cNvPr id="32" name="Straight Connector 31"/>
+            <p:cNvCxnSpPr/>
+            <p:nvPr/>
+          </p:nvCxnSpPr>
+          <p:spPr>
+            <a:xfrm>
+              <a:off x="682681" y="2781216"/>
+              <a:ext cx="2219497" cy="0"/>
+            </a:xfrm>
+            <a:prstGeom prst="line">
+              <a:avLst/>
+            </a:prstGeom>
+            <a:ln>
+              <a:solidFill>
+                <a:schemeClr val="accent6">
+                  <a:lumMod val="75000"/>
+                </a:schemeClr>
+              </a:solidFill>
+            </a:ln>
+          </p:spPr>
+          <p:style>
+            <a:lnRef idx="1">
+              <a:schemeClr val="accent1"/>
+            </a:lnRef>
+            <a:fillRef idx="0">
+              <a:schemeClr val="accent1"/>
+            </a:fillRef>
+            <a:effectRef idx="0">
+              <a:schemeClr val="accent1"/>
+            </a:effectRef>
+            <a:fontRef idx="minor">
+              <a:schemeClr val="tx1"/>
+            </a:fontRef>
+          </p:style>
+        </p:cxnSp>
+        <p:sp>
+          <p:nvSpPr>
+            <p:cNvPr id="33" name="Rectangle 32"/>
+            <p:cNvSpPr/>
+            <p:nvPr/>
+          </p:nvSpPr>
+          <p:spPr>
+            <a:xfrm>
+              <a:off x="682680" y="2725492"/>
+              <a:ext cx="244013" cy="117073"/>
+            </a:xfrm>
+            <a:prstGeom prst="rect">
+              <a:avLst/>
+            </a:prstGeom>
+            <a:solidFill>
+              <a:schemeClr val="accent6">
+                <a:lumMod val="60000"/>
+                <a:lumOff val="40000"/>
+              </a:schemeClr>
+            </a:solidFill>
+            <a:ln>
+              <a:solidFill>
+                <a:schemeClr val="accent6">
+                  <a:lumMod val="75000"/>
+                </a:schemeClr>
+              </a:solidFill>
+            </a:ln>
+          </p:spPr>
+          <p:style>
+            <a:lnRef idx="2">
+              <a:schemeClr val="accent1">
+                <a:shade val="50000"/>
+              </a:schemeClr>
+            </a:lnRef>
+            <a:fillRef idx="1">
+              <a:schemeClr val="accent1"/>
+            </a:fillRef>
+            <a:effectRef idx="0">
+              <a:schemeClr val="accent1"/>
+            </a:effectRef>
+            <a:fontRef idx="minor">
+              <a:schemeClr val="lt1"/>
+            </a:fontRef>
+          </p:style>
+          <p:txBody>
+            <a:bodyPr rtlCol="0" anchor="ctr"/>
+            <a:lstStyle/>
+            <a:p>
+              <a:pPr algn="ctr"/>
+              <a:endParaRPr lang="nl-NL"/>
+            </a:p>
+          </p:txBody>
+        </p:sp>
+        <p:sp>
+          <p:nvSpPr>
+            <p:cNvPr id="34" name="Rectangle 33"/>
+            <p:cNvSpPr/>
+            <p:nvPr/>
+          </p:nvSpPr>
+          <p:spPr>
+            <a:xfrm>
+              <a:off x="926692" y="2725492"/>
+              <a:ext cx="244013" cy="117073"/>
+            </a:xfrm>
+            <a:prstGeom prst="rect">
+              <a:avLst/>
+            </a:prstGeom>
+            <a:solidFill>
+              <a:schemeClr val="accent6">
+                <a:lumMod val="60000"/>
+                <a:lumOff val="40000"/>
+              </a:schemeClr>
+            </a:solidFill>
+            <a:ln>
+              <a:solidFill>
+                <a:schemeClr val="accent6">
+                  <a:lumMod val="75000"/>
+                </a:schemeClr>
+              </a:solidFill>
+            </a:ln>
+          </p:spPr>
+          <p:style>
+            <a:lnRef idx="2">
+              <a:schemeClr val="accent1">
+                <a:shade val="50000"/>
+              </a:schemeClr>
+            </a:lnRef>
+            <a:fillRef idx="1">
+              <a:schemeClr val="accent1"/>
+            </a:fillRef>
+            <a:effectRef idx="0">
+              <a:schemeClr val="accent1"/>
+            </a:effectRef>
+            <a:fontRef idx="minor">
+              <a:schemeClr val="lt1"/>
+            </a:fontRef>
+          </p:style>
+          <p:txBody>
+            <a:bodyPr rtlCol="0" anchor="ctr"/>
+            <a:lstStyle/>
+            <a:p>
+              <a:pPr algn="ctr"/>
+              <a:endParaRPr lang="nl-NL"/>
+            </a:p>
+          </p:txBody>
+        </p:sp>
+        <p:sp>
+          <p:nvSpPr>
+            <p:cNvPr id="42" name="Rectangle 41"/>
+            <p:cNvSpPr/>
+            <p:nvPr/>
+          </p:nvSpPr>
+          <p:spPr>
+            <a:xfrm>
+              <a:off x="1170705" y="2725492"/>
+              <a:ext cx="244013" cy="117073"/>
+            </a:xfrm>
+            <a:prstGeom prst="rect">
+              <a:avLst/>
+            </a:prstGeom>
+            <a:solidFill>
+              <a:schemeClr val="accent6">
+                <a:lumMod val="60000"/>
+                <a:lumOff val="40000"/>
+              </a:schemeClr>
+            </a:solidFill>
+            <a:ln>
+              <a:solidFill>
+                <a:schemeClr val="accent6">
+                  <a:lumMod val="75000"/>
+                </a:schemeClr>
+              </a:solidFill>
+            </a:ln>
+          </p:spPr>
+          <p:style>
+            <a:lnRef idx="2">
+              <a:schemeClr val="accent1">
+                <a:shade val="50000"/>
+              </a:schemeClr>
+            </a:lnRef>
+            <a:fillRef idx="1">
+              <a:schemeClr val="accent1"/>
+            </a:fillRef>
+            <a:effectRef idx="0">
+              <a:schemeClr val="accent1"/>
+            </a:effectRef>
+            <a:fontRef idx="minor">
+              <a:schemeClr val="lt1"/>
+            </a:fontRef>
+          </p:style>
+          <p:txBody>
+            <a:bodyPr rtlCol="0" anchor="ctr"/>
+            <a:lstStyle/>
+            <a:p>
+              <a:pPr algn="ctr"/>
+              <a:endParaRPr lang="nl-NL"/>
+            </a:p>
+          </p:txBody>
+        </p:sp>
+        <p:sp>
+          <p:nvSpPr>
+            <p:cNvPr id="43" name="Rectangle 42"/>
+            <p:cNvSpPr/>
+            <p:nvPr/>
+          </p:nvSpPr>
+          <p:spPr>
+            <a:xfrm>
+              <a:off x="1418097" y="2725492"/>
+              <a:ext cx="244013" cy="117073"/>
+            </a:xfrm>
+            <a:prstGeom prst="rect">
+              <a:avLst/>
+            </a:prstGeom>
+            <a:solidFill>
+              <a:schemeClr val="accent6">
+                <a:lumMod val="60000"/>
+                <a:lumOff val="40000"/>
+              </a:schemeClr>
+            </a:solidFill>
+            <a:ln>
+              <a:solidFill>
+                <a:schemeClr val="accent6">
+                  <a:lumMod val="75000"/>
+                </a:schemeClr>
+              </a:solidFill>
+            </a:ln>
+          </p:spPr>
+          <p:style>
+            <a:lnRef idx="2">
+              <a:schemeClr val="accent1">
+                <a:shade val="50000"/>
+              </a:schemeClr>
+            </a:lnRef>
+            <a:fillRef idx="1">
+              <a:schemeClr val="accent1"/>
+            </a:fillRef>
+            <a:effectRef idx="0">
+              <a:schemeClr val="accent1"/>
+            </a:effectRef>
+            <a:fontRef idx="minor">
+              <a:schemeClr val="lt1"/>
+            </a:fontRef>
+          </p:style>
+          <p:txBody>
+            <a:bodyPr rtlCol="0" anchor="ctr"/>
+            <a:lstStyle/>
+            <a:p>
+              <a:pPr algn="ctr"/>
+              <a:endParaRPr lang="nl-NL"/>
+            </a:p>
+          </p:txBody>
+        </p:sp>
+        <p:sp>
+          <p:nvSpPr>
+            <p:cNvPr id="44" name="Rectangle 43"/>
+            <p:cNvSpPr/>
+            <p:nvPr/>
+          </p:nvSpPr>
+          <p:spPr>
+            <a:xfrm>
+              <a:off x="1665489" y="2725492"/>
+              <a:ext cx="244013" cy="117073"/>
+            </a:xfrm>
+            <a:prstGeom prst="rect">
+              <a:avLst/>
+            </a:prstGeom>
+            <a:solidFill>
+              <a:schemeClr val="accent6">
+                <a:lumMod val="60000"/>
+                <a:lumOff val="40000"/>
+              </a:schemeClr>
+            </a:solidFill>
+            <a:ln>
+              <a:solidFill>
+                <a:schemeClr val="accent6">
+                  <a:lumMod val="75000"/>
+                </a:schemeClr>
+              </a:solidFill>
+            </a:ln>
+          </p:spPr>
+          <p:style>
+            <a:lnRef idx="2">
+              <a:schemeClr val="accent1">
+                <a:shade val="50000"/>
+              </a:schemeClr>
+            </a:lnRef>
+            <a:fillRef idx="1">
+              <a:schemeClr val="accent1"/>
+            </a:fillRef>
+            <a:effectRef idx="0">
+              <a:schemeClr val="accent1"/>
+            </a:effectRef>
+            <a:fontRef idx="minor">
+              <a:schemeClr val="lt1"/>
+            </a:fontRef>
+          </p:style>
+          <p:txBody>
+            <a:bodyPr rtlCol="0" anchor="ctr"/>
+            <a:lstStyle/>
+            <a:p>
+              <a:pPr algn="ctr"/>
+              <a:endParaRPr lang="nl-NL"/>
+            </a:p>
+          </p:txBody>
+        </p:sp>
+        <p:sp>
+          <p:nvSpPr>
+            <p:cNvPr id="45" name="Rectangle 44"/>
+            <p:cNvSpPr/>
+            <p:nvPr/>
+          </p:nvSpPr>
+          <p:spPr>
+            <a:xfrm>
+              <a:off x="1909501" y="2725492"/>
+              <a:ext cx="244013" cy="117073"/>
+            </a:xfrm>
+            <a:prstGeom prst="rect">
+              <a:avLst/>
+            </a:prstGeom>
+            <a:solidFill>
+              <a:schemeClr val="accent6">
+                <a:lumMod val="60000"/>
+                <a:lumOff val="40000"/>
+              </a:schemeClr>
+            </a:solidFill>
+            <a:ln>
+              <a:solidFill>
+                <a:schemeClr val="accent6">
+                  <a:lumMod val="75000"/>
+                </a:schemeClr>
+              </a:solidFill>
+            </a:ln>
+          </p:spPr>
+          <p:style>
+            <a:lnRef idx="2">
+              <a:schemeClr val="accent1">
+                <a:shade val="50000"/>
+              </a:schemeClr>
+            </a:lnRef>
+            <a:fillRef idx="1">
+              <a:schemeClr val="accent1"/>
+            </a:fillRef>
+            <a:effectRef idx="0">
+              <a:schemeClr val="accent1"/>
+            </a:effectRef>
+            <a:fontRef idx="minor">
+              <a:schemeClr val="lt1"/>
+            </a:fontRef>
+          </p:style>
+          <p:txBody>
+            <a:bodyPr rtlCol="0" anchor="ctr"/>
+            <a:lstStyle/>
+            <a:p>
+              <a:pPr algn="ctr"/>
+              <a:endParaRPr lang="nl-NL"/>
+            </a:p>
+          </p:txBody>
+        </p:sp>
+        <p:sp>
+          <p:nvSpPr>
+            <p:cNvPr id="46" name="Rectangle 45"/>
+            <p:cNvSpPr/>
+            <p:nvPr/>
+          </p:nvSpPr>
+          <p:spPr>
+            <a:xfrm>
+              <a:off x="2153514" y="2725492"/>
+              <a:ext cx="244013" cy="117073"/>
+            </a:xfrm>
+            <a:prstGeom prst="rect">
+              <a:avLst/>
+            </a:prstGeom>
+            <a:solidFill>
+              <a:schemeClr val="accent6">
+                <a:lumMod val="60000"/>
+                <a:lumOff val="40000"/>
+              </a:schemeClr>
+            </a:solidFill>
+            <a:ln>
+              <a:solidFill>
+                <a:schemeClr val="accent6">
+                  <a:lumMod val="75000"/>
+                </a:schemeClr>
+              </a:solidFill>
+            </a:ln>
+          </p:spPr>
+          <p:style>
+            <a:lnRef idx="2">
+              <a:schemeClr val="accent1">
+                <a:shade val="50000"/>
+              </a:schemeClr>
+            </a:lnRef>
+            <a:fillRef idx="1">
+              <a:schemeClr val="accent1"/>
+            </a:fillRef>
+            <a:effectRef idx="0">
+              <a:schemeClr val="accent1"/>
+            </a:effectRef>
+            <a:fontRef idx="minor">
+              <a:schemeClr val="lt1"/>
+            </a:fontRef>
+          </p:style>
+          <p:txBody>
+            <a:bodyPr rtlCol="0" anchor="ctr"/>
+            <a:lstStyle/>
+            <a:p>
+              <a:pPr algn="ctr"/>
+              <a:endParaRPr lang="nl-NL"/>
+            </a:p>
+          </p:txBody>
+        </p:sp>
+        <p:sp>
+          <p:nvSpPr>
+            <p:cNvPr id="47" name="Rectangle 46"/>
+            <p:cNvSpPr/>
+            <p:nvPr/>
+          </p:nvSpPr>
+          <p:spPr>
+            <a:xfrm>
+              <a:off x="2400906" y="2725492"/>
+              <a:ext cx="244013" cy="117073"/>
+            </a:xfrm>
+            <a:prstGeom prst="rect">
+              <a:avLst/>
+            </a:prstGeom>
+            <a:solidFill>
+              <a:schemeClr val="accent6">
+                <a:lumMod val="60000"/>
+                <a:lumOff val="40000"/>
+              </a:schemeClr>
+            </a:solidFill>
+            <a:ln>
+              <a:solidFill>
+                <a:schemeClr val="accent6">
+                  <a:lumMod val="75000"/>
+                </a:schemeClr>
+              </a:solidFill>
+            </a:ln>
+          </p:spPr>
+          <p:style>
+            <a:lnRef idx="2">
+              <a:schemeClr val="accent1">
+                <a:shade val="50000"/>
+              </a:schemeClr>
+            </a:lnRef>
+            <a:fillRef idx="1">
+              <a:schemeClr val="accent1"/>
+            </a:fillRef>
+            <a:effectRef idx="0">
+              <a:schemeClr val="accent1"/>
+            </a:effectRef>
+            <a:fontRef idx="minor">
+              <a:schemeClr val="lt1"/>
+            </a:fontRef>
+          </p:style>
+          <p:txBody>
+            <a:bodyPr rtlCol="0" anchor="ctr"/>
+            <a:lstStyle/>
+            <a:p>
+              <a:pPr algn="ctr"/>
+              <a:endParaRPr lang="nl-NL"/>
+            </a:p>
+          </p:txBody>
+        </p:sp>
+        <p:sp>
+          <p:nvSpPr>
+            <p:cNvPr id="48" name="Rectangle 47"/>
+            <p:cNvSpPr/>
+            <p:nvPr/>
+          </p:nvSpPr>
+          <p:spPr>
+            <a:xfrm>
+              <a:off x="2645875" y="2725492"/>
+              <a:ext cx="244013" cy="117073"/>
+            </a:xfrm>
+            <a:prstGeom prst="rect">
+              <a:avLst/>
+            </a:prstGeom>
+            <a:solidFill>
+              <a:schemeClr val="accent6">
+                <a:lumMod val="60000"/>
+                <a:lumOff val="40000"/>
+              </a:schemeClr>
+            </a:solidFill>
+            <a:ln>
+              <a:solidFill>
+                <a:schemeClr val="accent6">
+                  <a:lumMod val="75000"/>
+                </a:schemeClr>
+              </a:solidFill>
+            </a:ln>
+          </p:spPr>
+          <p:style>
+            <a:lnRef idx="2">
+              <a:schemeClr val="accent1">
+                <a:shade val="50000"/>
+              </a:schemeClr>
+            </a:lnRef>
+            <a:fillRef idx="1">
+              <a:schemeClr val="accent1"/>
+            </a:fillRef>
+            <a:effectRef idx="0">
+              <a:schemeClr val="accent1"/>
+            </a:effectRef>
+            <a:fontRef idx="minor">
+              <a:schemeClr val="lt1"/>
+            </a:fontRef>
+          </p:style>
+          <p:txBody>
+            <a:bodyPr rtlCol="0" anchor="ctr"/>
+            <a:lstStyle/>
+            <a:p>
+              <a:pPr algn="ctr"/>
+              <a:endParaRPr lang="nl-NL"/>
+            </a:p>
+          </p:txBody>
+        </p:sp>
+        <p:grpSp>
+          <p:nvGrpSpPr>
+            <p:cNvPr id="6" name="Group 5"/>
+            <p:cNvGrpSpPr/>
+            <p:nvPr/>
+          </p:nvGrpSpPr>
+          <p:grpSpPr>
+            <a:xfrm rot="5400000">
+              <a:off x="-373724" y="1563741"/>
+              <a:ext cx="2231789" cy="117073"/>
+              <a:chOff x="756285" y="2911144"/>
+              <a:chExt cx="2231789" cy="117073"/>
+            </a:xfrm>
+          </p:grpSpPr>
+          <p:cxnSp>
+            <p:nvCxnSpPr>
+              <p:cNvPr id="49" name="Straight Connector 48"/>
+              <p:cNvCxnSpPr/>
+              <p:nvPr/>
+            </p:nvCxnSpPr>
+            <p:spPr>
+              <a:xfrm>
+                <a:off x="756285" y="2972493"/>
+                <a:ext cx="2219497" cy="0"/>
+              </a:xfrm>
+              <a:prstGeom prst="line">
+                <a:avLst/>
+              </a:prstGeom>
+              <a:ln>
+                <a:solidFill>
+                  <a:schemeClr val="accent6">
+                    <a:lumMod val="75000"/>
+                  </a:schemeClr>
+                </a:solidFill>
+              </a:ln>
+            </p:spPr>
+            <p:style>
+              <a:lnRef idx="1">
+                <a:schemeClr val="accent1"/>
+              </a:lnRef>
+              <a:fillRef idx="0">
+                <a:schemeClr val="accent1"/>
+              </a:fillRef>
+              <a:effectRef idx="0">
+                <a:schemeClr val="accent1"/>
+              </a:effectRef>
+              <a:fontRef idx="minor">
+                <a:schemeClr val="tx1"/>
+              </a:fontRef>
+            </p:style>
+          </p:cxnSp>
+          <p:cxnSp>
+            <p:nvCxnSpPr>
+              <p:cNvPr id="50" name="Straight Connector 49"/>
+              <p:cNvCxnSpPr/>
+              <p:nvPr/>
+            </p:nvCxnSpPr>
+            <p:spPr>
+              <a:xfrm>
+                <a:off x="768577" y="2966868"/>
+                <a:ext cx="2219497" cy="0"/>
+              </a:xfrm>
+              <a:prstGeom prst="line">
+                <a:avLst/>
+              </a:prstGeom>
+              <a:ln>
+                <a:solidFill>
+                  <a:schemeClr val="accent6">
+                    <a:lumMod val="75000"/>
+                  </a:schemeClr>
+                </a:solidFill>
+              </a:ln>
+            </p:spPr>
+            <p:style>
+              <a:lnRef idx="1">
+                <a:schemeClr val="accent1"/>
+              </a:lnRef>
+              <a:fillRef idx="0">
+                <a:schemeClr val="accent1"/>
+              </a:fillRef>
+              <a:effectRef idx="0">
+                <a:schemeClr val="accent1"/>
+              </a:effectRef>
+              <a:fontRef idx="minor">
+                <a:schemeClr val="tx1"/>
+              </a:fontRef>
+            </p:style>
+          </p:cxnSp>
+          <p:sp>
+            <p:nvSpPr>
+              <p:cNvPr id="51" name="Rectangle 50"/>
+              <p:cNvSpPr/>
+              <p:nvPr/>
+            </p:nvSpPr>
+            <p:spPr>
+              <a:xfrm>
+                <a:off x="768576" y="2911144"/>
+                <a:ext cx="244013" cy="117073"/>
+              </a:xfrm>
+              <a:prstGeom prst="rect">
+                <a:avLst/>
+              </a:prstGeom>
+              <a:solidFill>
+                <a:schemeClr val="accent6">
+                  <a:lumMod val="60000"/>
+                  <a:lumOff val="40000"/>
+                </a:schemeClr>
+              </a:solidFill>
+              <a:ln>
+                <a:solidFill>
+                  <a:schemeClr val="accent6">
+                    <a:lumMod val="75000"/>
+                  </a:schemeClr>
+                </a:solidFill>
+              </a:ln>
+            </p:spPr>
+            <p:style>
+              <a:lnRef idx="2">
+                <a:schemeClr val="accent1">
+                  <a:shade val="50000"/>
+                </a:schemeClr>
+              </a:lnRef>
+              <a:fillRef idx="1">
+                <a:schemeClr val="accent1"/>
+              </a:fillRef>
+              <a:effectRef idx="0">
+                <a:schemeClr val="accent1"/>
+              </a:effectRef>
+              <a:fontRef idx="minor">
+                <a:schemeClr val="lt1"/>
+              </a:fontRef>
+            </p:style>
+            <p:txBody>
+              <a:bodyPr rtlCol="0" anchor="ctr"/>
+              <a:lstStyle/>
+              <a:p>
+                <a:pPr algn="ctr"/>
+                <a:endParaRPr lang="nl-NL"/>
+              </a:p>
+            </p:txBody>
+          </p:sp>
+          <p:sp>
+            <p:nvSpPr>
+              <p:cNvPr id="52" name="Rectangle 51"/>
+              <p:cNvSpPr/>
+              <p:nvPr/>
+            </p:nvSpPr>
+            <p:spPr>
+              <a:xfrm>
+                <a:off x="1012588" y="2911144"/>
+                <a:ext cx="244013" cy="117073"/>
+              </a:xfrm>
+              <a:prstGeom prst="rect">
+                <a:avLst/>
+              </a:prstGeom>
+              <a:solidFill>
+                <a:schemeClr val="accent6">
+                  <a:lumMod val="60000"/>
+                  <a:lumOff val="40000"/>
+                </a:schemeClr>
+              </a:solidFill>
+              <a:ln>
+                <a:solidFill>
+                  <a:schemeClr val="accent6">
+                    <a:lumMod val="75000"/>
+                  </a:schemeClr>
+                </a:solidFill>
+              </a:ln>
+            </p:spPr>
+            <p:style>
+              <a:lnRef idx="2">
+                <a:schemeClr val="accent1">
+                  <a:shade val="50000"/>
+                </a:schemeClr>
+              </a:lnRef>
+              <a:fillRef idx="1">
+                <a:schemeClr val="accent1"/>
+              </a:fillRef>
+              <a:effectRef idx="0">
+                <a:schemeClr val="accent1"/>
+              </a:effectRef>
+              <a:fontRef idx="minor">
+                <a:schemeClr val="lt1"/>
+              </a:fontRef>
+            </p:style>
+            <p:txBody>
+              <a:bodyPr rtlCol="0" anchor="ctr"/>
+              <a:lstStyle/>
+              <a:p>
+                <a:pPr algn="ctr"/>
+                <a:endParaRPr lang="nl-NL"/>
+              </a:p>
+            </p:txBody>
+          </p:sp>
+          <p:sp>
+            <p:nvSpPr>
+              <p:cNvPr id="53" name="Rectangle 52"/>
+              <p:cNvSpPr/>
+              <p:nvPr/>
+            </p:nvSpPr>
+            <p:spPr>
+              <a:xfrm>
+                <a:off x="1256601" y="2911144"/>
+                <a:ext cx="244013" cy="117073"/>
+              </a:xfrm>
+              <a:prstGeom prst="rect">
+                <a:avLst/>
+              </a:prstGeom>
+              <a:solidFill>
+                <a:schemeClr val="accent6">
+                  <a:lumMod val="60000"/>
+                  <a:lumOff val="40000"/>
+                </a:schemeClr>
+              </a:solidFill>
+              <a:ln>
+                <a:solidFill>
+                  <a:schemeClr val="accent6">
+                    <a:lumMod val="75000"/>
+                  </a:schemeClr>
+                </a:solidFill>
+              </a:ln>
+            </p:spPr>
+            <p:style>
+              <a:lnRef idx="2">
+                <a:schemeClr val="accent1">
+                  <a:shade val="50000"/>
+                </a:schemeClr>
+              </a:lnRef>
+              <a:fillRef idx="1">
+                <a:schemeClr val="accent1"/>
+              </a:fillRef>
+              <a:effectRef idx="0">
+                <a:schemeClr val="accent1"/>
+              </a:effectRef>
+              <a:fontRef idx="minor">
+                <a:schemeClr val="lt1"/>
+              </a:fontRef>
+            </p:style>
+            <p:txBody>
+              <a:bodyPr rtlCol="0" anchor="ctr"/>
+              <a:lstStyle/>
+              <a:p>
+                <a:pPr algn="ctr"/>
+                <a:endParaRPr lang="nl-NL"/>
+              </a:p>
+            </p:txBody>
+          </p:sp>
+          <p:sp>
+            <p:nvSpPr>
+              <p:cNvPr id="54" name="Rectangle 53"/>
+              <p:cNvSpPr/>
+              <p:nvPr/>
+            </p:nvSpPr>
+            <p:spPr>
+              <a:xfrm>
+                <a:off x="1503993" y="2911144"/>
+                <a:ext cx="244013" cy="117073"/>
+              </a:xfrm>
+              <a:prstGeom prst="rect">
+                <a:avLst/>
+              </a:prstGeom>
+              <a:solidFill>
+                <a:schemeClr val="accent6">
+                  <a:lumMod val="60000"/>
+                  <a:lumOff val="40000"/>
+                </a:schemeClr>
+              </a:solidFill>
+              <a:ln>
+                <a:solidFill>
+                  <a:schemeClr val="accent6">
+                    <a:lumMod val="75000"/>
+                  </a:schemeClr>
+                </a:solidFill>
+              </a:ln>
+            </p:spPr>
+            <p:style>
+              <a:lnRef idx="2">
+                <a:schemeClr val="accent1">
+                  <a:shade val="50000"/>
+                </a:schemeClr>
+              </a:lnRef>
+              <a:fillRef idx="1">
+                <a:schemeClr val="accent1"/>
+              </a:fillRef>
+              <a:effectRef idx="0">
+                <a:schemeClr val="accent1"/>
+              </a:effectRef>
+              <a:fontRef idx="minor">
+                <a:schemeClr val="lt1"/>
+              </a:fontRef>
+            </p:style>
+            <p:txBody>
+              <a:bodyPr rtlCol="0" anchor="ctr"/>
+              <a:lstStyle/>
+              <a:p>
+                <a:pPr algn="ctr"/>
+                <a:endParaRPr lang="nl-NL"/>
+              </a:p>
+            </p:txBody>
+          </p:sp>
+          <p:sp>
+            <p:nvSpPr>
+              <p:cNvPr id="55" name="Rectangle 54"/>
+              <p:cNvSpPr/>
+              <p:nvPr/>
+            </p:nvSpPr>
+            <p:spPr>
+              <a:xfrm>
+                <a:off x="1751385" y="2911144"/>
+                <a:ext cx="244013" cy="117073"/>
+              </a:xfrm>
+              <a:prstGeom prst="rect">
+                <a:avLst/>
+              </a:prstGeom>
+              <a:solidFill>
+                <a:schemeClr val="accent6">
+                  <a:lumMod val="60000"/>
+                  <a:lumOff val="40000"/>
+                </a:schemeClr>
+              </a:solidFill>
+              <a:ln>
+                <a:solidFill>
+                  <a:schemeClr val="accent6">
+                    <a:lumMod val="75000"/>
+                  </a:schemeClr>
+                </a:solidFill>
+              </a:ln>
+            </p:spPr>
+            <p:style>
+              <a:lnRef idx="2">
+                <a:schemeClr val="accent1">
+                  <a:shade val="50000"/>
+                </a:schemeClr>
+              </a:lnRef>
+              <a:fillRef idx="1">
+                <a:schemeClr val="accent1"/>
+              </a:fillRef>
+              <a:effectRef idx="0">
+                <a:schemeClr val="accent1"/>
+              </a:effectRef>
+              <a:fontRef idx="minor">
+                <a:schemeClr val="lt1"/>
+              </a:fontRef>
+            </p:style>
+            <p:txBody>
+              <a:bodyPr rtlCol="0" anchor="ctr"/>
+              <a:lstStyle/>
+              <a:p>
+                <a:pPr algn="ctr"/>
+                <a:endParaRPr lang="nl-NL"/>
+              </a:p>
+            </p:txBody>
+          </p:sp>
+          <p:sp>
+            <p:nvSpPr>
+              <p:cNvPr id="56" name="Rectangle 55"/>
+              <p:cNvSpPr/>
+              <p:nvPr/>
+            </p:nvSpPr>
+            <p:spPr>
+              <a:xfrm>
+                <a:off x="1995397" y="2911144"/>
+                <a:ext cx="244013" cy="117073"/>
+              </a:xfrm>
+              <a:prstGeom prst="rect">
+                <a:avLst/>
+              </a:prstGeom>
+              <a:solidFill>
+                <a:schemeClr val="accent6">
+                  <a:lumMod val="60000"/>
+                  <a:lumOff val="40000"/>
+                </a:schemeClr>
+              </a:solidFill>
+              <a:ln>
+                <a:solidFill>
+                  <a:schemeClr val="accent6">
+                    <a:lumMod val="75000"/>
+                  </a:schemeClr>
+                </a:solidFill>
+              </a:ln>
+            </p:spPr>
+            <p:style>
+              <a:lnRef idx="2">
+                <a:schemeClr val="accent1">
+                  <a:shade val="50000"/>
+                </a:schemeClr>
+              </a:lnRef>
+              <a:fillRef idx="1">
+                <a:schemeClr val="accent1"/>
+              </a:fillRef>
+              <a:effectRef idx="0">
+                <a:schemeClr val="accent1"/>
+              </a:effectRef>
+              <a:fontRef idx="minor">
+                <a:schemeClr val="lt1"/>
+              </a:fontRef>
+            </p:style>
+            <p:txBody>
+              <a:bodyPr rtlCol="0" anchor="ctr"/>
+              <a:lstStyle/>
+              <a:p>
+                <a:pPr algn="ctr"/>
+                <a:endParaRPr lang="nl-NL"/>
+              </a:p>
+            </p:txBody>
+          </p:sp>
+          <p:sp>
+            <p:nvSpPr>
+              <p:cNvPr id="57" name="Rectangle 56"/>
+              <p:cNvSpPr/>
+              <p:nvPr/>
+            </p:nvSpPr>
+            <p:spPr>
+              <a:xfrm>
+                <a:off x="2239410" y="2911144"/>
+                <a:ext cx="244013" cy="117073"/>
+              </a:xfrm>
+              <a:prstGeom prst="rect">
+                <a:avLst/>
+              </a:prstGeom>
+              <a:solidFill>
+                <a:schemeClr val="accent6">
+                  <a:lumMod val="60000"/>
+                  <a:lumOff val="40000"/>
+                </a:schemeClr>
+              </a:solidFill>
+              <a:ln>
+                <a:solidFill>
+                  <a:schemeClr val="accent6">
+                    <a:lumMod val="75000"/>
+                  </a:schemeClr>
+                </a:solidFill>
+              </a:ln>
+            </p:spPr>
+            <p:style>
+              <a:lnRef idx="2">
+                <a:schemeClr val="accent1">
+                  <a:shade val="50000"/>
+                </a:schemeClr>
+              </a:lnRef>
+              <a:fillRef idx="1">
+                <a:schemeClr val="accent1"/>
+              </a:fillRef>
+              <a:effectRef idx="0">
+                <a:schemeClr val="accent1"/>
+              </a:effectRef>
+              <a:fontRef idx="minor">
+                <a:schemeClr val="lt1"/>
+              </a:fontRef>
+            </p:style>
+            <p:txBody>
+              <a:bodyPr rtlCol="0" anchor="ctr"/>
+              <a:lstStyle/>
+              <a:p>
+                <a:pPr algn="ctr"/>
+                <a:endParaRPr lang="nl-NL"/>
+              </a:p>
+            </p:txBody>
+          </p:sp>
+          <p:sp>
+            <p:nvSpPr>
+              <p:cNvPr id="58" name="Rectangle 57"/>
+              <p:cNvSpPr/>
+              <p:nvPr/>
+            </p:nvSpPr>
+            <p:spPr>
+              <a:xfrm>
+                <a:off x="2486802" y="2911144"/>
+                <a:ext cx="244013" cy="117073"/>
+              </a:xfrm>
+              <a:prstGeom prst="rect">
+                <a:avLst/>
+              </a:prstGeom>
+              <a:solidFill>
+                <a:schemeClr val="accent6">
+                  <a:lumMod val="60000"/>
+                  <a:lumOff val="40000"/>
+                </a:schemeClr>
+              </a:solidFill>
+              <a:ln>
+                <a:solidFill>
+                  <a:schemeClr val="accent6">
+                    <a:lumMod val="75000"/>
+                  </a:schemeClr>
+                </a:solidFill>
+              </a:ln>
+            </p:spPr>
+            <p:style>
+              <a:lnRef idx="2">
+                <a:schemeClr val="accent1">
+                  <a:shade val="50000"/>
+                </a:schemeClr>
+              </a:lnRef>
+              <a:fillRef idx="1">
+                <a:schemeClr val="accent1"/>
+              </a:fillRef>
+              <a:effectRef idx="0">
+                <a:schemeClr val="accent1"/>
+              </a:effectRef>
+              <a:fontRef idx="minor">
+                <a:schemeClr val="lt1"/>
+              </a:fontRef>
+            </p:style>
+            <p:txBody>
+              <a:bodyPr rtlCol="0" anchor="ctr"/>
+              <a:lstStyle/>
+              <a:p>
+                <a:pPr algn="ctr"/>
+                <a:endParaRPr lang="nl-NL"/>
+              </a:p>
+            </p:txBody>
+          </p:sp>
+          <p:sp>
+            <p:nvSpPr>
+              <p:cNvPr id="59" name="Rectangle 58"/>
+              <p:cNvSpPr/>
+              <p:nvPr/>
+            </p:nvSpPr>
+            <p:spPr>
+              <a:xfrm>
+                <a:off x="2731771" y="2911144"/>
+                <a:ext cx="244013" cy="117073"/>
+              </a:xfrm>
+              <a:prstGeom prst="rect">
+                <a:avLst/>
+              </a:prstGeom>
+              <a:solidFill>
+                <a:schemeClr val="accent6">
+                  <a:lumMod val="60000"/>
+                  <a:lumOff val="40000"/>
+                </a:schemeClr>
+              </a:solidFill>
+              <a:ln>
+                <a:solidFill>
+                  <a:schemeClr val="accent6">
+                    <a:lumMod val="75000"/>
+                  </a:schemeClr>
+                </a:solidFill>
+              </a:ln>
+            </p:spPr>
+            <p:style>
+              <a:lnRef idx="2">
+                <a:schemeClr val="accent1">
+                  <a:shade val="50000"/>
+                </a:schemeClr>
+              </a:lnRef>
+              <a:fillRef idx="1">
+                <a:schemeClr val="accent1"/>
+              </a:fillRef>
+              <a:effectRef idx="0">
+                <a:schemeClr val="accent1"/>
+              </a:effectRef>
+              <a:fontRef idx="minor">
+                <a:schemeClr val="lt1"/>
+              </a:fontRef>
+            </p:style>
+            <p:txBody>
+              <a:bodyPr rtlCol="0" anchor="ctr"/>
+              <a:lstStyle/>
+              <a:p>
+                <a:pPr algn="ctr"/>
+                <a:endParaRPr lang="nl-NL"/>
+              </a:p>
+            </p:txBody>
+          </p:sp>
+        </p:grpSp>
+        <p:grpSp>
+          <p:nvGrpSpPr>
+            <p:cNvPr id="70" name="Group 69"/>
+            <p:cNvGrpSpPr/>
+            <p:nvPr/>
+          </p:nvGrpSpPr>
+          <p:grpSpPr>
+            <a:xfrm rot="5400000">
+              <a:off x="1733956" y="1564955"/>
+              <a:ext cx="2231789" cy="117073"/>
+              <a:chOff x="756285" y="2886205"/>
+              <a:chExt cx="2231789" cy="117073"/>
+            </a:xfrm>
+          </p:grpSpPr>
+          <p:cxnSp>
+            <p:nvCxnSpPr>
+              <p:cNvPr id="71" name="Straight Connector 70"/>
+              <p:cNvCxnSpPr/>
+              <p:nvPr/>
+            </p:nvCxnSpPr>
+            <p:spPr>
+              <a:xfrm>
+                <a:off x="756285" y="2972493"/>
+                <a:ext cx="2219497" cy="0"/>
+              </a:xfrm>
+              <a:prstGeom prst="line">
+                <a:avLst/>
+              </a:prstGeom>
+              <a:ln>
+                <a:solidFill>
+                  <a:schemeClr val="accent6">
+                    <a:lumMod val="75000"/>
+                  </a:schemeClr>
+                </a:solidFill>
+              </a:ln>
+            </p:spPr>
+            <p:style>
+              <a:lnRef idx="1">
+                <a:schemeClr val="accent1"/>
+              </a:lnRef>
+              <a:fillRef idx="0">
+                <a:schemeClr val="accent1"/>
+              </a:fillRef>
+              <a:effectRef idx="0">
+                <a:schemeClr val="accent1"/>
+              </a:effectRef>
+              <a:fontRef idx="minor">
+                <a:schemeClr val="tx1"/>
+              </a:fontRef>
+            </p:style>
+          </p:cxnSp>
+          <p:cxnSp>
+            <p:nvCxnSpPr>
+              <p:cNvPr id="72" name="Straight Connector 71"/>
+              <p:cNvCxnSpPr/>
+              <p:nvPr/>
+            </p:nvCxnSpPr>
+            <p:spPr>
+              <a:xfrm>
+                <a:off x="768577" y="2966868"/>
+                <a:ext cx="2219497" cy="0"/>
+              </a:xfrm>
+              <a:prstGeom prst="line">
+                <a:avLst/>
+              </a:prstGeom>
+              <a:ln>
+                <a:solidFill>
+                  <a:schemeClr val="accent6">
+                    <a:lumMod val="75000"/>
+                  </a:schemeClr>
+                </a:solidFill>
+              </a:ln>
+            </p:spPr>
+            <p:style>
+              <a:lnRef idx="1">
+                <a:schemeClr val="accent1"/>
+              </a:lnRef>
+              <a:fillRef idx="0">
+                <a:schemeClr val="accent1"/>
+              </a:fillRef>
+              <a:effectRef idx="0">
+                <a:schemeClr val="accent1"/>
+              </a:effectRef>
+              <a:fontRef idx="minor">
+                <a:schemeClr val="tx1"/>
+              </a:fontRef>
+            </p:style>
+          </p:cxnSp>
+          <p:sp>
+            <p:nvSpPr>
+              <p:cNvPr id="73" name="Rectangle 72"/>
+              <p:cNvSpPr/>
+              <p:nvPr/>
+            </p:nvSpPr>
+            <p:spPr>
+              <a:xfrm>
+                <a:off x="768576" y="2886205"/>
+                <a:ext cx="244013" cy="117073"/>
+              </a:xfrm>
+              <a:prstGeom prst="rect">
+                <a:avLst/>
+              </a:prstGeom>
+              <a:solidFill>
+                <a:schemeClr val="accent6">
+                  <a:lumMod val="60000"/>
+                  <a:lumOff val="40000"/>
+                </a:schemeClr>
+              </a:solidFill>
+              <a:ln>
+                <a:solidFill>
+                  <a:schemeClr val="accent6">
+                    <a:lumMod val="75000"/>
+                  </a:schemeClr>
+                </a:solidFill>
+              </a:ln>
+            </p:spPr>
+            <p:style>
+              <a:lnRef idx="2">
+                <a:schemeClr val="accent1">
+                  <a:shade val="50000"/>
+                </a:schemeClr>
+              </a:lnRef>
+              <a:fillRef idx="1">
+                <a:schemeClr val="accent1"/>
+              </a:fillRef>
+              <a:effectRef idx="0">
+                <a:schemeClr val="accent1"/>
+              </a:effectRef>
+              <a:fontRef idx="minor">
+                <a:schemeClr val="lt1"/>
+              </a:fontRef>
+            </p:style>
+            <p:txBody>
+              <a:bodyPr rtlCol="0" anchor="ctr"/>
+              <a:lstStyle/>
+              <a:p>
+                <a:pPr algn="ctr"/>
+                <a:endParaRPr lang="nl-NL"/>
+              </a:p>
+            </p:txBody>
+          </p:sp>
+          <p:sp>
+            <p:nvSpPr>
+              <p:cNvPr id="74" name="Rectangle 73"/>
+              <p:cNvSpPr/>
+              <p:nvPr/>
+            </p:nvSpPr>
+            <p:spPr>
+              <a:xfrm>
+                <a:off x="1012591" y="2886205"/>
+                <a:ext cx="244013" cy="117073"/>
+              </a:xfrm>
+              <a:prstGeom prst="rect">
+                <a:avLst/>
+              </a:prstGeom>
+              <a:solidFill>
+                <a:schemeClr val="accent6">
+                  <a:lumMod val="60000"/>
+                  <a:lumOff val="40000"/>
+                </a:schemeClr>
+              </a:solidFill>
+              <a:ln>
+                <a:solidFill>
+                  <a:schemeClr val="accent6">
+                    <a:lumMod val="75000"/>
+                  </a:schemeClr>
+                </a:solidFill>
+              </a:ln>
+            </p:spPr>
+            <p:style>
+              <a:lnRef idx="2">
+                <a:schemeClr val="accent1">
+                  <a:shade val="50000"/>
+                </a:schemeClr>
+              </a:lnRef>
+              <a:fillRef idx="1">
+                <a:schemeClr val="accent1"/>
+              </a:fillRef>
+              <a:effectRef idx="0">
+                <a:schemeClr val="accent1"/>
+              </a:effectRef>
+              <a:fontRef idx="minor">
+                <a:schemeClr val="lt1"/>
+              </a:fontRef>
+            </p:style>
+            <p:txBody>
+              <a:bodyPr rtlCol="0" anchor="ctr"/>
+              <a:lstStyle/>
+              <a:p>
+                <a:pPr algn="ctr"/>
+                <a:endParaRPr lang="nl-NL"/>
+              </a:p>
+            </p:txBody>
+          </p:sp>
+          <p:sp>
+            <p:nvSpPr>
+              <p:cNvPr id="75" name="Rectangle 74"/>
+              <p:cNvSpPr/>
+              <p:nvPr/>
+            </p:nvSpPr>
+            <p:spPr>
+              <a:xfrm>
+                <a:off x="1256604" y="2886205"/>
+                <a:ext cx="244013" cy="117073"/>
+              </a:xfrm>
+              <a:prstGeom prst="rect">
+                <a:avLst/>
+              </a:prstGeom>
+              <a:solidFill>
+                <a:schemeClr val="accent6">
+                  <a:lumMod val="60000"/>
+                  <a:lumOff val="40000"/>
+                </a:schemeClr>
+              </a:solidFill>
+              <a:ln>
+                <a:solidFill>
+                  <a:schemeClr val="accent6">
+                    <a:lumMod val="75000"/>
+                  </a:schemeClr>
+                </a:solidFill>
+              </a:ln>
+            </p:spPr>
+            <p:style>
+              <a:lnRef idx="2">
+                <a:schemeClr val="accent1">
+                  <a:shade val="50000"/>
+                </a:schemeClr>
+              </a:lnRef>
+              <a:fillRef idx="1">
+                <a:schemeClr val="accent1"/>
+              </a:fillRef>
+              <a:effectRef idx="0">
+                <a:schemeClr val="accent1"/>
+              </a:effectRef>
+              <a:fontRef idx="minor">
+                <a:schemeClr val="lt1"/>
+              </a:fontRef>
+            </p:style>
+            <p:txBody>
+              <a:bodyPr rtlCol="0" anchor="ctr"/>
+              <a:lstStyle/>
+              <a:p>
+                <a:pPr algn="ctr"/>
+                <a:endParaRPr lang="nl-NL"/>
+              </a:p>
+            </p:txBody>
+          </p:sp>
+          <p:sp>
+            <p:nvSpPr>
+              <p:cNvPr id="76" name="Rectangle 75"/>
+              <p:cNvSpPr/>
+              <p:nvPr/>
+            </p:nvSpPr>
+            <p:spPr>
+              <a:xfrm>
+                <a:off x="1503996" y="2886205"/>
+                <a:ext cx="244013" cy="117073"/>
+              </a:xfrm>
+              <a:prstGeom prst="rect">
+                <a:avLst/>
+              </a:prstGeom>
+              <a:solidFill>
+                <a:schemeClr val="accent6">
+                  <a:lumMod val="60000"/>
+                  <a:lumOff val="40000"/>
+                </a:schemeClr>
+              </a:solidFill>
+              <a:ln>
+                <a:solidFill>
+                  <a:schemeClr val="accent6">
+                    <a:lumMod val="75000"/>
+                  </a:schemeClr>
+                </a:solidFill>
+              </a:ln>
+            </p:spPr>
+            <p:style>
+              <a:lnRef idx="2">
+                <a:schemeClr val="accent1">
+                  <a:shade val="50000"/>
+                </a:schemeClr>
+              </a:lnRef>
+              <a:fillRef idx="1">
+                <a:schemeClr val="accent1"/>
+              </a:fillRef>
+              <a:effectRef idx="0">
+                <a:schemeClr val="accent1"/>
+              </a:effectRef>
+              <a:fontRef idx="minor">
+                <a:schemeClr val="lt1"/>
+              </a:fontRef>
+            </p:style>
+            <p:txBody>
+              <a:bodyPr rtlCol="0" anchor="ctr"/>
+              <a:lstStyle/>
+              <a:p>
+                <a:pPr algn="ctr"/>
+                <a:endParaRPr lang="nl-NL"/>
+              </a:p>
+            </p:txBody>
+          </p:sp>
+          <p:sp>
+            <p:nvSpPr>
+              <p:cNvPr id="77" name="Rectangle 76"/>
+              <p:cNvSpPr/>
+              <p:nvPr/>
+            </p:nvSpPr>
+            <p:spPr>
+              <a:xfrm>
+                <a:off x="1751388" y="2886205"/>
+                <a:ext cx="244013" cy="117073"/>
+              </a:xfrm>
+              <a:prstGeom prst="rect">
+                <a:avLst/>
+              </a:prstGeom>
+              <a:solidFill>
+                <a:schemeClr val="accent6">
+                  <a:lumMod val="60000"/>
+                  <a:lumOff val="40000"/>
+                </a:schemeClr>
+              </a:solidFill>
+              <a:ln>
+                <a:solidFill>
+                  <a:schemeClr val="accent6">
+                    <a:lumMod val="75000"/>
+                  </a:schemeClr>
+                </a:solidFill>
+              </a:ln>
+            </p:spPr>
+            <p:style>
+              <a:lnRef idx="2">
+                <a:schemeClr val="accent1">
+                  <a:shade val="50000"/>
+                </a:schemeClr>
+              </a:lnRef>
+              <a:fillRef idx="1">
+                <a:schemeClr val="accent1"/>
+              </a:fillRef>
+              <a:effectRef idx="0">
+                <a:schemeClr val="accent1"/>
+              </a:effectRef>
+              <a:fontRef idx="minor">
+                <a:schemeClr val="lt1"/>
+              </a:fontRef>
+            </p:style>
+            <p:txBody>
+              <a:bodyPr rtlCol="0" anchor="ctr"/>
+              <a:lstStyle/>
+              <a:p>
+                <a:pPr algn="ctr"/>
+                <a:endParaRPr lang="nl-NL"/>
+              </a:p>
+            </p:txBody>
+          </p:sp>
+          <p:sp>
+            <p:nvSpPr>
+              <p:cNvPr id="78" name="Rectangle 77"/>
+              <p:cNvSpPr/>
+              <p:nvPr/>
+            </p:nvSpPr>
+            <p:spPr>
+              <a:xfrm>
+                <a:off x="1995397" y="2886205"/>
+                <a:ext cx="244013" cy="117073"/>
+              </a:xfrm>
+              <a:prstGeom prst="rect">
+                <a:avLst/>
+              </a:prstGeom>
+              <a:solidFill>
+                <a:schemeClr val="accent6">
+                  <a:lumMod val="60000"/>
+                  <a:lumOff val="40000"/>
+                </a:schemeClr>
+              </a:solidFill>
+              <a:ln>
+                <a:solidFill>
+                  <a:schemeClr val="accent6">
+                    <a:lumMod val="75000"/>
+                  </a:schemeClr>
+                </a:solidFill>
+              </a:ln>
+            </p:spPr>
+            <p:style>
+              <a:lnRef idx="2">
+                <a:schemeClr val="accent1">
+                  <a:shade val="50000"/>
+                </a:schemeClr>
+              </a:lnRef>
+              <a:fillRef idx="1">
+                <a:schemeClr val="accent1"/>
+              </a:fillRef>
+              <a:effectRef idx="0">
+                <a:schemeClr val="accent1"/>
+              </a:effectRef>
+              <a:fontRef idx="minor">
+                <a:schemeClr val="lt1"/>
+              </a:fontRef>
+            </p:style>
+            <p:txBody>
+              <a:bodyPr rtlCol="0" anchor="ctr"/>
+              <a:lstStyle/>
+              <a:p>
+                <a:pPr algn="ctr"/>
+                <a:endParaRPr lang="nl-NL"/>
+              </a:p>
+            </p:txBody>
+          </p:sp>
+          <p:sp>
+            <p:nvSpPr>
+              <p:cNvPr id="79" name="Rectangle 78"/>
+              <p:cNvSpPr/>
+              <p:nvPr/>
+            </p:nvSpPr>
+            <p:spPr>
+              <a:xfrm>
+                <a:off x="2239413" y="2886205"/>
+                <a:ext cx="244013" cy="117073"/>
+              </a:xfrm>
+              <a:prstGeom prst="rect">
+                <a:avLst/>
+              </a:prstGeom>
+              <a:solidFill>
+                <a:schemeClr val="accent6">
+                  <a:lumMod val="60000"/>
+                  <a:lumOff val="40000"/>
+                </a:schemeClr>
+              </a:solidFill>
+              <a:ln>
+                <a:solidFill>
+                  <a:schemeClr val="accent6">
+                    <a:lumMod val="75000"/>
+                  </a:schemeClr>
+                </a:solidFill>
+              </a:ln>
+            </p:spPr>
+            <p:style>
+              <a:lnRef idx="2">
+                <a:schemeClr val="accent1">
+                  <a:shade val="50000"/>
+                </a:schemeClr>
+              </a:lnRef>
+              <a:fillRef idx="1">
+                <a:schemeClr val="accent1"/>
+              </a:fillRef>
+              <a:effectRef idx="0">
+                <a:schemeClr val="accent1"/>
+              </a:effectRef>
+              <a:fontRef idx="minor">
+                <a:schemeClr val="lt1"/>
+              </a:fontRef>
+            </p:style>
+            <p:txBody>
+              <a:bodyPr rtlCol="0" anchor="ctr"/>
+              <a:lstStyle/>
+              <a:p>
+                <a:pPr algn="ctr"/>
+                <a:endParaRPr lang="nl-NL"/>
+              </a:p>
+            </p:txBody>
+          </p:sp>
+          <p:sp>
+            <p:nvSpPr>
+              <p:cNvPr id="80" name="Rectangle 79"/>
+              <p:cNvSpPr/>
+              <p:nvPr/>
+            </p:nvSpPr>
+            <p:spPr>
+              <a:xfrm>
+                <a:off x="2486805" y="2886205"/>
+                <a:ext cx="244013" cy="117073"/>
+              </a:xfrm>
+              <a:prstGeom prst="rect">
+                <a:avLst/>
+              </a:prstGeom>
+              <a:solidFill>
+                <a:schemeClr val="accent6">
+                  <a:lumMod val="60000"/>
+                  <a:lumOff val="40000"/>
+                </a:schemeClr>
+              </a:solidFill>
+              <a:ln>
+                <a:solidFill>
+                  <a:schemeClr val="accent6">
+                    <a:lumMod val="75000"/>
+                  </a:schemeClr>
+                </a:solidFill>
+              </a:ln>
+            </p:spPr>
+            <p:style>
+              <a:lnRef idx="2">
+                <a:schemeClr val="accent1">
+                  <a:shade val="50000"/>
+                </a:schemeClr>
+              </a:lnRef>
+              <a:fillRef idx="1">
+                <a:schemeClr val="accent1"/>
+              </a:fillRef>
+              <a:effectRef idx="0">
+                <a:schemeClr val="accent1"/>
+              </a:effectRef>
+              <a:fontRef idx="minor">
+                <a:schemeClr val="lt1"/>
+              </a:fontRef>
+            </p:style>
+            <p:txBody>
+              <a:bodyPr rtlCol="0" anchor="ctr"/>
+              <a:lstStyle/>
+              <a:p>
+                <a:pPr algn="ctr"/>
+                <a:endParaRPr lang="nl-NL"/>
+              </a:p>
+            </p:txBody>
+          </p:sp>
+          <p:sp>
+            <p:nvSpPr>
+              <p:cNvPr id="81" name="Rectangle 80"/>
+              <p:cNvSpPr/>
+              <p:nvPr/>
+            </p:nvSpPr>
+            <p:spPr>
+              <a:xfrm>
+                <a:off x="2731774" y="2886205"/>
+                <a:ext cx="244013" cy="117073"/>
+              </a:xfrm>
+              <a:prstGeom prst="rect">
+                <a:avLst/>
+              </a:prstGeom>
+              <a:solidFill>
+                <a:schemeClr val="accent6">
+                  <a:lumMod val="60000"/>
+                  <a:lumOff val="40000"/>
+                </a:schemeClr>
+              </a:solidFill>
+              <a:ln>
+                <a:solidFill>
+                  <a:schemeClr val="accent6">
+                    <a:lumMod val="75000"/>
+                  </a:schemeClr>
+                </a:solidFill>
+              </a:ln>
+            </p:spPr>
+            <p:style>
+              <a:lnRef idx="2">
+                <a:schemeClr val="accent1">
+                  <a:shade val="50000"/>
+                </a:schemeClr>
+              </a:lnRef>
+              <a:fillRef idx="1">
+                <a:schemeClr val="accent1"/>
+              </a:fillRef>
+              <a:effectRef idx="0">
+                <a:schemeClr val="accent1"/>
+              </a:effectRef>
+              <a:fontRef idx="minor">
+                <a:schemeClr val="lt1"/>
+              </a:fontRef>
+            </p:style>
+            <p:txBody>
+              <a:bodyPr rtlCol="0" anchor="ctr"/>
+              <a:lstStyle/>
+              <a:p>
+                <a:pPr algn="ctr"/>
+                <a:endParaRPr lang="nl-NL"/>
+              </a:p>
+            </p:txBody>
+          </p:sp>
+        </p:grpSp>
+      </p:grpSp>
+      <p:grpSp>
+        <p:nvGrpSpPr>
+          <p:cNvPr id="7" name="Group 6"/>
+          <p:cNvGrpSpPr/>
+          <p:nvPr/>
+        </p:nvGrpSpPr>
+        <p:grpSpPr>
+          <a:xfrm>
+            <a:off x="5320146" y="349135"/>
+            <a:ext cx="2290874" cy="2513815"/>
+            <a:chOff x="5379230" y="409695"/>
+            <a:chExt cx="2231789" cy="2453255"/>
+          </a:xfrm>
+        </p:grpSpPr>
+        <p:cxnSp>
+          <p:nvCxnSpPr>
+            <p:cNvPr id="82" name="Straight Connector 81"/>
+            <p:cNvCxnSpPr/>
+            <p:nvPr/>
+          </p:nvCxnSpPr>
+          <p:spPr>
+            <a:xfrm>
+              <a:off x="5387543" y="465419"/>
+              <a:ext cx="2219497" cy="0"/>
+            </a:xfrm>
+            <a:prstGeom prst="line">
+              <a:avLst/>
+            </a:prstGeom>
+            <a:ln>
+              <a:solidFill>
+                <a:schemeClr val="accent6">
+                  <a:lumMod val="75000"/>
+                </a:schemeClr>
+              </a:solidFill>
+            </a:ln>
+          </p:spPr>
+          <p:style>
+            <a:lnRef idx="1">
+              <a:schemeClr val="accent1"/>
+            </a:lnRef>
+            <a:fillRef idx="0">
+              <a:schemeClr val="accent1"/>
+            </a:fillRef>
+            <a:effectRef idx="0">
+              <a:schemeClr val="accent1"/>
+            </a:effectRef>
+            <a:fontRef idx="minor">
+              <a:schemeClr val="tx1"/>
+            </a:fontRef>
+          </p:style>
+        </p:cxnSp>
+        <p:cxnSp>
+          <p:nvCxnSpPr>
+            <p:cNvPr id="83" name="Straight Connector 82"/>
+            <p:cNvCxnSpPr/>
+            <p:nvPr/>
+          </p:nvCxnSpPr>
+          <p:spPr>
+            <a:xfrm>
+              <a:off x="7607040" y="438099"/>
+              <a:ext cx="0" cy="2402379"/>
+            </a:xfrm>
+            <a:prstGeom prst="line">
+              <a:avLst/>
+            </a:prstGeom>
+            <a:ln>
+              <a:solidFill>
+                <a:schemeClr val="bg1"/>
+              </a:solidFill>
+            </a:ln>
+          </p:spPr>
+          <p:style>
+            <a:lnRef idx="1">
+              <a:schemeClr val="accent1"/>
+            </a:lnRef>
+            <a:fillRef idx="0">
+              <a:schemeClr val="accent1"/>
+            </a:fillRef>
+            <a:effectRef idx="0">
+              <a:schemeClr val="accent1"/>
+            </a:effectRef>
+            <a:fontRef idx="minor">
+              <a:schemeClr val="tx1"/>
+            </a:fontRef>
+          </p:style>
+        </p:cxnSp>
+        <p:cxnSp>
+          <p:nvCxnSpPr>
+            <p:cNvPr id="84" name="Straight Connector 83"/>
+            <p:cNvCxnSpPr/>
+            <p:nvPr/>
+          </p:nvCxnSpPr>
+          <p:spPr>
+            <a:xfrm>
+              <a:off x="5387543" y="438099"/>
+              <a:ext cx="0" cy="2402379"/>
+            </a:xfrm>
+            <a:prstGeom prst="line">
+              <a:avLst/>
+            </a:prstGeom>
+            <a:ln>
+              <a:solidFill>
+                <a:schemeClr val="bg1"/>
+              </a:solidFill>
+            </a:ln>
+          </p:spPr>
+          <p:style>
+            <a:lnRef idx="1">
+              <a:schemeClr val="accent1"/>
+            </a:lnRef>
+            <a:fillRef idx="0">
+              <a:schemeClr val="accent1"/>
+            </a:fillRef>
+            <a:effectRef idx="0">
+              <a:schemeClr val="accent1"/>
+            </a:effectRef>
+            <a:fontRef idx="minor">
+              <a:schemeClr val="tx1"/>
+            </a:fontRef>
+          </p:style>
+        </p:cxnSp>
+        <p:cxnSp>
+          <p:nvCxnSpPr>
+            <p:cNvPr id="85" name="Straight Connector 84"/>
+            <p:cNvCxnSpPr/>
+            <p:nvPr/>
+          </p:nvCxnSpPr>
+          <p:spPr>
+            <a:xfrm>
+              <a:off x="5379230" y="2807226"/>
+              <a:ext cx="2219497" cy="0"/>
+            </a:xfrm>
+            <a:prstGeom prst="line">
+              <a:avLst/>
+            </a:prstGeom>
+            <a:ln>
+              <a:solidFill>
+                <a:schemeClr val="accent6">
+                  <a:lumMod val="75000"/>
+                </a:schemeClr>
+              </a:solidFill>
+            </a:ln>
+          </p:spPr>
+          <p:style>
+            <a:lnRef idx="1">
+              <a:schemeClr val="accent1"/>
+            </a:lnRef>
+            <a:fillRef idx="0">
+              <a:schemeClr val="accent1"/>
+            </a:fillRef>
+            <a:effectRef idx="0">
+              <a:schemeClr val="accent1"/>
+            </a:effectRef>
+            <a:fontRef idx="minor">
+              <a:schemeClr val="tx1"/>
+            </a:fontRef>
+          </p:style>
+        </p:cxnSp>
+        <p:sp>
+          <p:nvSpPr>
+            <p:cNvPr id="86" name="Rectangle 85"/>
+            <p:cNvSpPr/>
+            <p:nvPr/>
+          </p:nvSpPr>
+          <p:spPr>
+            <a:xfrm>
+              <a:off x="5387542" y="409695"/>
+              <a:ext cx="244013" cy="117073"/>
+            </a:xfrm>
+            <a:prstGeom prst="rect">
+              <a:avLst/>
+            </a:prstGeom>
+            <a:solidFill>
+              <a:schemeClr val="accent6">
+                <a:lumMod val="60000"/>
+                <a:lumOff val="40000"/>
+              </a:schemeClr>
+            </a:solidFill>
+            <a:ln>
+              <a:solidFill>
+                <a:schemeClr val="accent6">
+                  <a:lumMod val="75000"/>
+                </a:schemeClr>
+              </a:solidFill>
+            </a:ln>
+          </p:spPr>
+          <p:style>
+            <a:lnRef idx="2">
+              <a:schemeClr val="accent1">
+                <a:shade val="50000"/>
+              </a:schemeClr>
+            </a:lnRef>
+            <a:fillRef idx="1">
+              <a:schemeClr val="accent1"/>
+            </a:fillRef>
+            <a:effectRef idx="0">
+              <a:schemeClr val="accent1"/>
+            </a:effectRef>
+            <a:fontRef idx="minor">
+              <a:schemeClr val="lt1"/>
+            </a:fontRef>
+          </p:style>
+          <p:txBody>
+            <a:bodyPr rtlCol="0" anchor="ctr"/>
+            <a:lstStyle/>
+            <a:p>
+              <a:pPr algn="ctr"/>
+              <a:endParaRPr lang="nl-NL"/>
+            </a:p>
+          </p:txBody>
+        </p:sp>
+        <p:sp>
+          <p:nvSpPr>
+            <p:cNvPr id="87" name="Rectangle 86"/>
+            <p:cNvSpPr/>
+            <p:nvPr/>
+          </p:nvSpPr>
+          <p:spPr>
+            <a:xfrm>
+              <a:off x="5631554" y="409695"/>
+              <a:ext cx="244013" cy="117073"/>
+            </a:xfrm>
+            <a:prstGeom prst="rect">
+              <a:avLst/>
+            </a:prstGeom>
+            <a:solidFill>
+              <a:schemeClr val="accent6">
+                <a:lumMod val="60000"/>
+                <a:lumOff val="40000"/>
+              </a:schemeClr>
+            </a:solidFill>
+            <a:ln>
+              <a:solidFill>
+                <a:schemeClr val="accent6">
+                  <a:lumMod val="75000"/>
+                </a:schemeClr>
+              </a:solidFill>
+            </a:ln>
+          </p:spPr>
+          <p:style>
+            <a:lnRef idx="2">
+              <a:schemeClr val="accent1">
+                <a:shade val="50000"/>
+              </a:schemeClr>
+            </a:lnRef>
+            <a:fillRef idx="1">
+              <a:schemeClr val="accent1"/>
+            </a:fillRef>
+            <a:effectRef idx="0">
+              <a:schemeClr val="accent1"/>
+            </a:effectRef>
+            <a:fontRef idx="minor">
+              <a:schemeClr val="lt1"/>
+            </a:fontRef>
+          </p:style>
+          <p:txBody>
+            <a:bodyPr rtlCol="0" anchor="ctr"/>
+            <a:lstStyle/>
+            <a:p>
+              <a:pPr algn="ctr"/>
+              <a:endParaRPr lang="nl-NL"/>
+            </a:p>
+          </p:txBody>
+        </p:sp>
+        <p:sp>
+          <p:nvSpPr>
+            <p:cNvPr id="88" name="Rectangle 87"/>
+            <p:cNvSpPr/>
+            <p:nvPr/>
+          </p:nvSpPr>
+          <p:spPr>
+            <a:xfrm>
+              <a:off x="5875567" y="409695"/>
+              <a:ext cx="244013" cy="117073"/>
+            </a:xfrm>
+            <a:prstGeom prst="rect">
+              <a:avLst/>
+            </a:prstGeom>
+            <a:solidFill>
+              <a:schemeClr val="accent6">
+                <a:lumMod val="60000"/>
+                <a:lumOff val="40000"/>
+              </a:schemeClr>
+            </a:solidFill>
+            <a:ln>
+              <a:solidFill>
+                <a:schemeClr val="accent6">
+                  <a:lumMod val="75000"/>
+                </a:schemeClr>
+              </a:solidFill>
+            </a:ln>
+          </p:spPr>
+          <p:style>
+            <a:lnRef idx="2">
+              <a:schemeClr val="accent1">
+                <a:shade val="50000"/>
+              </a:schemeClr>
+            </a:lnRef>
+            <a:fillRef idx="1">
+              <a:schemeClr val="accent1"/>
+            </a:fillRef>
+            <a:effectRef idx="0">
+              <a:schemeClr val="accent1"/>
+            </a:effectRef>
+            <a:fontRef idx="minor">
+              <a:schemeClr val="lt1"/>
+            </a:fontRef>
+          </p:style>
+          <p:txBody>
+            <a:bodyPr rtlCol="0" anchor="ctr"/>
+            <a:lstStyle/>
+            <a:p>
+              <a:pPr algn="ctr"/>
+              <a:endParaRPr lang="nl-NL"/>
+            </a:p>
+          </p:txBody>
+        </p:sp>
+        <p:sp>
+          <p:nvSpPr>
+            <p:cNvPr id="89" name="Rectangle 88"/>
+            <p:cNvSpPr/>
+            <p:nvPr/>
+          </p:nvSpPr>
+          <p:spPr>
+            <a:xfrm>
+              <a:off x="6122959" y="409695"/>
+              <a:ext cx="244013" cy="117073"/>
+            </a:xfrm>
+            <a:prstGeom prst="rect">
+              <a:avLst/>
+            </a:prstGeom>
+            <a:solidFill>
+              <a:schemeClr val="accent6">
+                <a:lumMod val="60000"/>
+                <a:lumOff val="40000"/>
+              </a:schemeClr>
+            </a:solidFill>
+            <a:ln>
+              <a:solidFill>
+                <a:schemeClr val="accent6">
+                  <a:lumMod val="75000"/>
+                </a:schemeClr>
+              </a:solidFill>
+            </a:ln>
+          </p:spPr>
+          <p:style>
+            <a:lnRef idx="2">
+              <a:schemeClr val="accent1">
+                <a:shade val="50000"/>
+              </a:schemeClr>
+            </a:lnRef>
+            <a:fillRef idx="1">
+              <a:schemeClr val="accent1"/>
+            </a:fillRef>
+            <a:effectRef idx="0">
+              <a:schemeClr val="accent1"/>
+            </a:effectRef>
+            <a:fontRef idx="minor">
+              <a:schemeClr val="lt1"/>
+            </a:fontRef>
+          </p:style>
+          <p:txBody>
+            <a:bodyPr rtlCol="0" anchor="ctr"/>
+            <a:lstStyle/>
+            <a:p>
+              <a:pPr algn="ctr"/>
+              <a:endParaRPr lang="nl-NL"/>
+            </a:p>
+          </p:txBody>
+        </p:sp>
+        <p:sp>
+          <p:nvSpPr>
+            <p:cNvPr id="90" name="Rectangle 89"/>
+            <p:cNvSpPr/>
+            <p:nvPr/>
+          </p:nvSpPr>
+          <p:spPr>
+            <a:xfrm>
+              <a:off x="6370351" y="409695"/>
+              <a:ext cx="244013" cy="117073"/>
+            </a:xfrm>
+            <a:prstGeom prst="rect">
+              <a:avLst/>
+            </a:prstGeom>
+            <a:solidFill>
+              <a:schemeClr val="accent6">
+                <a:lumMod val="60000"/>
+                <a:lumOff val="40000"/>
+              </a:schemeClr>
+            </a:solidFill>
+            <a:ln>
+              <a:solidFill>
+                <a:schemeClr val="accent6">
+                  <a:lumMod val="75000"/>
+                </a:schemeClr>
+              </a:solidFill>
+            </a:ln>
+          </p:spPr>
+          <p:style>
+            <a:lnRef idx="2">
+              <a:schemeClr val="accent1">
+                <a:shade val="50000"/>
+              </a:schemeClr>
+            </a:lnRef>
+            <a:fillRef idx="1">
+              <a:schemeClr val="accent1"/>
+            </a:fillRef>
+            <a:effectRef idx="0">
+              <a:schemeClr val="accent1"/>
+            </a:effectRef>
+            <a:fontRef idx="minor">
+              <a:schemeClr val="lt1"/>
+            </a:fontRef>
+          </p:style>
+          <p:txBody>
+            <a:bodyPr rtlCol="0" anchor="ctr"/>
+            <a:lstStyle/>
+            <a:p>
+              <a:pPr algn="ctr"/>
+              <a:endParaRPr lang="nl-NL"/>
+            </a:p>
+          </p:txBody>
+        </p:sp>
+        <p:sp>
+          <p:nvSpPr>
+            <p:cNvPr id="91" name="Rectangle 90"/>
+            <p:cNvSpPr/>
+            <p:nvPr/>
+          </p:nvSpPr>
+          <p:spPr>
+            <a:xfrm>
+              <a:off x="6614363" y="409695"/>
+              <a:ext cx="244013" cy="117073"/>
+            </a:xfrm>
+            <a:prstGeom prst="rect">
+              <a:avLst/>
+            </a:prstGeom>
+            <a:solidFill>
+              <a:schemeClr val="accent6">
+                <a:lumMod val="60000"/>
+                <a:lumOff val="40000"/>
+              </a:schemeClr>
+            </a:solidFill>
+            <a:ln>
+              <a:solidFill>
+                <a:schemeClr val="accent6">
+                  <a:lumMod val="75000"/>
+                </a:schemeClr>
+              </a:solidFill>
+            </a:ln>
+          </p:spPr>
+          <p:style>
+            <a:lnRef idx="2">
+              <a:schemeClr val="accent1">
+                <a:shade val="50000"/>
+              </a:schemeClr>
+            </a:lnRef>
+            <a:fillRef idx="1">
+              <a:schemeClr val="accent1"/>
+            </a:fillRef>
+            <a:effectRef idx="0">
+              <a:schemeClr val="accent1"/>
+            </a:effectRef>
+            <a:fontRef idx="minor">
+              <a:schemeClr val="lt1"/>
+            </a:fontRef>
+          </p:style>
+          <p:txBody>
+            <a:bodyPr rtlCol="0" anchor="ctr"/>
+            <a:lstStyle/>
+            <a:p>
+              <a:pPr algn="ctr"/>
+              <a:endParaRPr lang="nl-NL"/>
+            </a:p>
+          </p:txBody>
+        </p:sp>
+        <p:sp>
+          <p:nvSpPr>
+            <p:cNvPr id="92" name="Rectangle 91"/>
+            <p:cNvSpPr/>
+            <p:nvPr/>
+          </p:nvSpPr>
+          <p:spPr>
+            <a:xfrm>
+              <a:off x="6858376" y="409695"/>
+              <a:ext cx="244013" cy="117073"/>
+            </a:xfrm>
+            <a:prstGeom prst="rect">
+              <a:avLst/>
+            </a:prstGeom>
+            <a:solidFill>
+              <a:schemeClr val="accent6">
+                <a:lumMod val="60000"/>
+                <a:lumOff val="40000"/>
+              </a:schemeClr>
+            </a:solidFill>
+            <a:ln>
+              <a:solidFill>
+                <a:schemeClr val="accent6">
+                  <a:lumMod val="75000"/>
+                </a:schemeClr>
+              </a:solidFill>
+            </a:ln>
+          </p:spPr>
+          <p:style>
+            <a:lnRef idx="2">
+              <a:schemeClr val="accent1">
+                <a:shade val="50000"/>
+              </a:schemeClr>
+            </a:lnRef>
+            <a:fillRef idx="1">
+              <a:schemeClr val="accent1"/>
+            </a:fillRef>
+            <a:effectRef idx="0">
+              <a:schemeClr val="accent1"/>
+            </a:effectRef>
+            <a:fontRef idx="minor">
+              <a:schemeClr val="lt1"/>
+            </a:fontRef>
+          </p:style>
+          <p:txBody>
+            <a:bodyPr rtlCol="0" anchor="ctr"/>
+            <a:lstStyle/>
+            <a:p>
+              <a:pPr algn="ctr"/>
+              <a:endParaRPr lang="nl-NL"/>
+            </a:p>
+          </p:txBody>
+        </p:sp>
+        <p:sp>
+          <p:nvSpPr>
+            <p:cNvPr id="93" name="Rectangle 92"/>
+            <p:cNvSpPr/>
+            <p:nvPr/>
+          </p:nvSpPr>
+          <p:spPr>
+            <a:xfrm>
+              <a:off x="7105768" y="409695"/>
+              <a:ext cx="244013" cy="117073"/>
+            </a:xfrm>
+            <a:prstGeom prst="rect">
+              <a:avLst/>
+            </a:prstGeom>
+            <a:solidFill>
+              <a:schemeClr val="accent6">
+                <a:lumMod val="60000"/>
+                <a:lumOff val="40000"/>
+              </a:schemeClr>
+            </a:solidFill>
+            <a:ln>
+              <a:solidFill>
+                <a:schemeClr val="accent6">
+                  <a:lumMod val="75000"/>
+                </a:schemeClr>
+              </a:solidFill>
+            </a:ln>
+          </p:spPr>
+          <p:style>
+            <a:lnRef idx="2">
+              <a:schemeClr val="accent1">
+                <a:shade val="50000"/>
+              </a:schemeClr>
+            </a:lnRef>
+            <a:fillRef idx="1">
+              <a:schemeClr val="accent1"/>
+            </a:fillRef>
+            <a:effectRef idx="0">
+              <a:schemeClr val="accent1"/>
+            </a:effectRef>
+            <a:fontRef idx="minor">
+              <a:schemeClr val="lt1"/>
+            </a:fontRef>
+          </p:style>
+          <p:txBody>
+            <a:bodyPr rtlCol="0" anchor="ctr"/>
+            <a:lstStyle/>
+            <a:p>
+              <a:pPr algn="ctr"/>
+              <a:endParaRPr lang="nl-NL"/>
+            </a:p>
+          </p:txBody>
+        </p:sp>
+        <p:sp>
+          <p:nvSpPr>
+            <p:cNvPr id="94" name="Rectangle 93"/>
+            <p:cNvSpPr/>
+            <p:nvPr/>
+          </p:nvSpPr>
+          <p:spPr>
+            <a:xfrm>
+              <a:off x="7358835" y="409695"/>
+              <a:ext cx="244013" cy="117073"/>
+            </a:xfrm>
+            <a:prstGeom prst="rect">
+              <a:avLst/>
+            </a:prstGeom>
+            <a:solidFill>
+              <a:schemeClr val="accent6">
+                <a:lumMod val="60000"/>
+                <a:lumOff val="40000"/>
+              </a:schemeClr>
+            </a:solidFill>
+            <a:ln>
+              <a:solidFill>
+                <a:schemeClr val="accent6">
+                  <a:lumMod val="75000"/>
+                </a:schemeClr>
+              </a:solidFill>
+            </a:ln>
+          </p:spPr>
+          <p:style>
+            <a:lnRef idx="2">
+              <a:schemeClr val="accent1">
+                <a:shade val="50000"/>
+              </a:schemeClr>
+            </a:lnRef>
+            <a:fillRef idx="1">
+              <a:schemeClr val="accent1"/>
+            </a:fillRef>
+            <a:effectRef idx="0">
+              <a:schemeClr val="accent1"/>
+            </a:effectRef>
+            <a:fontRef idx="minor">
+              <a:schemeClr val="lt1"/>
+            </a:fontRef>
+          </p:style>
+          <p:txBody>
+            <a:bodyPr rtlCol="0" anchor="ctr"/>
+            <a:lstStyle/>
+            <a:p>
+              <a:pPr algn="ctr"/>
+              <a:endParaRPr lang="nl-NL"/>
+            </a:p>
+          </p:txBody>
+        </p:sp>
+        <p:cxnSp>
+          <p:nvCxnSpPr>
+            <p:cNvPr id="95" name="Straight Connector 94"/>
+            <p:cNvCxnSpPr/>
+            <p:nvPr/>
+          </p:nvCxnSpPr>
+          <p:spPr>
+            <a:xfrm>
+              <a:off x="5391522" y="2801601"/>
+              <a:ext cx="2219497" cy="0"/>
+            </a:xfrm>
+            <a:prstGeom prst="line">
+              <a:avLst/>
+            </a:prstGeom>
+            <a:ln>
+              <a:solidFill>
+                <a:schemeClr val="accent6">
+                  <a:lumMod val="75000"/>
+                </a:schemeClr>
+              </a:solidFill>
+            </a:ln>
+          </p:spPr>
+          <p:style>
+            <a:lnRef idx="1">
+              <a:schemeClr val="accent1"/>
+            </a:lnRef>
+            <a:fillRef idx="0">
+              <a:schemeClr val="accent1"/>
+            </a:fillRef>
+            <a:effectRef idx="0">
+              <a:schemeClr val="accent1"/>
+            </a:effectRef>
+            <a:fontRef idx="minor">
+              <a:schemeClr val="tx1"/>
+            </a:fontRef>
+          </p:style>
+        </p:cxnSp>
+        <p:sp>
+          <p:nvSpPr>
+            <p:cNvPr id="96" name="Rectangle 95"/>
+            <p:cNvSpPr/>
+            <p:nvPr/>
+          </p:nvSpPr>
+          <p:spPr>
+            <a:xfrm>
+              <a:off x="5391521" y="2745877"/>
+              <a:ext cx="244013" cy="117073"/>
+            </a:xfrm>
+            <a:prstGeom prst="rect">
+              <a:avLst/>
+            </a:prstGeom>
+            <a:solidFill>
+              <a:schemeClr val="accent6">
+                <a:lumMod val="60000"/>
+                <a:lumOff val="40000"/>
+              </a:schemeClr>
+            </a:solidFill>
+            <a:ln>
+              <a:solidFill>
+                <a:schemeClr val="accent6">
+                  <a:lumMod val="75000"/>
+                </a:schemeClr>
+              </a:solidFill>
+            </a:ln>
+          </p:spPr>
+          <p:style>
+            <a:lnRef idx="2">
+              <a:schemeClr val="accent1">
+                <a:shade val="50000"/>
+              </a:schemeClr>
+            </a:lnRef>
+            <a:fillRef idx="1">
+              <a:schemeClr val="accent1"/>
+            </a:fillRef>
+            <a:effectRef idx="0">
+              <a:schemeClr val="accent1"/>
+            </a:effectRef>
+            <a:fontRef idx="minor">
+              <a:schemeClr val="lt1"/>
+            </a:fontRef>
+          </p:style>
+          <p:txBody>
+            <a:bodyPr rtlCol="0" anchor="ctr"/>
+            <a:lstStyle/>
+            <a:p>
+              <a:pPr algn="ctr"/>
+              <a:endParaRPr lang="nl-NL"/>
+            </a:p>
+          </p:txBody>
+        </p:sp>
+        <p:sp>
+          <p:nvSpPr>
+            <p:cNvPr id="97" name="Rectangle 96"/>
+            <p:cNvSpPr/>
+            <p:nvPr/>
+          </p:nvSpPr>
+          <p:spPr>
+            <a:xfrm>
+              <a:off x="5635533" y="2745877"/>
+              <a:ext cx="244013" cy="117073"/>
+            </a:xfrm>
+            <a:prstGeom prst="rect">
+              <a:avLst/>
+            </a:prstGeom>
+            <a:solidFill>
+              <a:schemeClr val="accent6">
+                <a:lumMod val="60000"/>
+                <a:lumOff val="40000"/>
+              </a:schemeClr>
+            </a:solidFill>
+            <a:ln>
+              <a:solidFill>
+                <a:schemeClr val="accent6">
+                  <a:lumMod val="75000"/>
+                </a:schemeClr>
+              </a:solidFill>
+            </a:ln>
+          </p:spPr>
+          <p:style>
+            <a:lnRef idx="2">
+              <a:schemeClr val="accent1">
+                <a:shade val="50000"/>
+              </a:schemeClr>
+            </a:lnRef>
+            <a:fillRef idx="1">
+              <a:schemeClr val="accent1"/>
+            </a:fillRef>
+            <a:effectRef idx="0">
+              <a:schemeClr val="accent1"/>
+            </a:effectRef>
+            <a:fontRef idx="minor">
+              <a:schemeClr val="lt1"/>
+            </a:fontRef>
+          </p:style>
+          <p:txBody>
+            <a:bodyPr rtlCol="0" anchor="ctr"/>
+            <a:lstStyle/>
+            <a:p>
+              <a:pPr algn="ctr"/>
+              <a:endParaRPr lang="nl-NL"/>
+            </a:p>
+          </p:txBody>
+        </p:sp>
+        <p:sp>
+          <p:nvSpPr>
+            <p:cNvPr id="98" name="Rectangle 97"/>
+            <p:cNvSpPr/>
+            <p:nvPr/>
+          </p:nvSpPr>
+          <p:spPr>
+            <a:xfrm>
+              <a:off x="5879546" y="2745877"/>
+              <a:ext cx="244013" cy="117073"/>
+            </a:xfrm>
+            <a:prstGeom prst="rect">
+              <a:avLst/>
+            </a:prstGeom>
+            <a:solidFill>
+              <a:schemeClr val="accent6">
+                <a:lumMod val="60000"/>
+                <a:lumOff val="40000"/>
+              </a:schemeClr>
+            </a:solidFill>
+            <a:ln>
+              <a:solidFill>
+                <a:schemeClr val="accent6">
+                  <a:lumMod val="75000"/>
+                </a:schemeClr>
+              </a:solidFill>
+            </a:ln>
+          </p:spPr>
+          <p:style>
+            <a:lnRef idx="2">
+              <a:schemeClr val="accent1">
+                <a:shade val="50000"/>
+              </a:schemeClr>
+            </a:lnRef>
+            <a:fillRef idx="1">
+              <a:schemeClr val="accent1"/>
+            </a:fillRef>
+            <a:effectRef idx="0">
+              <a:schemeClr val="accent1"/>
+            </a:effectRef>
+            <a:fontRef idx="minor">
+              <a:schemeClr val="lt1"/>
+            </a:fontRef>
+          </p:style>
+          <p:txBody>
+            <a:bodyPr rtlCol="0" anchor="ctr"/>
+            <a:lstStyle/>
+            <a:p>
+              <a:pPr algn="ctr"/>
+              <a:endParaRPr lang="nl-NL"/>
+            </a:p>
+          </p:txBody>
+        </p:sp>
+        <p:sp>
+          <p:nvSpPr>
+            <p:cNvPr id="99" name="Rectangle 98"/>
+            <p:cNvSpPr/>
+            <p:nvPr/>
+          </p:nvSpPr>
+          <p:spPr>
+            <a:xfrm>
+              <a:off x="6126938" y="2745877"/>
+              <a:ext cx="244013" cy="117073"/>
+            </a:xfrm>
+            <a:prstGeom prst="rect">
+              <a:avLst/>
+            </a:prstGeom>
+            <a:solidFill>
+              <a:schemeClr val="accent6">
+                <a:lumMod val="60000"/>
+                <a:lumOff val="40000"/>
+              </a:schemeClr>
+            </a:solidFill>
+            <a:ln>
+              <a:solidFill>
+                <a:schemeClr val="accent6">
+                  <a:lumMod val="75000"/>
+                </a:schemeClr>
+              </a:solidFill>
+            </a:ln>
+          </p:spPr>
+          <p:style>
+            <a:lnRef idx="2">
+              <a:schemeClr val="accent1">
+                <a:shade val="50000"/>
+              </a:schemeClr>
+            </a:lnRef>
+            <a:fillRef idx="1">
+              <a:schemeClr val="accent1"/>
+            </a:fillRef>
+            <a:effectRef idx="0">
+              <a:schemeClr val="accent1"/>
+            </a:effectRef>
+            <a:fontRef idx="minor">
+              <a:schemeClr val="lt1"/>
+            </a:fontRef>
+          </p:style>
+          <p:txBody>
+            <a:bodyPr rtlCol="0" anchor="ctr"/>
+            <a:lstStyle/>
+            <a:p>
+              <a:pPr algn="ctr"/>
+              <a:endParaRPr lang="nl-NL"/>
+            </a:p>
+          </p:txBody>
+        </p:sp>
+        <p:sp>
+          <p:nvSpPr>
+            <p:cNvPr id="100" name="Rectangle 99"/>
+            <p:cNvSpPr/>
+            <p:nvPr/>
+          </p:nvSpPr>
+          <p:spPr>
+            <a:xfrm>
+              <a:off x="6374330" y="2745877"/>
+              <a:ext cx="244013" cy="117073"/>
+            </a:xfrm>
+            <a:prstGeom prst="rect">
+              <a:avLst/>
+            </a:prstGeom>
+            <a:solidFill>
+              <a:schemeClr val="accent6">
+                <a:lumMod val="60000"/>
+                <a:lumOff val="40000"/>
+              </a:schemeClr>
+            </a:solidFill>
+            <a:ln>
+              <a:solidFill>
+                <a:schemeClr val="accent6">
+                  <a:lumMod val="75000"/>
+                </a:schemeClr>
+              </a:solidFill>
+            </a:ln>
+          </p:spPr>
+          <p:style>
+            <a:lnRef idx="2">
+              <a:schemeClr val="accent1">
+                <a:shade val="50000"/>
+              </a:schemeClr>
+            </a:lnRef>
+            <a:fillRef idx="1">
+              <a:schemeClr val="accent1"/>
+            </a:fillRef>
+            <a:effectRef idx="0">
+              <a:schemeClr val="accent1"/>
+            </a:effectRef>
+            <a:fontRef idx="minor">
+              <a:schemeClr val="lt1"/>
+            </a:fontRef>
+          </p:style>
+          <p:txBody>
+            <a:bodyPr rtlCol="0" anchor="ctr"/>
+            <a:lstStyle/>
+            <a:p>
+              <a:pPr algn="ctr"/>
+              <a:endParaRPr lang="nl-NL"/>
+            </a:p>
+          </p:txBody>
+        </p:sp>
+        <p:sp>
+          <p:nvSpPr>
+            <p:cNvPr id="101" name="Rectangle 100"/>
+            <p:cNvSpPr/>
+            <p:nvPr/>
+          </p:nvSpPr>
+          <p:spPr>
+            <a:xfrm>
+              <a:off x="6618342" y="2745877"/>
+              <a:ext cx="244013" cy="117073"/>
+            </a:xfrm>
+            <a:prstGeom prst="rect">
+              <a:avLst/>
+            </a:prstGeom>
+            <a:solidFill>
+              <a:schemeClr val="accent6">
+                <a:lumMod val="60000"/>
+                <a:lumOff val="40000"/>
+              </a:schemeClr>
+            </a:solidFill>
+            <a:ln>
+              <a:solidFill>
+                <a:schemeClr val="accent6">
+                  <a:lumMod val="75000"/>
+                </a:schemeClr>
+              </a:solidFill>
+            </a:ln>
+          </p:spPr>
+          <p:style>
+            <a:lnRef idx="2">
+              <a:schemeClr val="accent1">
+                <a:shade val="50000"/>
+              </a:schemeClr>
+            </a:lnRef>
+            <a:fillRef idx="1">
+              <a:schemeClr val="accent1"/>
+            </a:fillRef>
+            <a:effectRef idx="0">
+              <a:schemeClr val="accent1"/>
+            </a:effectRef>
+            <a:fontRef idx="minor">
+              <a:schemeClr val="lt1"/>
+            </a:fontRef>
+          </p:style>
+          <p:txBody>
+            <a:bodyPr rtlCol="0" anchor="ctr"/>
+            <a:lstStyle/>
+            <a:p>
+              <a:pPr algn="ctr"/>
+              <a:endParaRPr lang="nl-NL"/>
+            </a:p>
+          </p:txBody>
+        </p:sp>
+        <p:sp>
+          <p:nvSpPr>
+            <p:cNvPr id="102" name="Rectangle 101"/>
+            <p:cNvSpPr/>
+            <p:nvPr/>
+          </p:nvSpPr>
+          <p:spPr>
+            <a:xfrm>
+              <a:off x="6862355" y="2745877"/>
+              <a:ext cx="244013" cy="117073"/>
+            </a:xfrm>
+            <a:prstGeom prst="rect">
+              <a:avLst/>
+            </a:prstGeom>
+            <a:solidFill>
+              <a:schemeClr val="accent6">
+                <a:lumMod val="60000"/>
+                <a:lumOff val="40000"/>
+              </a:schemeClr>
+            </a:solidFill>
+            <a:ln>
+              <a:solidFill>
+                <a:schemeClr val="accent6">
+                  <a:lumMod val="75000"/>
+                </a:schemeClr>
+              </a:solidFill>
+            </a:ln>
+          </p:spPr>
+          <p:style>
+            <a:lnRef idx="2">
+              <a:schemeClr val="accent1">
+                <a:shade val="50000"/>
+              </a:schemeClr>
+            </a:lnRef>
+            <a:fillRef idx="1">
+              <a:schemeClr val="accent1"/>
+            </a:fillRef>
+            <a:effectRef idx="0">
+              <a:schemeClr val="accent1"/>
+            </a:effectRef>
+            <a:fontRef idx="minor">
+              <a:schemeClr val="lt1"/>
+            </a:fontRef>
+          </p:style>
+          <p:txBody>
+            <a:bodyPr rtlCol="0" anchor="ctr"/>
+            <a:lstStyle/>
+            <a:p>
+              <a:pPr algn="ctr"/>
+              <a:endParaRPr lang="nl-NL"/>
+            </a:p>
+          </p:txBody>
+        </p:sp>
+        <p:sp>
+          <p:nvSpPr>
+            <p:cNvPr id="103" name="Rectangle 102"/>
+            <p:cNvSpPr/>
+            <p:nvPr/>
+          </p:nvSpPr>
+          <p:spPr>
+            <a:xfrm>
+              <a:off x="7109747" y="2745877"/>
+              <a:ext cx="244013" cy="117073"/>
+            </a:xfrm>
+            <a:prstGeom prst="rect">
+              <a:avLst/>
+            </a:prstGeom>
+            <a:solidFill>
+              <a:schemeClr val="accent6">
+                <a:lumMod val="60000"/>
+                <a:lumOff val="40000"/>
+              </a:schemeClr>
+            </a:solidFill>
+            <a:ln>
+              <a:solidFill>
+                <a:schemeClr val="accent6">
+                  <a:lumMod val="75000"/>
+                </a:schemeClr>
+              </a:solidFill>
+            </a:ln>
+          </p:spPr>
+          <p:style>
+            <a:lnRef idx="2">
+              <a:schemeClr val="accent1">
+                <a:shade val="50000"/>
+              </a:schemeClr>
+            </a:lnRef>
+            <a:fillRef idx="1">
+              <a:schemeClr val="accent1"/>
+            </a:fillRef>
+            <a:effectRef idx="0">
+              <a:schemeClr val="accent1"/>
+            </a:effectRef>
+            <a:fontRef idx="minor">
+              <a:schemeClr val="lt1"/>
+            </a:fontRef>
+          </p:style>
+          <p:txBody>
+            <a:bodyPr rtlCol="0" anchor="ctr"/>
+            <a:lstStyle/>
+            <a:p>
+              <a:pPr algn="ctr"/>
+              <a:endParaRPr lang="nl-NL"/>
+            </a:p>
+          </p:txBody>
+        </p:sp>
+        <p:sp>
+          <p:nvSpPr>
+            <p:cNvPr id="104" name="Rectangle 103"/>
+            <p:cNvSpPr/>
+            <p:nvPr/>
+          </p:nvSpPr>
+          <p:spPr>
+            <a:xfrm>
+              <a:off x="7362815" y="2745877"/>
+              <a:ext cx="244013" cy="117073"/>
+            </a:xfrm>
+            <a:prstGeom prst="rect">
+              <a:avLst/>
+            </a:prstGeom>
+            <a:solidFill>
+              <a:schemeClr val="accent6">
+                <a:lumMod val="60000"/>
+                <a:lumOff val="40000"/>
+              </a:schemeClr>
+            </a:solidFill>
+            <a:ln>
+              <a:solidFill>
+                <a:schemeClr val="accent6">
+                  <a:lumMod val="75000"/>
+                </a:schemeClr>
+              </a:solidFill>
+            </a:ln>
+          </p:spPr>
+          <p:style>
+            <a:lnRef idx="2">
+              <a:schemeClr val="accent1">
+                <a:shade val="50000"/>
+              </a:schemeClr>
+            </a:lnRef>
+            <a:fillRef idx="1">
+              <a:schemeClr val="accent1"/>
+            </a:fillRef>
+            <a:effectRef idx="0">
+              <a:schemeClr val="accent1"/>
+            </a:effectRef>
+            <a:fontRef idx="minor">
+              <a:schemeClr val="lt1"/>
+            </a:fontRef>
+          </p:style>
+          <p:txBody>
+            <a:bodyPr rtlCol="0" anchor="ctr"/>
+            <a:lstStyle/>
+            <a:p>
+              <a:pPr algn="ctr"/>
+              <a:endParaRPr lang="nl-NL"/>
+            </a:p>
+          </p:txBody>
+        </p:sp>
+        <p:grpSp>
+          <p:nvGrpSpPr>
+            <p:cNvPr id="105" name="Group 104"/>
+            <p:cNvGrpSpPr/>
+            <p:nvPr/>
+          </p:nvGrpSpPr>
+          <p:grpSpPr>
+            <a:xfrm rot="5400000">
+              <a:off x="4335117" y="1584126"/>
+              <a:ext cx="2231789" cy="117073"/>
+              <a:chOff x="756285" y="2911144"/>
+              <a:chExt cx="2231789" cy="117073"/>
+            </a:xfrm>
+          </p:grpSpPr>
+          <p:cxnSp>
+            <p:nvCxnSpPr>
+              <p:cNvPr id="106" name="Straight Connector 105"/>
+              <p:cNvCxnSpPr/>
+              <p:nvPr/>
+            </p:nvCxnSpPr>
+            <p:spPr>
+              <a:xfrm>
+                <a:off x="756285" y="2972493"/>
+                <a:ext cx="2219497" cy="0"/>
+              </a:xfrm>
+              <a:prstGeom prst="line">
+                <a:avLst/>
+              </a:prstGeom>
+              <a:ln>
+                <a:solidFill>
+                  <a:schemeClr val="accent6">
+                    <a:lumMod val="75000"/>
+                  </a:schemeClr>
+                </a:solidFill>
+              </a:ln>
+            </p:spPr>
+            <p:style>
+              <a:lnRef idx="1">
+                <a:schemeClr val="accent1"/>
+              </a:lnRef>
+              <a:fillRef idx="0">
+                <a:schemeClr val="accent1"/>
+              </a:fillRef>
+              <a:effectRef idx="0">
+                <a:schemeClr val="accent1"/>
+              </a:effectRef>
+              <a:fontRef idx="minor">
+                <a:schemeClr val="tx1"/>
+              </a:fontRef>
+            </p:style>
+          </p:cxnSp>
+          <p:cxnSp>
+            <p:nvCxnSpPr>
+              <p:cNvPr id="107" name="Straight Connector 106"/>
+              <p:cNvCxnSpPr/>
+              <p:nvPr/>
+            </p:nvCxnSpPr>
+            <p:spPr>
+              <a:xfrm>
+                <a:off x="768577" y="2966868"/>
+                <a:ext cx="2219497" cy="0"/>
+              </a:xfrm>
+              <a:prstGeom prst="line">
+                <a:avLst/>
+              </a:prstGeom>
+              <a:ln>
+                <a:solidFill>
+                  <a:schemeClr val="accent6">
+                    <a:lumMod val="75000"/>
+                  </a:schemeClr>
+                </a:solidFill>
+              </a:ln>
+            </p:spPr>
+            <p:style>
+              <a:lnRef idx="1">
+                <a:schemeClr val="accent1"/>
+              </a:lnRef>
+              <a:fillRef idx="0">
+                <a:schemeClr val="accent1"/>
+              </a:fillRef>
+              <a:effectRef idx="0">
+                <a:schemeClr val="accent1"/>
+              </a:effectRef>
+              <a:fontRef idx="minor">
+                <a:schemeClr val="tx1"/>
+              </a:fontRef>
+            </p:style>
+          </p:cxnSp>
+          <p:sp>
+            <p:nvSpPr>
+              <p:cNvPr id="108" name="Rectangle 107"/>
+              <p:cNvSpPr/>
+              <p:nvPr/>
+            </p:nvSpPr>
+            <p:spPr>
+              <a:xfrm>
+                <a:off x="768576" y="2911144"/>
+                <a:ext cx="244013" cy="117073"/>
+              </a:xfrm>
+              <a:prstGeom prst="rect">
+                <a:avLst/>
+              </a:prstGeom>
+              <a:solidFill>
+                <a:schemeClr val="accent6">
+                  <a:lumMod val="60000"/>
+                  <a:lumOff val="40000"/>
+                </a:schemeClr>
+              </a:solidFill>
+              <a:ln>
+                <a:solidFill>
+                  <a:schemeClr val="accent6">
+                    <a:lumMod val="75000"/>
+                  </a:schemeClr>
+                </a:solidFill>
+              </a:ln>
+            </p:spPr>
+            <p:style>
+              <a:lnRef idx="2">
+                <a:schemeClr val="accent1">
+                  <a:shade val="50000"/>
+                </a:schemeClr>
+              </a:lnRef>
+              <a:fillRef idx="1">
+                <a:schemeClr val="accent1"/>
+              </a:fillRef>
+              <a:effectRef idx="0">
+                <a:schemeClr val="accent1"/>
+              </a:effectRef>
+              <a:fontRef idx="minor">
+                <a:schemeClr val="lt1"/>
+              </a:fontRef>
+            </p:style>
+            <p:txBody>
+              <a:bodyPr rtlCol="0" anchor="ctr"/>
+              <a:lstStyle/>
+              <a:p>
+                <a:pPr algn="ctr"/>
+                <a:endParaRPr lang="nl-NL"/>
+              </a:p>
+            </p:txBody>
+          </p:sp>
+          <p:sp>
+            <p:nvSpPr>
+              <p:cNvPr id="109" name="Rectangle 108"/>
+              <p:cNvSpPr/>
+              <p:nvPr/>
+            </p:nvSpPr>
+            <p:spPr>
+              <a:xfrm>
+                <a:off x="1012588" y="2911144"/>
+                <a:ext cx="244013" cy="117073"/>
+              </a:xfrm>
+              <a:prstGeom prst="rect">
+                <a:avLst/>
+              </a:prstGeom>
+              <a:solidFill>
+                <a:schemeClr val="accent6">
+                  <a:lumMod val="60000"/>
+                  <a:lumOff val="40000"/>
+                </a:schemeClr>
+              </a:solidFill>
+              <a:ln>
+                <a:solidFill>
+                  <a:schemeClr val="accent6">
+                    <a:lumMod val="75000"/>
+                  </a:schemeClr>
+                </a:solidFill>
+              </a:ln>
+            </p:spPr>
+            <p:style>
+              <a:lnRef idx="2">
+                <a:schemeClr val="accent1">
+                  <a:shade val="50000"/>
+                </a:schemeClr>
+              </a:lnRef>
+              <a:fillRef idx="1">
+                <a:schemeClr val="accent1"/>
+              </a:fillRef>
+              <a:effectRef idx="0">
+                <a:schemeClr val="accent1"/>
+              </a:effectRef>
+              <a:fontRef idx="minor">
+                <a:schemeClr val="lt1"/>
+              </a:fontRef>
+            </p:style>
+            <p:txBody>
+              <a:bodyPr rtlCol="0" anchor="ctr"/>
+              <a:lstStyle/>
+              <a:p>
+                <a:pPr algn="ctr"/>
+                <a:endParaRPr lang="nl-NL"/>
+              </a:p>
+            </p:txBody>
+          </p:sp>
+          <p:sp>
+            <p:nvSpPr>
+              <p:cNvPr id="110" name="Rectangle 109"/>
+              <p:cNvSpPr/>
+              <p:nvPr/>
+            </p:nvSpPr>
+            <p:spPr>
+              <a:xfrm>
+                <a:off x="1256601" y="2911144"/>
+                <a:ext cx="244013" cy="117073"/>
+              </a:xfrm>
+              <a:prstGeom prst="rect">
+                <a:avLst/>
+              </a:prstGeom>
+              <a:solidFill>
+                <a:schemeClr val="accent6">
+                  <a:lumMod val="60000"/>
+                  <a:lumOff val="40000"/>
+                </a:schemeClr>
+              </a:solidFill>
+              <a:ln>
+                <a:solidFill>
+                  <a:schemeClr val="accent6">
+                    <a:lumMod val="75000"/>
+                  </a:schemeClr>
+                </a:solidFill>
+              </a:ln>
+            </p:spPr>
+            <p:style>
+              <a:lnRef idx="2">
+                <a:schemeClr val="accent1">
+                  <a:shade val="50000"/>
+                </a:schemeClr>
+              </a:lnRef>
+              <a:fillRef idx="1">
+                <a:schemeClr val="accent1"/>
+              </a:fillRef>
+              <a:effectRef idx="0">
+                <a:schemeClr val="accent1"/>
+              </a:effectRef>
+              <a:fontRef idx="minor">
+                <a:schemeClr val="lt1"/>
+              </a:fontRef>
+            </p:style>
+            <p:txBody>
+              <a:bodyPr rtlCol="0" anchor="ctr"/>
+              <a:lstStyle/>
+              <a:p>
+                <a:pPr algn="ctr"/>
+                <a:endParaRPr lang="nl-NL"/>
+              </a:p>
+            </p:txBody>
+          </p:sp>
+          <p:sp>
+            <p:nvSpPr>
+              <p:cNvPr id="111" name="Rectangle 110"/>
+              <p:cNvSpPr/>
+              <p:nvPr/>
+            </p:nvSpPr>
+            <p:spPr>
+              <a:xfrm>
+                <a:off x="1503993" y="2911144"/>
+                <a:ext cx="244013" cy="117073"/>
+              </a:xfrm>
+              <a:prstGeom prst="rect">
+                <a:avLst/>
+              </a:prstGeom>
+              <a:solidFill>
+                <a:schemeClr val="accent6">
+                  <a:lumMod val="60000"/>
+                  <a:lumOff val="40000"/>
+                </a:schemeClr>
+              </a:solidFill>
+              <a:ln>
+                <a:solidFill>
+                  <a:schemeClr val="accent6">
+                    <a:lumMod val="75000"/>
+                  </a:schemeClr>
+                </a:solidFill>
+              </a:ln>
+            </p:spPr>
+            <p:style>
+              <a:lnRef idx="2">
+                <a:schemeClr val="accent1">
+                  <a:shade val="50000"/>
+                </a:schemeClr>
+              </a:lnRef>
+              <a:fillRef idx="1">
+                <a:schemeClr val="accent1"/>
+              </a:fillRef>
+              <a:effectRef idx="0">
+                <a:schemeClr val="accent1"/>
+              </a:effectRef>
+              <a:fontRef idx="minor">
+                <a:schemeClr val="lt1"/>
+              </a:fontRef>
+            </p:style>
+            <p:txBody>
+              <a:bodyPr rtlCol="0" anchor="ctr"/>
+              <a:lstStyle/>
+              <a:p>
+                <a:pPr algn="ctr"/>
+                <a:endParaRPr lang="nl-NL"/>
+              </a:p>
+            </p:txBody>
+          </p:sp>
+          <p:sp>
+            <p:nvSpPr>
+              <p:cNvPr id="112" name="Rectangle 111"/>
+              <p:cNvSpPr/>
+              <p:nvPr/>
+            </p:nvSpPr>
+            <p:spPr>
+              <a:xfrm>
+                <a:off x="1751385" y="2911144"/>
+                <a:ext cx="244013" cy="117073"/>
+              </a:xfrm>
+              <a:prstGeom prst="rect">
+                <a:avLst/>
+              </a:prstGeom>
+              <a:solidFill>
+                <a:schemeClr val="accent6">
+                  <a:lumMod val="60000"/>
+                  <a:lumOff val="40000"/>
+                </a:schemeClr>
+              </a:solidFill>
+              <a:ln>
+                <a:solidFill>
+                  <a:schemeClr val="accent6">
+                    <a:lumMod val="75000"/>
+                  </a:schemeClr>
+                </a:solidFill>
+              </a:ln>
+            </p:spPr>
+            <p:style>
+              <a:lnRef idx="2">
+                <a:schemeClr val="accent1">
+                  <a:shade val="50000"/>
+                </a:schemeClr>
+              </a:lnRef>
+              <a:fillRef idx="1">
+                <a:schemeClr val="accent1"/>
+              </a:fillRef>
+              <a:effectRef idx="0">
+                <a:schemeClr val="accent1"/>
+              </a:effectRef>
+              <a:fontRef idx="minor">
+                <a:schemeClr val="lt1"/>
+              </a:fontRef>
+            </p:style>
+            <p:txBody>
+              <a:bodyPr rtlCol="0" anchor="ctr"/>
+              <a:lstStyle/>
+              <a:p>
+                <a:pPr algn="ctr"/>
+                <a:endParaRPr lang="nl-NL"/>
+              </a:p>
+            </p:txBody>
+          </p:sp>
+          <p:sp>
+            <p:nvSpPr>
+              <p:cNvPr id="113" name="Rectangle 112"/>
+              <p:cNvSpPr/>
+              <p:nvPr/>
+            </p:nvSpPr>
+            <p:spPr>
+              <a:xfrm>
+                <a:off x="1995397" y="2911144"/>
+                <a:ext cx="244013" cy="117073"/>
+              </a:xfrm>
+              <a:prstGeom prst="rect">
+                <a:avLst/>
+              </a:prstGeom>
+              <a:solidFill>
+                <a:schemeClr val="accent6">
+                  <a:lumMod val="60000"/>
+                  <a:lumOff val="40000"/>
+                </a:schemeClr>
+              </a:solidFill>
+              <a:ln>
+                <a:solidFill>
+                  <a:schemeClr val="accent6">
+                    <a:lumMod val="75000"/>
+                  </a:schemeClr>
+                </a:solidFill>
+              </a:ln>
+            </p:spPr>
+            <p:style>
+              <a:lnRef idx="2">
+                <a:schemeClr val="accent1">
+                  <a:shade val="50000"/>
+                </a:schemeClr>
+              </a:lnRef>
+              <a:fillRef idx="1">
+                <a:schemeClr val="accent1"/>
+              </a:fillRef>
+              <a:effectRef idx="0">
+                <a:schemeClr val="accent1"/>
+              </a:effectRef>
+              <a:fontRef idx="minor">
+                <a:schemeClr val="lt1"/>
+              </a:fontRef>
+            </p:style>
+            <p:txBody>
+              <a:bodyPr rtlCol="0" anchor="ctr"/>
+              <a:lstStyle/>
+              <a:p>
+                <a:pPr algn="ctr"/>
+                <a:endParaRPr lang="nl-NL"/>
+              </a:p>
+            </p:txBody>
+          </p:sp>
+          <p:sp>
+            <p:nvSpPr>
+              <p:cNvPr id="114" name="Rectangle 113"/>
+              <p:cNvSpPr/>
+              <p:nvPr/>
+            </p:nvSpPr>
+            <p:spPr>
+              <a:xfrm>
+                <a:off x="2239410" y="2911144"/>
+                <a:ext cx="244013" cy="117073"/>
+              </a:xfrm>
+              <a:prstGeom prst="rect">
+                <a:avLst/>
+              </a:prstGeom>
+              <a:solidFill>
+                <a:schemeClr val="accent6">
+                  <a:lumMod val="60000"/>
+                  <a:lumOff val="40000"/>
+                </a:schemeClr>
+              </a:solidFill>
+              <a:ln>
+                <a:solidFill>
+                  <a:schemeClr val="accent6">
+                    <a:lumMod val="75000"/>
+                  </a:schemeClr>
+                </a:solidFill>
+              </a:ln>
+            </p:spPr>
+            <p:style>
+              <a:lnRef idx="2">
+                <a:schemeClr val="accent1">
+                  <a:shade val="50000"/>
+                </a:schemeClr>
+              </a:lnRef>
+              <a:fillRef idx="1">
+                <a:schemeClr val="accent1"/>
+              </a:fillRef>
+              <a:effectRef idx="0">
+                <a:schemeClr val="accent1"/>
+              </a:effectRef>
+              <a:fontRef idx="minor">
+                <a:schemeClr val="lt1"/>
+              </a:fontRef>
+            </p:style>
+            <p:txBody>
+              <a:bodyPr rtlCol="0" anchor="ctr"/>
+              <a:lstStyle/>
+              <a:p>
+                <a:pPr algn="ctr"/>
+                <a:endParaRPr lang="nl-NL"/>
+              </a:p>
+            </p:txBody>
+          </p:sp>
+          <p:sp>
+            <p:nvSpPr>
+              <p:cNvPr id="115" name="Rectangle 114"/>
+              <p:cNvSpPr/>
+              <p:nvPr/>
+            </p:nvSpPr>
+            <p:spPr>
+              <a:xfrm>
+                <a:off x="2486802" y="2911144"/>
+                <a:ext cx="244013" cy="117073"/>
+              </a:xfrm>
+              <a:prstGeom prst="rect">
+                <a:avLst/>
+              </a:prstGeom>
+              <a:solidFill>
+                <a:schemeClr val="accent6">
+                  <a:lumMod val="60000"/>
+                  <a:lumOff val="40000"/>
+                </a:schemeClr>
+              </a:solidFill>
+              <a:ln>
+                <a:solidFill>
+                  <a:schemeClr val="accent6">
+                    <a:lumMod val="75000"/>
+                  </a:schemeClr>
+                </a:solidFill>
+              </a:ln>
+            </p:spPr>
+            <p:style>
+              <a:lnRef idx="2">
+                <a:schemeClr val="accent1">
+                  <a:shade val="50000"/>
+                </a:schemeClr>
+              </a:lnRef>
+              <a:fillRef idx="1">
+                <a:schemeClr val="accent1"/>
+              </a:fillRef>
+              <a:effectRef idx="0">
+                <a:schemeClr val="accent1"/>
+              </a:effectRef>
+              <a:fontRef idx="minor">
+                <a:schemeClr val="lt1"/>
+              </a:fontRef>
+            </p:style>
+            <p:txBody>
+              <a:bodyPr rtlCol="0" anchor="ctr"/>
+              <a:lstStyle/>
+              <a:p>
+                <a:pPr algn="ctr"/>
+                <a:endParaRPr lang="nl-NL"/>
+              </a:p>
+            </p:txBody>
+          </p:sp>
+          <p:sp>
+            <p:nvSpPr>
+              <p:cNvPr id="116" name="Rectangle 115"/>
+              <p:cNvSpPr/>
+              <p:nvPr/>
+            </p:nvSpPr>
+            <p:spPr>
+              <a:xfrm>
+                <a:off x="2731771" y="2911144"/>
+                <a:ext cx="244013" cy="117073"/>
+              </a:xfrm>
+              <a:prstGeom prst="rect">
+                <a:avLst/>
+              </a:prstGeom>
+              <a:solidFill>
+                <a:schemeClr val="accent6">
+                  <a:lumMod val="60000"/>
+                  <a:lumOff val="40000"/>
+                </a:schemeClr>
+              </a:solidFill>
+              <a:ln>
+                <a:solidFill>
+                  <a:schemeClr val="accent6">
+                    <a:lumMod val="75000"/>
+                  </a:schemeClr>
+                </a:solidFill>
+              </a:ln>
+            </p:spPr>
+            <p:style>
+              <a:lnRef idx="2">
+                <a:schemeClr val="accent1">
+                  <a:shade val="50000"/>
+                </a:schemeClr>
+              </a:lnRef>
+              <a:fillRef idx="1">
+                <a:schemeClr val="accent1"/>
+              </a:fillRef>
+              <a:effectRef idx="0">
+                <a:schemeClr val="accent1"/>
+              </a:effectRef>
+              <a:fontRef idx="minor">
+                <a:schemeClr val="lt1"/>
+              </a:fontRef>
+            </p:style>
+            <p:txBody>
+              <a:bodyPr rtlCol="0" anchor="ctr"/>
+              <a:lstStyle/>
+              <a:p>
+                <a:pPr algn="ctr"/>
+                <a:endParaRPr lang="nl-NL"/>
+              </a:p>
+            </p:txBody>
+          </p:sp>
+        </p:grpSp>
+        <p:grpSp>
+          <p:nvGrpSpPr>
+            <p:cNvPr id="117" name="Group 116"/>
+            <p:cNvGrpSpPr/>
+            <p:nvPr/>
+          </p:nvGrpSpPr>
+          <p:grpSpPr>
+            <a:xfrm rot="5400000">
+              <a:off x="6434055" y="1585339"/>
+              <a:ext cx="2231789" cy="117073"/>
+              <a:chOff x="756285" y="2894946"/>
+              <a:chExt cx="2231789" cy="117073"/>
+            </a:xfrm>
+          </p:grpSpPr>
+          <p:cxnSp>
+            <p:nvCxnSpPr>
+              <p:cNvPr id="118" name="Straight Connector 117"/>
+              <p:cNvCxnSpPr/>
+              <p:nvPr/>
+            </p:nvCxnSpPr>
+            <p:spPr>
+              <a:xfrm>
+                <a:off x="756285" y="2972493"/>
+                <a:ext cx="2219497" cy="0"/>
+              </a:xfrm>
+              <a:prstGeom prst="line">
+                <a:avLst/>
+              </a:prstGeom>
+              <a:ln>
+                <a:solidFill>
+                  <a:schemeClr val="accent6">
+                    <a:lumMod val="75000"/>
+                  </a:schemeClr>
+                </a:solidFill>
+              </a:ln>
+            </p:spPr>
+            <p:style>
+              <a:lnRef idx="1">
+                <a:schemeClr val="accent1"/>
+              </a:lnRef>
+              <a:fillRef idx="0">
+                <a:schemeClr val="accent1"/>
+              </a:fillRef>
+              <a:effectRef idx="0">
+                <a:schemeClr val="accent1"/>
+              </a:effectRef>
+              <a:fontRef idx="minor">
+                <a:schemeClr val="tx1"/>
+              </a:fontRef>
+            </p:style>
+          </p:cxnSp>
+          <p:cxnSp>
+            <p:nvCxnSpPr>
+              <p:cNvPr id="119" name="Straight Connector 118"/>
+              <p:cNvCxnSpPr/>
+              <p:nvPr/>
+            </p:nvCxnSpPr>
+            <p:spPr>
+              <a:xfrm>
+                <a:off x="768577" y="2966868"/>
+                <a:ext cx="2219497" cy="0"/>
+              </a:xfrm>
+              <a:prstGeom prst="line">
+                <a:avLst/>
+              </a:prstGeom>
+              <a:ln>
+                <a:solidFill>
+                  <a:schemeClr val="accent6">
+                    <a:lumMod val="75000"/>
+                  </a:schemeClr>
+                </a:solidFill>
+              </a:ln>
+            </p:spPr>
+            <p:style>
+              <a:lnRef idx="1">
+                <a:schemeClr val="accent1"/>
+              </a:lnRef>
+              <a:fillRef idx="0">
+                <a:schemeClr val="accent1"/>
+              </a:fillRef>
+              <a:effectRef idx="0">
+                <a:schemeClr val="accent1"/>
+              </a:effectRef>
+              <a:fontRef idx="minor">
+                <a:schemeClr val="tx1"/>
+              </a:fontRef>
+            </p:style>
+          </p:cxnSp>
+          <p:sp>
+            <p:nvSpPr>
+              <p:cNvPr id="120" name="Rectangle 119"/>
+              <p:cNvSpPr/>
+              <p:nvPr/>
+            </p:nvSpPr>
+            <p:spPr>
+              <a:xfrm>
+                <a:off x="768576" y="2894946"/>
+                <a:ext cx="244013" cy="117073"/>
+              </a:xfrm>
+              <a:prstGeom prst="rect">
+                <a:avLst/>
+              </a:prstGeom>
+              <a:solidFill>
+                <a:schemeClr val="accent6">
+                  <a:lumMod val="60000"/>
+                  <a:lumOff val="40000"/>
+                </a:schemeClr>
+              </a:solidFill>
+              <a:ln>
+                <a:solidFill>
+                  <a:schemeClr val="accent6">
+                    <a:lumMod val="75000"/>
+                  </a:schemeClr>
+                </a:solidFill>
+              </a:ln>
+            </p:spPr>
+            <p:style>
+              <a:lnRef idx="2">
+                <a:schemeClr val="accent1">
+                  <a:shade val="50000"/>
+                </a:schemeClr>
+              </a:lnRef>
+              <a:fillRef idx="1">
+                <a:schemeClr val="accent1"/>
+              </a:fillRef>
+              <a:effectRef idx="0">
+                <a:schemeClr val="accent1"/>
+              </a:effectRef>
+              <a:fontRef idx="minor">
+                <a:schemeClr val="lt1"/>
+              </a:fontRef>
+            </p:style>
+            <p:txBody>
+              <a:bodyPr rtlCol="0" anchor="ctr"/>
+              <a:lstStyle/>
+              <a:p>
+                <a:pPr algn="ctr"/>
+                <a:endParaRPr lang="nl-NL"/>
+              </a:p>
+            </p:txBody>
+          </p:sp>
+          <p:sp>
+            <p:nvSpPr>
+              <p:cNvPr id="121" name="Rectangle 120"/>
+              <p:cNvSpPr/>
+              <p:nvPr/>
+            </p:nvSpPr>
+            <p:spPr>
+              <a:xfrm>
+                <a:off x="1012588" y="2894946"/>
+                <a:ext cx="244013" cy="117073"/>
+              </a:xfrm>
+              <a:prstGeom prst="rect">
+                <a:avLst/>
+              </a:prstGeom>
+              <a:solidFill>
+                <a:schemeClr val="accent6">
+                  <a:lumMod val="60000"/>
+                  <a:lumOff val="40000"/>
+                </a:schemeClr>
+              </a:solidFill>
+              <a:ln>
+                <a:solidFill>
+                  <a:schemeClr val="accent6">
+                    <a:lumMod val="75000"/>
+                  </a:schemeClr>
+                </a:solidFill>
+              </a:ln>
+            </p:spPr>
+            <p:style>
+              <a:lnRef idx="2">
+                <a:schemeClr val="accent1">
+                  <a:shade val="50000"/>
+                </a:schemeClr>
+              </a:lnRef>
+              <a:fillRef idx="1">
+                <a:schemeClr val="accent1"/>
+              </a:fillRef>
+              <a:effectRef idx="0">
+                <a:schemeClr val="accent1"/>
+              </a:effectRef>
+              <a:fontRef idx="minor">
+                <a:schemeClr val="lt1"/>
+              </a:fontRef>
+            </p:style>
+            <p:txBody>
+              <a:bodyPr rtlCol="0" anchor="ctr"/>
+              <a:lstStyle/>
+              <a:p>
+                <a:pPr algn="ctr"/>
+                <a:endParaRPr lang="nl-NL"/>
+              </a:p>
+            </p:txBody>
+          </p:sp>
+          <p:sp>
+            <p:nvSpPr>
+              <p:cNvPr id="122" name="Rectangle 121"/>
+              <p:cNvSpPr/>
+              <p:nvPr/>
+            </p:nvSpPr>
+            <p:spPr>
+              <a:xfrm>
+                <a:off x="1256601" y="2894946"/>
+                <a:ext cx="244013" cy="117073"/>
+              </a:xfrm>
+              <a:prstGeom prst="rect">
+                <a:avLst/>
+              </a:prstGeom>
+              <a:solidFill>
+                <a:schemeClr val="accent6">
+                  <a:lumMod val="60000"/>
+                  <a:lumOff val="40000"/>
+                </a:schemeClr>
+              </a:solidFill>
+              <a:ln>
+                <a:solidFill>
+                  <a:schemeClr val="accent6">
+                    <a:lumMod val="75000"/>
+                  </a:schemeClr>
+                </a:solidFill>
+              </a:ln>
+            </p:spPr>
+            <p:style>
+              <a:lnRef idx="2">
+                <a:schemeClr val="accent1">
+                  <a:shade val="50000"/>
+                </a:schemeClr>
+              </a:lnRef>
+              <a:fillRef idx="1">
+                <a:schemeClr val="accent1"/>
+              </a:fillRef>
+              <a:effectRef idx="0">
+                <a:schemeClr val="accent1"/>
+              </a:effectRef>
+              <a:fontRef idx="minor">
+                <a:schemeClr val="lt1"/>
+              </a:fontRef>
+            </p:style>
+            <p:txBody>
+              <a:bodyPr rtlCol="0" anchor="ctr"/>
+              <a:lstStyle/>
+              <a:p>
+                <a:pPr algn="ctr"/>
+                <a:endParaRPr lang="nl-NL"/>
+              </a:p>
+            </p:txBody>
+          </p:sp>
+          <p:sp>
+            <p:nvSpPr>
+              <p:cNvPr id="123" name="Rectangle 122"/>
+              <p:cNvSpPr/>
+              <p:nvPr/>
+            </p:nvSpPr>
+            <p:spPr>
+              <a:xfrm>
+                <a:off x="1503993" y="2894946"/>
+                <a:ext cx="244013" cy="117073"/>
+              </a:xfrm>
+              <a:prstGeom prst="rect">
+                <a:avLst/>
+              </a:prstGeom>
+              <a:solidFill>
+                <a:schemeClr val="accent6">
+                  <a:lumMod val="60000"/>
+                  <a:lumOff val="40000"/>
+                </a:schemeClr>
+              </a:solidFill>
+              <a:ln>
+                <a:solidFill>
+                  <a:schemeClr val="accent6">
+                    <a:lumMod val="75000"/>
+                  </a:schemeClr>
+                </a:solidFill>
+              </a:ln>
+            </p:spPr>
+            <p:style>
+              <a:lnRef idx="2">
+                <a:schemeClr val="accent1">
+                  <a:shade val="50000"/>
+                </a:schemeClr>
+              </a:lnRef>
+              <a:fillRef idx="1">
+                <a:schemeClr val="accent1"/>
+              </a:fillRef>
+              <a:effectRef idx="0">
+                <a:schemeClr val="accent1"/>
+              </a:effectRef>
+              <a:fontRef idx="minor">
+                <a:schemeClr val="lt1"/>
+              </a:fontRef>
+            </p:style>
+            <p:txBody>
+              <a:bodyPr rtlCol="0" anchor="ctr"/>
+              <a:lstStyle/>
+              <a:p>
+                <a:pPr algn="ctr"/>
+                <a:endParaRPr lang="nl-NL"/>
+              </a:p>
+            </p:txBody>
+          </p:sp>
+          <p:sp>
+            <p:nvSpPr>
+              <p:cNvPr id="124" name="Rectangle 123"/>
+              <p:cNvSpPr/>
+              <p:nvPr/>
+            </p:nvSpPr>
+            <p:spPr>
+              <a:xfrm>
+                <a:off x="1751385" y="2894946"/>
+                <a:ext cx="244013" cy="117073"/>
+              </a:xfrm>
+              <a:prstGeom prst="rect">
+                <a:avLst/>
+              </a:prstGeom>
+              <a:solidFill>
+                <a:schemeClr val="accent6">
+                  <a:lumMod val="60000"/>
+                  <a:lumOff val="40000"/>
+                </a:schemeClr>
+              </a:solidFill>
+              <a:ln>
+                <a:solidFill>
+                  <a:schemeClr val="accent6">
+                    <a:lumMod val="75000"/>
+                  </a:schemeClr>
+                </a:solidFill>
+              </a:ln>
+            </p:spPr>
+            <p:style>
+              <a:lnRef idx="2">
+                <a:schemeClr val="accent1">
+                  <a:shade val="50000"/>
+                </a:schemeClr>
+              </a:lnRef>
+              <a:fillRef idx="1">
+                <a:schemeClr val="accent1"/>
+              </a:fillRef>
+              <a:effectRef idx="0">
+                <a:schemeClr val="accent1"/>
+              </a:effectRef>
+              <a:fontRef idx="minor">
+                <a:schemeClr val="lt1"/>
+              </a:fontRef>
+            </p:style>
+            <p:txBody>
+              <a:bodyPr rtlCol="0" anchor="ctr"/>
+              <a:lstStyle/>
+              <a:p>
+                <a:pPr algn="ctr"/>
+                <a:endParaRPr lang="nl-NL"/>
+              </a:p>
+            </p:txBody>
+          </p:sp>
+          <p:sp>
+            <p:nvSpPr>
+              <p:cNvPr id="125" name="Rectangle 124"/>
+              <p:cNvSpPr/>
+              <p:nvPr/>
+            </p:nvSpPr>
+            <p:spPr>
+              <a:xfrm>
+                <a:off x="1995397" y="2894946"/>
+                <a:ext cx="244013" cy="117073"/>
+              </a:xfrm>
+              <a:prstGeom prst="rect">
+                <a:avLst/>
+              </a:prstGeom>
+              <a:solidFill>
+                <a:schemeClr val="accent6">
+                  <a:lumMod val="60000"/>
+                  <a:lumOff val="40000"/>
+                </a:schemeClr>
+              </a:solidFill>
+              <a:ln>
+                <a:solidFill>
+                  <a:schemeClr val="accent6">
+                    <a:lumMod val="75000"/>
+                  </a:schemeClr>
+                </a:solidFill>
+              </a:ln>
+            </p:spPr>
+            <p:style>
+              <a:lnRef idx="2">
+                <a:schemeClr val="accent1">
+                  <a:shade val="50000"/>
+                </a:schemeClr>
+              </a:lnRef>
+              <a:fillRef idx="1">
+                <a:schemeClr val="accent1"/>
+              </a:fillRef>
+              <a:effectRef idx="0">
+                <a:schemeClr val="accent1"/>
+              </a:effectRef>
+              <a:fontRef idx="minor">
+                <a:schemeClr val="lt1"/>
+              </a:fontRef>
+            </p:style>
+            <p:txBody>
+              <a:bodyPr rtlCol="0" anchor="ctr"/>
+              <a:lstStyle/>
+              <a:p>
+                <a:pPr algn="ctr"/>
+                <a:endParaRPr lang="nl-NL"/>
+              </a:p>
+            </p:txBody>
+          </p:sp>
+          <p:sp>
+            <p:nvSpPr>
+              <p:cNvPr id="126" name="Rectangle 125"/>
+              <p:cNvSpPr/>
+              <p:nvPr/>
+            </p:nvSpPr>
+            <p:spPr>
+              <a:xfrm>
+                <a:off x="2239410" y="2894946"/>
+                <a:ext cx="244013" cy="117073"/>
+              </a:xfrm>
+              <a:prstGeom prst="rect">
+                <a:avLst/>
+              </a:prstGeom>
+              <a:solidFill>
+                <a:schemeClr val="accent6">
+                  <a:lumMod val="60000"/>
+                  <a:lumOff val="40000"/>
+                </a:schemeClr>
+              </a:solidFill>
+              <a:ln>
+                <a:solidFill>
+                  <a:schemeClr val="accent6">
+                    <a:lumMod val="75000"/>
+                  </a:schemeClr>
+                </a:solidFill>
+              </a:ln>
+            </p:spPr>
+            <p:style>
+              <a:lnRef idx="2">
+                <a:schemeClr val="accent1">
+                  <a:shade val="50000"/>
+                </a:schemeClr>
+              </a:lnRef>
+              <a:fillRef idx="1">
+                <a:schemeClr val="accent1"/>
+              </a:fillRef>
+              <a:effectRef idx="0">
+                <a:schemeClr val="accent1"/>
+              </a:effectRef>
+              <a:fontRef idx="minor">
+                <a:schemeClr val="lt1"/>
+              </a:fontRef>
+            </p:style>
+            <p:txBody>
+              <a:bodyPr rtlCol="0" anchor="ctr"/>
+              <a:lstStyle/>
+              <a:p>
+                <a:pPr algn="ctr"/>
+                <a:endParaRPr lang="nl-NL"/>
+              </a:p>
+            </p:txBody>
+          </p:sp>
+          <p:sp>
+            <p:nvSpPr>
+              <p:cNvPr id="127" name="Rectangle 126"/>
+              <p:cNvSpPr/>
+              <p:nvPr/>
+            </p:nvSpPr>
+            <p:spPr>
+              <a:xfrm>
+                <a:off x="2486802" y="2894946"/>
+                <a:ext cx="244013" cy="117073"/>
+              </a:xfrm>
+              <a:prstGeom prst="rect">
+                <a:avLst/>
+              </a:prstGeom>
+              <a:solidFill>
+                <a:schemeClr val="accent6">
+                  <a:lumMod val="60000"/>
+                  <a:lumOff val="40000"/>
+                </a:schemeClr>
+              </a:solidFill>
+              <a:ln>
+                <a:solidFill>
+                  <a:schemeClr val="accent6">
+                    <a:lumMod val="75000"/>
+                  </a:schemeClr>
+                </a:solidFill>
+              </a:ln>
+            </p:spPr>
+            <p:style>
+              <a:lnRef idx="2">
+                <a:schemeClr val="accent1">
+                  <a:shade val="50000"/>
+                </a:schemeClr>
+              </a:lnRef>
+              <a:fillRef idx="1">
+                <a:schemeClr val="accent1"/>
+              </a:fillRef>
+              <a:effectRef idx="0">
+                <a:schemeClr val="accent1"/>
+              </a:effectRef>
+              <a:fontRef idx="minor">
+                <a:schemeClr val="lt1"/>
+              </a:fontRef>
+            </p:style>
+            <p:txBody>
+              <a:bodyPr rtlCol="0" anchor="ctr"/>
+              <a:lstStyle/>
+              <a:p>
+                <a:pPr algn="ctr"/>
+                <a:endParaRPr lang="nl-NL"/>
+              </a:p>
+            </p:txBody>
+          </p:sp>
+          <p:sp>
+            <p:nvSpPr>
+              <p:cNvPr id="128" name="Rectangle 127"/>
+              <p:cNvSpPr/>
+              <p:nvPr/>
+            </p:nvSpPr>
+            <p:spPr>
+              <a:xfrm>
+                <a:off x="2731771" y="2894946"/>
+                <a:ext cx="244013" cy="117073"/>
+              </a:xfrm>
+              <a:prstGeom prst="rect">
+                <a:avLst/>
+              </a:prstGeom>
+              <a:solidFill>
+                <a:schemeClr val="accent6">
+                  <a:lumMod val="60000"/>
+                  <a:lumOff val="40000"/>
+                </a:schemeClr>
+              </a:solidFill>
+              <a:ln>
+                <a:solidFill>
+                  <a:schemeClr val="accent6">
+                    <a:lumMod val="75000"/>
+                  </a:schemeClr>
+                </a:solidFill>
+              </a:ln>
+            </p:spPr>
+            <p:style>
+              <a:lnRef idx="2">
+                <a:schemeClr val="accent1">
+                  <a:shade val="50000"/>
+                </a:schemeClr>
+              </a:lnRef>
+              <a:fillRef idx="1">
+                <a:schemeClr val="accent1"/>
+              </a:fillRef>
+              <a:effectRef idx="0">
+                <a:schemeClr val="accent1"/>
+              </a:effectRef>
+              <a:fontRef idx="minor">
+                <a:schemeClr val="lt1"/>
+              </a:fontRef>
+            </p:style>
+            <p:txBody>
+              <a:bodyPr rtlCol="0" anchor="ctr"/>
+              <a:lstStyle/>
+              <a:p>
+                <a:pPr algn="ctr"/>
+                <a:endParaRPr lang="nl-NL"/>
+              </a:p>
+            </p:txBody>
+          </p:sp>
+        </p:grpSp>
+      </p:grpSp>
+      <p:sp>
+        <p:nvSpPr>
+          <p:cNvPr id="192" name="Rectangle 191"/>
+          <p:cNvSpPr/>
+          <p:nvPr/>
+        </p:nvSpPr>
+        <p:spPr>
+          <a:xfrm>
+            <a:off x="3244157" y="3235742"/>
+            <a:ext cx="250473" cy="119963"/>
+          </a:xfrm>
+          <a:prstGeom prst="rect">
+            <a:avLst/>
+          </a:prstGeom>
+          <a:solidFill>
+            <a:schemeClr val="accent6">
+              <a:lumMod val="60000"/>
+              <a:lumOff val="40000"/>
+            </a:schemeClr>
+          </a:solidFill>
+          <a:ln>
+            <a:solidFill>
+              <a:schemeClr val="accent6">
+                <a:lumMod val="75000"/>
+              </a:schemeClr>
+            </a:solidFill>
+          </a:ln>
+        </p:spPr>
+        <p:style>
+          <a:lnRef idx="2">
+            <a:schemeClr val="accent1">
+              <a:shade val="50000"/>
+            </a:schemeClr>
+          </a:lnRef>
+          <a:fillRef idx="1">
+            <a:schemeClr val="accent1"/>
+          </a:fillRef>
+          <a:effectRef idx="0">
+            <a:schemeClr val="accent1"/>
+          </a:effectRef>
+          <a:fontRef idx="minor">
+            <a:schemeClr val="lt1"/>
+          </a:fontRef>
+        </p:style>
+        <p:txBody>
+          <a:bodyPr rtlCol="0" anchor="ctr"/>
+          <a:lstStyle/>
+          <a:p>
+            <a:pPr algn="ctr"/>
+            <a:endParaRPr lang="nl-NL"/>
+          </a:p>
+        </p:txBody>
+      </p:sp>
+      <p:sp>
+        <p:nvSpPr>
+          <p:cNvPr id="193" name="Rectangle 192"/>
+          <p:cNvSpPr/>
+          <p:nvPr/>
+        </p:nvSpPr>
+        <p:spPr>
+          <a:xfrm>
+            <a:off x="3494629" y="3235742"/>
+            <a:ext cx="250473" cy="119963"/>
+          </a:xfrm>
+          <a:prstGeom prst="rect">
+            <a:avLst/>
+          </a:prstGeom>
+          <a:solidFill>
+            <a:schemeClr val="accent6">
+              <a:lumMod val="60000"/>
+              <a:lumOff val="40000"/>
+            </a:schemeClr>
+          </a:solidFill>
+          <a:ln>
+            <a:solidFill>
+              <a:schemeClr val="accent6">
+                <a:lumMod val="75000"/>
+              </a:schemeClr>
+            </a:solidFill>
+          </a:ln>
+        </p:spPr>
+        <p:style>
+          <a:lnRef idx="2">
+            <a:schemeClr val="accent1">
+              <a:shade val="50000"/>
+            </a:schemeClr>
+          </a:lnRef>
+          <a:fillRef idx="1">
+            <a:schemeClr val="accent1"/>
+          </a:fillRef>
+          <a:effectRef idx="0">
+            <a:schemeClr val="accent1"/>
+          </a:effectRef>
+          <a:fontRef idx="minor">
+            <a:schemeClr val="lt1"/>
+          </a:fontRef>
+        </p:style>
+        <p:txBody>
+          <a:bodyPr rtlCol="0" anchor="ctr"/>
+          <a:lstStyle/>
+          <a:p>
+            <a:pPr algn="ctr"/>
+            <a:endParaRPr lang="nl-NL"/>
+          </a:p>
+        </p:txBody>
+      </p:sp>
+      <p:sp>
+        <p:nvSpPr>
+          <p:cNvPr id="194" name="Rectangle 193"/>
+          <p:cNvSpPr/>
+          <p:nvPr/>
+        </p:nvSpPr>
+        <p:spPr>
+          <a:xfrm>
+            <a:off x="3745102" y="3235742"/>
+            <a:ext cx="250473" cy="119963"/>
+          </a:xfrm>
+          <a:prstGeom prst="rect">
+            <a:avLst/>
+          </a:prstGeom>
+          <a:solidFill>
+            <a:schemeClr val="accent6">
+              <a:lumMod val="60000"/>
+              <a:lumOff val="40000"/>
+            </a:schemeClr>
+          </a:solidFill>
+          <a:ln>
+            <a:solidFill>
+              <a:schemeClr val="accent6">
+                <a:lumMod val="75000"/>
+              </a:schemeClr>
+            </a:solidFill>
+          </a:ln>
+        </p:spPr>
+        <p:style>
+          <a:lnRef idx="2">
+            <a:schemeClr val="accent1">
+              <a:shade val="50000"/>
+            </a:schemeClr>
+          </a:lnRef>
+          <a:fillRef idx="1">
+            <a:schemeClr val="accent1"/>
+          </a:fillRef>
+          <a:effectRef idx="0">
+            <a:schemeClr val="accent1"/>
+          </a:effectRef>
+          <a:fontRef idx="minor">
+            <a:schemeClr val="lt1"/>
+          </a:fontRef>
+        </p:style>
+        <p:txBody>
+          <a:bodyPr rtlCol="0" anchor="ctr"/>
+          <a:lstStyle/>
+          <a:p>
+            <a:pPr algn="ctr"/>
+            <a:endParaRPr lang="nl-NL"/>
+          </a:p>
+        </p:txBody>
+      </p:sp>
+      <p:sp>
+        <p:nvSpPr>
+          <p:cNvPr id="195" name="Rectangle 194"/>
+          <p:cNvSpPr/>
+          <p:nvPr/>
+        </p:nvSpPr>
+        <p:spPr>
+          <a:xfrm>
+            <a:off x="3999044" y="3235742"/>
+            <a:ext cx="250473" cy="119963"/>
+          </a:xfrm>
+          <a:prstGeom prst="rect">
+            <a:avLst/>
+          </a:prstGeom>
+          <a:solidFill>
+            <a:schemeClr val="accent6">
+              <a:lumMod val="60000"/>
+              <a:lumOff val="40000"/>
+            </a:schemeClr>
+          </a:solidFill>
+          <a:ln>
+            <a:solidFill>
+              <a:schemeClr val="accent6">
+                <a:lumMod val="75000"/>
+              </a:schemeClr>
+            </a:solidFill>
+          </a:ln>
+        </p:spPr>
+        <p:style>
+          <a:lnRef idx="2">
+            <a:schemeClr val="accent1">
+              <a:shade val="50000"/>
+            </a:schemeClr>
+          </a:lnRef>
+          <a:fillRef idx="1">
+            <a:schemeClr val="accent1"/>
+          </a:fillRef>
+          <a:effectRef idx="0">
+            <a:schemeClr val="accent1"/>
+          </a:effectRef>
+          <a:fontRef idx="minor">
+            <a:schemeClr val="lt1"/>
+          </a:fontRef>
+        </p:style>
+        <p:txBody>
+          <a:bodyPr rtlCol="0" anchor="ctr"/>
+          <a:lstStyle/>
+          <a:p>
+            <a:pPr algn="ctr"/>
+            <a:endParaRPr lang="nl-NL"/>
+          </a:p>
+        </p:txBody>
+      </p:sp>
+      <p:sp>
+        <p:nvSpPr>
+          <p:cNvPr id="196" name="Rectangle 195"/>
+          <p:cNvSpPr/>
+          <p:nvPr/>
+        </p:nvSpPr>
+        <p:spPr>
+          <a:xfrm>
+            <a:off x="4252985" y="3235742"/>
+            <a:ext cx="250473" cy="119963"/>
+          </a:xfrm>
+          <a:prstGeom prst="rect">
+            <a:avLst/>
+          </a:prstGeom>
+          <a:solidFill>
+            <a:schemeClr val="accent6">
+              <a:lumMod val="60000"/>
+              <a:lumOff val="40000"/>
+            </a:schemeClr>
+          </a:solidFill>
+          <a:ln>
+            <a:solidFill>
+              <a:schemeClr val="accent6">
+                <a:lumMod val="75000"/>
+              </a:schemeClr>
+            </a:solidFill>
+          </a:ln>
+        </p:spPr>
+        <p:style>
+          <a:lnRef idx="2">
+            <a:schemeClr val="accent1">
+              <a:shade val="50000"/>
+            </a:schemeClr>
+          </a:lnRef>
+          <a:fillRef idx="1">
+            <a:schemeClr val="accent1"/>
+          </a:fillRef>
+          <a:effectRef idx="0">
+            <a:schemeClr val="accent1"/>
+          </a:effectRef>
+          <a:fontRef idx="minor">
+            <a:schemeClr val="lt1"/>
+          </a:fontRef>
+        </p:style>
+        <p:txBody>
+          <a:bodyPr rtlCol="0" anchor="ctr"/>
+          <a:lstStyle/>
+          <a:p>
+            <a:pPr algn="ctr"/>
+            <a:endParaRPr lang="nl-NL"/>
+          </a:p>
+        </p:txBody>
+      </p:sp>
+      <p:sp>
+        <p:nvSpPr>
+          <p:cNvPr id="197" name="Rectangle 196"/>
+          <p:cNvSpPr/>
+          <p:nvPr/>
+        </p:nvSpPr>
+        <p:spPr>
+          <a:xfrm>
+            <a:off x="4503457" y="3235742"/>
+            <a:ext cx="250473" cy="119963"/>
+          </a:xfrm>
+          <a:prstGeom prst="rect">
+            <a:avLst/>
+          </a:prstGeom>
+          <a:solidFill>
+            <a:schemeClr val="accent6">
+              <a:lumMod val="60000"/>
+              <a:lumOff val="40000"/>
+            </a:schemeClr>
+          </a:solidFill>
+          <a:ln>
+            <a:solidFill>
+              <a:schemeClr val="accent6">
+                <a:lumMod val="75000"/>
+              </a:schemeClr>
+            </a:solidFill>
+          </a:ln>
+        </p:spPr>
+        <p:style>
+          <a:lnRef idx="2">
+            <a:schemeClr val="accent1">
+              <a:shade val="50000"/>
+            </a:schemeClr>
+          </a:lnRef>
+          <a:fillRef idx="1">
+            <a:schemeClr val="accent1"/>
+          </a:fillRef>
+          <a:effectRef idx="0">
+            <a:schemeClr val="accent1"/>
+          </a:effectRef>
+          <a:fontRef idx="minor">
+            <a:schemeClr val="lt1"/>
+          </a:fontRef>
+        </p:style>
+        <p:txBody>
+          <a:bodyPr rtlCol="0" anchor="ctr"/>
+          <a:lstStyle/>
+          <a:p>
+            <a:pPr algn="ctr"/>
+            <a:endParaRPr lang="nl-NL"/>
+          </a:p>
+        </p:txBody>
+      </p:sp>
+      <p:sp>
+        <p:nvSpPr>
+          <p:cNvPr id="198" name="Rectangle 197"/>
+          <p:cNvSpPr/>
+          <p:nvPr/>
+        </p:nvSpPr>
+        <p:spPr>
+          <a:xfrm>
+            <a:off x="4753930" y="3235742"/>
+            <a:ext cx="250473" cy="119963"/>
+          </a:xfrm>
+          <a:prstGeom prst="rect">
+            <a:avLst/>
+          </a:prstGeom>
+          <a:solidFill>
+            <a:schemeClr val="accent6">
+              <a:lumMod val="60000"/>
+              <a:lumOff val="40000"/>
+            </a:schemeClr>
+          </a:solidFill>
+          <a:ln>
+            <a:solidFill>
+              <a:schemeClr val="accent6">
+                <a:lumMod val="75000"/>
+              </a:schemeClr>
+            </a:solidFill>
+          </a:ln>
+        </p:spPr>
+        <p:style>
+          <a:lnRef idx="2">
+            <a:schemeClr val="accent1">
+              <a:shade val="50000"/>
+            </a:schemeClr>
+          </a:lnRef>
+          <a:fillRef idx="1">
+            <a:schemeClr val="accent1"/>
+          </a:fillRef>
+          <a:effectRef idx="0">
+            <a:schemeClr val="accent1"/>
+          </a:effectRef>
+          <a:fontRef idx="minor">
+            <a:schemeClr val="lt1"/>
+          </a:fontRef>
+        </p:style>
+        <p:txBody>
+          <a:bodyPr rtlCol="0" anchor="ctr"/>
+          <a:lstStyle/>
+          <a:p>
+            <a:pPr algn="ctr"/>
+            <a:endParaRPr lang="nl-NL"/>
+          </a:p>
+        </p:txBody>
+      </p:sp>
+      <p:sp>
+        <p:nvSpPr>
+          <p:cNvPr id="199" name="Rectangle 198"/>
+          <p:cNvSpPr/>
+          <p:nvPr/>
+        </p:nvSpPr>
+        <p:spPr>
+          <a:xfrm>
+            <a:off x="2794630" y="2722935"/>
+            <a:ext cx="250473" cy="119963"/>
+          </a:xfrm>
+          <a:prstGeom prst="rect">
+            <a:avLst/>
+          </a:prstGeom>
+          <a:solidFill>
+            <a:schemeClr val="accent6">
+              <a:lumMod val="60000"/>
+              <a:lumOff val="40000"/>
+            </a:schemeClr>
+          </a:solidFill>
+          <a:ln>
+            <a:solidFill>
+              <a:schemeClr val="accent6">
+                <a:lumMod val="75000"/>
+              </a:schemeClr>
+            </a:solidFill>
+          </a:ln>
+        </p:spPr>
+        <p:style>
+          <a:lnRef idx="2">
+            <a:schemeClr val="accent1">
+              <a:shade val="50000"/>
+            </a:schemeClr>
+          </a:lnRef>
+          <a:fillRef idx="1">
+            <a:schemeClr val="accent1"/>
+          </a:fillRef>
+          <a:effectRef idx="0">
+            <a:schemeClr val="accent1"/>
+          </a:effectRef>
+          <a:fontRef idx="minor">
+            <a:schemeClr val="lt1"/>
+          </a:fontRef>
+        </p:style>
+        <p:txBody>
+          <a:bodyPr rtlCol="0" anchor="ctr"/>
+          <a:lstStyle/>
+          <a:p>
+            <a:pPr algn="ctr"/>
+            <a:endParaRPr lang="nl-NL"/>
+          </a:p>
+        </p:txBody>
+      </p:sp>
+      <p:sp>
+        <p:nvSpPr>
+          <p:cNvPr id="200" name="Rectangle 199"/>
+          <p:cNvSpPr/>
+          <p:nvPr/>
+        </p:nvSpPr>
+        <p:spPr>
+          <a:xfrm>
+            <a:off x="2989580" y="3206156"/>
+            <a:ext cx="250473" cy="119963"/>
+          </a:xfrm>
+          <a:prstGeom prst="rect">
+            <a:avLst/>
+          </a:prstGeom>
+          <a:solidFill>
+            <a:schemeClr val="accent6">
+              <a:lumMod val="60000"/>
+              <a:lumOff val="40000"/>
+            </a:schemeClr>
+          </a:solidFill>
+          <a:ln>
+            <a:solidFill>
+              <a:schemeClr val="accent6">
+                <a:lumMod val="75000"/>
+              </a:schemeClr>
+            </a:solidFill>
+          </a:ln>
+        </p:spPr>
+        <p:style>
+          <a:lnRef idx="2">
+            <a:schemeClr val="accent1">
+              <a:shade val="50000"/>
+            </a:schemeClr>
+          </a:lnRef>
+          <a:fillRef idx="1">
+            <a:schemeClr val="accent1"/>
+          </a:fillRef>
+          <a:effectRef idx="0">
+            <a:schemeClr val="accent1"/>
+          </a:effectRef>
+          <a:fontRef idx="minor">
+            <a:schemeClr val="lt1"/>
+          </a:fontRef>
+        </p:style>
+        <p:txBody>
+          <a:bodyPr rtlCol="0" anchor="ctr"/>
+          <a:lstStyle/>
+          <a:p>
+            <a:pPr algn="ctr"/>
+            <a:endParaRPr lang="nl-NL"/>
+          </a:p>
+        </p:txBody>
+      </p:sp>
+      <p:sp>
+        <p:nvSpPr>
+          <p:cNvPr id="202" name="Rectangle 201"/>
+          <p:cNvSpPr/>
+          <p:nvPr/>
+        </p:nvSpPr>
+        <p:spPr>
+          <a:xfrm>
+            <a:off x="3248241" y="4540631"/>
+            <a:ext cx="250473" cy="119963"/>
+          </a:xfrm>
+          <a:prstGeom prst="rect">
+            <a:avLst/>
+          </a:prstGeom>
+          <a:solidFill>
+            <a:schemeClr val="accent6">
+              <a:lumMod val="60000"/>
+              <a:lumOff val="40000"/>
+            </a:schemeClr>
+          </a:solidFill>
+          <a:ln>
+            <a:solidFill>
+              <a:schemeClr val="accent6">
+                <a:lumMod val="75000"/>
+              </a:schemeClr>
+            </a:solidFill>
+          </a:ln>
+        </p:spPr>
+        <p:style>
+          <a:lnRef idx="2">
+            <a:schemeClr val="accent1">
+              <a:shade val="50000"/>
+            </a:schemeClr>
+          </a:lnRef>
+          <a:fillRef idx="1">
+            <a:schemeClr val="accent1"/>
+          </a:fillRef>
+          <a:effectRef idx="0">
+            <a:schemeClr val="accent1"/>
+          </a:effectRef>
+          <a:fontRef idx="minor">
+            <a:schemeClr val="lt1"/>
+          </a:fontRef>
+        </p:style>
+        <p:txBody>
+          <a:bodyPr rtlCol="0" anchor="ctr"/>
+          <a:lstStyle/>
+          <a:p>
+            <a:pPr algn="ctr"/>
+            <a:endParaRPr lang="nl-NL"/>
+          </a:p>
+        </p:txBody>
+      </p:sp>
+      <p:sp>
+        <p:nvSpPr>
+          <p:cNvPr id="203" name="Rectangle 202"/>
+          <p:cNvSpPr/>
+          <p:nvPr/>
+        </p:nvSpPr>
+        <p:spPr>
+          <a:xfrm>
+            <a:off x="3498713" y="4540631"/>
+            <a:ext cx="250473" cy="119963"/>
+          </a:xfrm>
+          <a:prstGeom prst="rect">
+            <a:avLst/>
+          </a:prstGeom>
+          <a:solidFill>
+            <a:schemeClr val="accent6">
+              <a:lumMod val="60000"/>
+              <a:lumOff val="40000"/>
+            </a:schemeClr>
+          </a:solidFill>
+          <a:ln>
+            <a:solidFill>
+              <a:schemeClr val="accent6">
+                <a:lumMod val="75000"/>
+              </a:schemeClr>
+            </a:solidFill>
+          </a:ln>
+        </p:spPr>
+        <p:style>
+          <a:lnRef idx="2">
+            <a:schemeClr val="accent1">
+              <a:shade val="50000"/>
+            </a:schemeClr>
+          </a:lnRef>
+          <a:fillRef idx="1">
+            <a:schemeClr val="accent1"/>
+          </a:fillRef>
+          <a:effectRef idx="0">
+            <a:schemeClr val="accent1"/>
+          </a:effectRef>
+          <a:fontRef idx="minor">
+            <a:schemeClr val="lt1"/>
+          </a:fontRef>
+        </p:style>
+        <p:txBody>
+          <a:bodyPr rtlCol="0" anchor="ctr"/>
+          <a:lstStyle/>
+          <a:p>
+            <a:pPr algn="ctr"/>
+            <a:endParaRPr lang="nl-NL"/>
+          </a:p>
+        </p:txBody>
+      </p:sp>
+      <p:sp>
+        <p:nvSpPr>
+          <p:cNvPr id="204" name="Rectangle 203"/>
+          <p:cNvSpPr/>
+          <p:nvPr/>
+        </p:nvSpPr>
+        <p:spPr>
+          <a:xfrm>
+            <a:off x="3749187" y="4540631"/>
+            <a:ext cx="250473" cy="119963"/>
+          </a:xfrm>
+          <a:prstGeom prst="rect">
+            <a:avLst/>
+          </a:prstGeom>
+          <a:solidFill>
+            <a:schemeClr val="accent6">
+              <a:lumMod val="60000"/>
+              <a:lumOff val="40000"/>
+            </a:schemeClr>
+          </a:solidFill>
+          <a:ln>
+            <a:solidFill>
+              <a:schemeClr val="accent6">
+                <a:lumMod val="75000"/>
+              </a:schemeClr>
+            </a:solidFill>
+          </a:ln>
+        </p:spPr>
+        <p:style>
+          <a:lnRef idx="2">
+            <a:schemeClr val="accent1">
+              <a:shade val="50000"/>
+            </a:schemeClr>
+          </a:lnRef>
+          <a:fillRef idx="1">
+            <a:schemeClr val="accent1"/>
+          </a:fillRef>
+          <a:effectRef idx="0">
+            <a:schemeClr val="accent1"/>
+          </a:effectRef>
+          <a:fontRef idx="minor">
+            <a:schemeClr val="lt1"/>
+          </a:fontRef>
+        </p:style>
+        <p:txBody>
+          <a:bodyPr rtlCol="0" anchor="ctr"/>
+          <a:lstStyle/>
+          <a:p>
+            <a:pPr algn="ctr"/>
+            <a:endParaRPr lang="nl-NL"/>
+          </a:p>
+        </p:txBody>
+      </p:sp>
+      <p:sp>
+        <p:nvSpPr>
+          <p:cNvPr id="205" name="Rectangle 204"/>
+          <p:cNvSpPr/>
+          <p:nvPr/>
+        </p:nvSpPr>
+        <p:spPr>
+          <a:xfrm>
+            <a:off x="4003128" y="4540631"/>
+            <a:ext cx="250473" cy="119963"/>
+          </a:xfrm>
+          <a:prstGeom prst="rect">
+            <a:avLst/>
+          </a:prstGeom>
+          <a:solidFill>
+            <a:schemeClr val="accent6">
+              <a:lumMod val="60000"/>
+              <a:lumOff val="40000"/>
+            </a:schemeClr>
+          </a:solidFill>
+          <a:ln>
+            <a:solidFill>
+              <a:schemeClr val="accent6">
+                <a:lumMod val="75000"/>
+              </a:schemeClr>
+            </a:solidFill>
+          </a:ln>
+        </p:spPr>
+        <p:style>
+          <a:lnRef idx="2">
+            <a:schemeClr val="accent1">
+              <a:shade val="50000"/>
+            </a:schemeClr>
+          </a:lnRef>
+          <a:fillRef idx="1">
+            <a:schemeClr val="accent1"/>
+          </a:fillRef>
+          <a:effectRef idx="0">
+            <a:schemeClr val="accent1"/>
+          </a:effectRef>
+          <a:fontRef idx="minor">
+            <a:schemeClr val="lt1"/>
+          </a:fontRef>
+        </p:style>
+        <p:txBody>
+          <a:bodyPr rtlCol="0" anchor="ctr"/>
+          <a:lstStyle/>
+          <a:p>
+            <a:pPr algn="ctr"/>
+            <a:endParaRPr lang="nl-NL"/>
+          </a:p>
+        </p:txBody>
+      </p:sp>
+      <p:sp>
+        <p:nvSpPr>
+          <p:cNvPr id="206" name="Rectangle 205"/>
+          <p:cNvSpPr/>
+          <p:nvPr/>
+        </p:nvSpPr>
+        <p:spPr>
+          <a:xfrm>
+            <a:off x="4257070" y="4540631"/>
+            <a:ext cx="250473" cy="119963"/>
+          </a:xfrm>
+          <a:prstGeom prst="rect">
+            <a:avLst/>
+          </a:prstGeom>
+          <a:solidFill>
+            <a:schemeClr val="accent6">
+              <a:lumMod val="60000"/>
+              <a:lumOff val="40000"/>
+            </a:schemeClr>
+          </a:solidFill>
+          <a:ln>
+            <a:solidFill>
+              <a:schemeClr val="accent6">
+                <a:lumMod val="75000"/>
+              </a:schemeClr>
+            </a:solidFill>
+          </a:ln>
+        </p:spPr>
+        <p:style>
+          <a:lnRef idx="2">
+            <a:schemeClr val="accent1">
+              <a:shade val="50000"/>
+            </a:schemeClr>
+          </a:lnRef>
+          <a:fillRef idx="1">
+            <a:schemeClr val="accent1"/>
+          </a:fillRef>
+          <a:effectRef idx="0">
+            <a:schemeClr val="accent1"/>
+          </a:effectRef>
+          <a:fontRef idx="minor">
+            <a:schemeClr val="lt1"/>
+          </a:fontRef>
+        </p:style>
+        <p:txBody>
+          <a:bodyPr rtlCol="0" anchor="ctr"/>
+          <a:lstStyle/>
+          <a:p>
+            <a:pPr algn="ctr"/>
+            <a:endParaRPr lang="nl-NL"/>
+          </a:p>
+        </p:txBody>
+      </p:sp>
+      <p:sp>
+        <p:nvSpPr>
+          <p:cNvPr id="207" name="Rectangle 206"/>
+          <p:cNvSpPr/>
+          <p:nvPr/>
+        </p:nvSpPr>
+        <p:spPr>
+          <a:xfrm>
+            <a:off x="4507542" y="4540631"/>
+            <a:ext cx="250473" cy="119963"/>
+          </a:xfrm>
+          <a:prstGeom prst="rect">
+            <a:avLst/>
+          </a:prstGeom>
+          <a:solidFill>
+            <a:schemeClr val="accent6">
+              <a:lumMod val="60000"/>
+              <a:lumOff val="40000"/>
+            </a:schemeClr>
+          </a:solidFill>
+          <a:ln>
+            <a:solidFill>
+              <a:schemeClr val="accent6">
+                <a:lumMod val="75000"/>
+              </a:schemeClr>
+            </a:solidFill>
+          </a:ln>
+        </p:spPr>
+        <p:style>
+          <a:lnRef idx="2">
+            <a:schemeClr val="accent1">
+              <a:shade val="50000"/>
+            </a:schemeClr>
+          </a:lnRef>
+          <a:fillRef idx="1">
+            <a:schemeClr val="accent1"/>
+          </a:fillRef>
+          <a:effectRef idx="0">
+            <a:schemeClr val="accent1"/>
+          </a:effectRef>
+          <a:fontRef idx="minor">
+            <a:schemeClr val="lt1"/>
+          </a:fontRef>
+        </p:style>
+        <p:txBody>
+          <a:bodyPr rtlCol="0" anchor="ctr"/>
+          <a:lstStyle/>
+          <a:p>
+            <a:pPr algn="ctr"/>
+            <a:endParaRPr lang="nl-NL"/>
+          </a:p>
+        </p:txBody>
+      </p:sp>
+      <p:sp>
+        <p:nvSpPr>
+          <p:cNvPr id="208" name="Rectangle 207"/>
+          <p:cNvSpPr/>
+          <p:nvPr/>
+        </p:nvSpPr>
+        <p:spPr>
+          <a:xfrm>
+            <a:off x="4758015" y="4540631"/>
+            <a:ext cx="250473" cy="119963"/>
+          </a:xfrm>
+          <a:prstGeom prst="rect">
+            <a:avLst/>
+          </a:prstGeom>
+          <a:solidFill>
+            <a:schemeClr val="accent6">
+              <a:lumMod val="60000"/>
+              <a:lumOff val="40000"/>
+            </a:schemeClr>
+          </a:solidFill>
+          <a:ln>
+            <a:solidFill>
+              <a:schemeClr val="accent6">
+                <a:lumMod val="75000"/>
+              </a:schemeClr>
+            </a:solidFill>
+          </a:ln>
+        </p:spPr>
+        <p:style>
+          <a:lnRef idx="2">
+            <a:schemeClr val="accent1">
+              <a:shade val="50000"/>
+            </a:schemeClr>
+          </a:lnRef>
+          <a:fillRef idx="1">
+            <a:schemeClr val="accent1"/>
+          </a:fillRef>
+          <a:effectRef idx="0">
+            <a:schemeClr val="accent1"/>
+          </a:effectRef>
+          <a:fontRef idx="minor">
+            <a:schemeClr val="lt1"/>
+          </a:fontRef>
+        </p:style>
+        <p:txBody>
+          <a:bodyPr rtlCol="0" anchor="ctr"/>
+          <a:lstStyle/>
+          <a:p>
+            <a:pPr algn="ctr"/>
+            <a:endParaRPr lang="nl-NL"/>
+          </a:p>
+        </p:txBody>
+      </p:sp>
+      <p:grpSp>
+        <p:nvGrpSpPr>
+          <p:cNvPr id="211" name="Group 210"/>
+          <p:cNvGrpSpPr/>
+          <p:nvPr/>
+        </p:nvGrpSpPr>
+        <p:grpSpPr>
+          <a:xfrm rot="5400000">
+            <a:off x="2295479" y="3467144"/>
+            <a:ext cx="1703443" cy="444361"/>
+            <a:chOff x="1313379" y="2911144"/>
+            <a:chExt cx="1662405" cy="432900"/>
+          </a:xfrm>
+        </p:grpSpPr>
+        <p:sp>
+          <p:nvSpPr>
+            <p:cNvPr id="228" name="Rectangle 227"/>
+            <p:cNvSpPr/>
+            <p:nvPr/>
+          </p:nvSpPr>
+          <p:spPr>
+            <a:xfrm>
+              <a:off x="1313379" y="3226971"/>
+              <a:ext cx="244013" cy="117073"/>
+            </a:xfrm>
+            <a:prstGeom prst="rect">
+              <a:avLst/>
+            </a:prstGeom>
+            <a:solidFill>
+              <a:schemeClr val="accent6">
+                <a:lumMod val="60000"/>
+                <a:lumOff val="40000"/>
+              </a:schemeClr>
+            </a:solidFill>
+            <a:ln>
+              <a:solidFill>
+                <a:schemeClr val="accent6">
+                  <a:lumMod val="75000"/>
+                </a:schemeClr>
+              </a:solidFill>
+            </a:ln>
+          </p:spPr>
+          <p:style>
+            <a:lnRef idx="2">
+              <a:schemeClr val="accent1">
+                <a:shade val="50000"/>
+              </a:schemeClr>
+            </a:lnRef>
+            <a:fillRef idx="1">
+              <a:schemeClr val="accent1"/>
+            </a:fillRef>
+            <a:effectRef idx="0">
+              <a:schemeClr val="accent1"/>
+            </a:effectRef>
+            <a:fontRef idx="minor">
+              <a:schemeClr val="lt1"/>
+            </a:fontRef>
+          </p:style>
+          <p:txBody>
+            <a:bodyPr rtlCol="0" anchor="ctr"/>
+            <a:lstStyle/>
+            <a:p>
+              <a:pPr algn="ctr"/>
+              <a:endParaRPr lang="nl-NL"/>
+            </a:p>
+          </p:txBody>
+        </p:sp>
+        <p:sp>
+          <p:nvSpPr>
+            <p:cNvPr id="229" name="Rectangle 228"/>
+            <p:cNvSpPr/>
+            <p:nvPr/>
+          </p:nvSpPr>
+          <p:spPr>
+            <a:xfrm>
+              <a:off x="1544550" y="3226968"/>
+              <a:ext cx="244013" cy="117073"/>
+            </a:xfrm>
+            <a:prstGeom prst="rect">
+              <a:avLst/>
+            </a:prstGeom>
+            <a:solidFill>
+              <a:schemeClr val="accent6">
+                <a:lumMod val="60000"/>
+                <a:lumOff val="40000"/>
+              </a:schemeClr>
+            </a:solidFill>
+            <a:ln>
+              <a:solidFill>
+                <a:schemeClr val="accent6">
+                  <a:lumMod val="75000"/>
+                </a:schemeClr>
+              </a:solidFill>
+            </a:ln>
+          </p:spPr>
+          <p:style>
+            <a:lnRef idx="2">
+              <a:schemeClr val="accent1">
+                <a:shade val="50000"/>
+              </a:schemeClr>
+            </a:lnRef>
+            <a:fillRef idx="1">
+              <a:schemeClr val="accent1"/>
+            </a:fillRef>
+            <a:effectRef idx="0">
+              <a:schemeClr val="accent1"/>
+            </a:effectRef>
+            <a:fontRef idx="minor">
+              <a:schemeClr val="lt1"/>
+            </a:fontRef>
+          </p:style>
+          <p:txBody>
+            <a:bodyPr rtlCol="0" anchor="ctr"/>
+            <a:lstStyle/>
+            <a:p>
+              <a:pPr algn="ctr"/>
+              <a:endParaRPr lang="nl-NL"/>
+            </a:p>
+          </p:txBody>
+        </p:sp>
+        <p:sp>
+          <p:nvSpPr>
+            <p:cNvPr id="230" name="Rectangle 229"/>
+            <p:cNvSpPr/>
+            <p:nvPr/>
+          </p:nvSpPr>
+          <p:spPr>
+            <a:xfrm>
+              <a:off x="1751385" y="2911144"/>
+              <a:ext cx="244013" cy="117073"/>
+            </a:xfrm>
+            <a:prstGeom prst="rect">
+              <a:avLst/>
+            </a:prstGeom>
+            <a:solidFill>
+              <a:schemeClr val="accent6">
+                <a:lumMod val="60000"/>
+                <a:lumOff val="40000"/>
+              </a:schemeClr>
+            </a:solidFill>
+            <a:ln>
+              <a:solidFill>
+                <a:schemeClr val="accent6">
+                  <a:lumMod val="75000"/>
+                </a:schemeClr>
+              </a:solidFill>
+            </a:ln>
+          </p:spPr>
+          <p:style>
+            <a:lnRef idx="2">
+              <a:schemeClr val="accent1">
+                <a:shade val="50000"/>
+              </a:schemeClr>
+            </a:lnRef>
+            <a:fillRef idx="1">
+              <a:schemeClr val="accent1"/>
+            </a:fillRef>
+            <a:effectRef idx="0">
+              <a:schemeClr val="accent1"/>
+            </a:effectRef>
+            <a:fontRef idx="minor">
+              <a:schemeClr val="lt1"/>
+            </a:fontRef>
+          </p:style>
+          <p:txBody>
+            <a:bodyPr rtlCol="0" anchor="ctr"/>
+            <a:lstStyle/>
+            <a:p>
+              <a:pPr algn="ctr"/>
+              <a:endParaRPr lang="nl-NL"/>
+            </a:p>
+          </p:txBody>
+        </p:sp>
+        <p:sp>
+          <p:nvSpPr>
+            <p:cNvPr id="231" name="Rectangle 230"/>
+            <p:cNvSpPr/>
+            <p:nvPr/>
+          </p:nvSpPr>
+          <p:spPr>
+            <a:xfrm>
+              <a:off x="1995397" y="2911144"/>
+              <a:ext cx="244013" cy="117073"/>
+            </a:xfrm>
+            <a:prstGeom prst="rect">
+              <a:avLst/>
+            </a:prstGeom>
+            <a:solidFill>
+              <a:schemeClr val="accent6">
+                <a:lumMod val="60000"/>
+                <a:lumOff val="40000"/>
+              </a:schemeClr>
+            </a:solidFill>
+            <a:ln>
+              <a:solidFill>
+                <a:schemeClr val="accent6">
+                  <a:lumMod val="75000"/>
+                </a:schemeClr>
+              </a:solidFill>
+            </a:ln>
+          </p:spPr>
+          <p:style>
+            <a:lnRef idx="2">
+              <a:schemeClr val="accent1">
+                <a:shade val="50000"/>
+              </a:schemeClr>
+            </a:lnRef>
+            <a:fillRef idx="1">
+              <a:schemeClr val="accent1"/>
+            </a:fillRef>
+            <a:effectRef idx="0">
+              <a:schemeClr val="accent1"/>
+            </a:effectRef>
+            <a:fontRef idx="minor">
+              <a:schemeClr val="lt1"/>
+            </a:fontRef>
+          </p:style>
+          <p:txBody>
+            <a:bodyPr rtlCol="0" anchor="ctr"/>
+            <a:lstStyle/>
+            <a:p>
+              <a:pPr algn="ctr"/>
+              <a:endParaRPr lang="nl-NL"/>
+            </a:p>
+          </p:txBody>
+        </p:sp>
+        <p:sp>
+          <p:nvSpPr>
+            <p:cNvPr id="232" name="Rectangle 231"/>
+            <p:cNvSpPr/>
+            <p:nvPr/>
+          </p:nvSpPr>
+          <p:spPr>
+            <a:xfrm>
+              <a:off x="2239410" y="2911144"/>
+              <a:ext cx="244013" cy="117073"/>
+            </a:xfrm>
+            <a:prstGeom prst="rect">
+              <a:avLst/>
+            </a:prstGeom>
+            <a:solidFill>
+              <a:schemeClr val="accent6">
+                <a:lumMod val="60000"/>
+                <a:lumOff val="40000"/>
+              </a:schemeClr>
+            </a:solidFill>
+            <a:ln>
+              <a:solidFill>
+                <a:schemeClr val="accent6">
+                  <a:lumMod val="75000"/>
+                </a:schemeClr>
+              </a:solidFill>
+            </a:ln>
+          </p:spPr>
+          <p:style>
+            <a:lnRef idx="2">
+              <a:schemeClr val="accent1">
+                <a:shade val="50000"/>
+              </a:schemeClr>
+            </a:lnRef>
+            <a:fillRef idx="1">
+              <a:schemeClr val="accent1"/>
+            </a:fillRef>
+            <a:effectRef idx="0">
+              <a:schemeClr val="accent1"/>
+            </a:effectRef>
+            <a:fontRef idx="minor">
+              <a:schemeClr val="lt1"/>
+            </a:fontRef>
+          </p:style>
+          <p:txBody>
+            <a:bodyPr rtlCol="0" anchor="ctr"/>
+            <a:lstStyle/>
+            <a:p>
+              <a:pPr algn="ctr"/>
+              <a:endParaRPr lang="nl-NL"/>
+            </a:p>
+          </p:txBody>
+        </p:sp>
+        <p:sp>
+          <p:nvSpPr>
+            <p:cNvPr id="233" name="Rectangle 232"/>
+            <p:cNvSpPr/>
+            <p:nvPr/>
+          </p:nvSpPr>
+          <p:spPr>
+            <a:xfrm>
+              <a:off x="2486802" y="2911144"/>
+              <a:ext cx="244013" cy="117073"/>
+            </a:xfrm>
+            <a:prstGeom prst="rect">
+              <a:avLst/>
+            </a:prstGeom>
+            <a:solidFill>
+              <a:schemeClr val="accent6">
+                <a:lumMod val="60000"/>
+                <a:lumOff val="40000"/>
+              </a:schemeClr>
+            </a:solidFill>
+            <a:ln>
+              <a:solidFill>
+                <a:schemeClr val="accent6">
+                  <a:lumMod val="75000"/>
+                </a:schemeClr>
+              </a:solidFill>
+            </a:ln>
+          </p:spPr>
+          <p:style>
+            <a:lnRef idx="2">
+              <a:schemeClr val="accent1">
+                <a:shade val="50000"/>
+              </a:schemeClr>
+            </a:lnRef>
+            <a:fillRef idx="1">
+              <a:schemeClr val="accent1"/>
+            </a:fillRef>
+            <a:effectRef idx="0">
+              <a:schemeClr val="accent1"/>
+            </a:effectRef>
+            <a:fontRef idx="minor">
+              <a:schemeClr val="lt1"/>
+            </a:fontRef>
+          </p:style>
+          <p:txBody>
+            <a:bodyPr rtlCol="0" anchor="ctr"/>
+            <a:lstStyle/>
+            <a:p>
+              <a:pPr algn="ctr"/>
+              <a:endParaRPr lang="nl-NL"/>
+            </a:p>
+          </p:txBody>
+        </p:sp>
+        <p:sp>
+          <p:nvSpPr>
+            <p:cNvPr id="234" name="Rectangle 233"/>
+            <p:cNvSpPr/>
+            <p:nvPr/>
+          </p:nvSpPr>
+          <p:spPr>
+            <a:xfrm>
+              <a:off x="2731771" y="2911144"/>
+              <a:ext cx="244013" cy="117073"/>
+            </a:xfrm>
+            <a:prstGeom prst="rect">
+              <a:avLst/>
+            </a:prstGeom>
+            <a:solidFill>
+              <a:schemeClr val="accent6">
+                <a:lumMod val="60000"/>
+                <a:lumOff val="40000"/>
+              </a:schemeClr>
+            </a:solidFill>
+            <a:ln>
+              <a:solidFill>
+                <a:schemeClr val="accent6">
+                  <a:lumMod val="75000"/>
+                </a:schemeClr>
+              </a:solidFill>
+            </a:ln>
+          </p:spPr>
+          <p:style>
+            <a:lnRef idx="2">
+              <a:schemeClr val="accent1">
+                <a:shade val="50000"/>
+              </a:schemeClr>
+            </a:lnRef>
+            <a:fillRef idx="1">
+              <a:schemeClr val="accent1"/>
+            </a:fillRef>
+            <a:effectRef idx="0">
+              <a:schemeClr val="accent1"/>
+            </a:effectRef>
+            <a:fontRef idx="minor">
+              <a:schemeClr val="lt1"/>
+            </a:fontRef>
+          </p:style>
+          <p:txBody>
+            <a:bodyPr rtlCol="0" anchor="ctr"/>
+            <a:lstStyle/>
+            <a:p>
+              <a:pPr algn="ctr"/>
+              <a:endParaRPr lang="nl-NL"/>
+            </a:p>
+          </p:txBody>
+        </p:sp>
+      </p:grpSp>
+      <p:sp>
+        <p:nvSpPr>
+          <p:cNvPr id="215" name="Rectangle 214"/>
+          <p:cNvSpPr/>
+          <p:nvPr/>
+        </p:nvSpPr>
+        <p:spPr>
+          <a:xfrm rot="10800000">
+            <a:off x="4889627" y="3169325"/>
+            <a:ext cx="250037" cy="120172"/>
+          </a:xfrm>
+          <a:prstGeom prst="rect">
+            <a:avLst/>
+          </a:prstGeom>
+          <a:solidFill>
+            <a:schemeClr val="accent6">
+              <a:lumMod val="60000"/>
+              <a:lumOff val="40000"/>
+            </a:schemeClr>
+          </a:solidFill>
+          <a:ln>
+            <a:solidFill>
+              <a:schemeClr val="accent6">
+                <a:lumMod val="75000"/>
+              </a:schemeClr>
+            </a:solidFill>
+          </a:ln>
+        </p:spPr>
+        <p:style>
+          <a:lnRef idx="2">
+            <a:schemeClr val="accent1">
+              <a:shade val="50000"/>
+            </a:schemeClr>
+          </a:lnRef>
+          <a:fillRef idx="1">
+            <a:schemeClr val="accent1"/>
+          </a:fillRef>
+          <a:effectRef idx="0">
+            <a:schemeClr val="accent1"/>
+          </a:effectRef>
+          <a:fontRef idx="minor">
+            <a:schemeClr val="lt1"/>
+          </a:fontRef>
+        </p:style>
+        <p:txBody>
+          <a:bodyPr rtlCol="0" anchor="ctr"/>
+          <a:lstStyle/>
+          <a:p>
+            <a:pPr algn="ctr"/>
+            <a:endParaRPr lang="nl-NL"/>
+          </a:p>
+        </p:txBody>
+      </p:sp>
+      <p:sp>
+        <p:nvSpPr>
+          <p:cNvPr id="216" name="Rectangle 215"/>
+          <p:cNvSpPr/>
+          <p:nvPr/>
+        </p:nvSpPr>
+        <p:spPr>
+          <a:xfrm rot="10800000">
+            <a:off x="5122419" y="2745276"/>
+            <a:ext cx="250037" cy="120172"/>
+          </a:xfrm>
+          <a:prstGeom prst="rect">
+            <a:avLst/>
+          </a:prstGeom>
+          <a:solidFill>
+            <a:schemeClr val="accent6">
+              <a:lumMod val="60000"/>
+              <a:lumOff val="40000"/>
+            </a:schemeClr>
+          </a:solidFill>
+          <a:ln>
+            <a:solidFill>
+              <a:schemeClr val="accent6">
+                <a:lumMod val="75000"/>
+              </a:schemeClr>
+            </a:solidFill>
+          </a:ln>
+        </p:spPr>
+        <p:style>
+          <a:lnRef idx="2">
+            <a:schemeClr val="accent1">
+              <a:shade val="50000"/>
+            </a:schemeClr>
+          </a:lnRef>
+          <a:fillRef idx="1">
+            <a:schemeClr val="accent1"/>
+          </a:fillRef>
+          <a:effectRef idx="0">
+            <a:schemeClr val="accent1"/>
+          </a:effectRef>
+          <a:fontRef idx="minor">
+            <a:schemeClr val="lt1"/>
+          </a:fontRef>
+        </p:style>
+        <p:txBody>
+          <a:bodyPr rtlCol="0" anchor="ctr"/>
+          <a:lstStyle/>
+          <a:p>
+            <a:pPr algn="ctr"/>
+            <a:endParaRPr lang="nl-NL"/>
+          </a:p>
+        </p:txBody>
+      </p:sp>
+      <p:sp>
+        <p:nvSpPr>
+          <p:cNvPr id="217" name="Rectangle 216"/>
+          <p:cNvSpPr/>
+          <p:nvPr/>
+        </p:nvSpPr>
+        <p:spPr>
+          <a:xfrm rot="5400000">
+            <a:off x="5056157" y="2845582"/>
+            <a:ext cx="250037" cy="120172"/>
+          </a:xfrm>
+          <a:prstGeom prst="rect">
+            <a:avLst/>
+          </a:prstGeom>
+          <a:solidFill>
+            <a:schemeClr val="accent6">
+              <a:lumMod val="60000"/>
+              <a:lumOff val="40000"/>
+            </a:schemeClr>
+          </a:solidFill>
+          <a:ln>
+            <a:solidFill>
+              <a:schemeClr val="accent6">
+                <a:lumMod val="75000"/>
+              </a:schemeClr>
+            </a:solidFill>
+          </a:ln>
+        </p:spPr>
+        <p:style>
+          <a:lnRef idx="2">
+            <a:schemeClr val="accent1">
+              <a:shade val="50000"/>
+            </a:schemeClr>
+          </a:lnRef>
+          <a:fillRef idx="1">
+            <a:schemeClr val="accent1"/>
+          </a:fillRef>
+          <a:effectRef idx="0">
+            <a:schemeClr val="accent1"/>
+          </a:effectRef>
+          <a:fontRef idx="minor">
+            <a:schemeClr val="lt1"/>
+          </a:fontRef>
+        </p:style>
+        <p:txBody>
+          <a:bodyPr rtlCol="0" anchor="ctr"/>
+          <a:lstStyle/>
+          <a:p>
+            <a:pPr algn="ctr"/>
+            <a:endParaRPr lang="nl-NL"/>
+          </a:p>
+        </p:txBody>
+      </p:sp>
+      <p:sp>
+        <p:nvSpPr>
+          <p:cNvPr id="218" name="Rectangle 217"/>
+          <p:cNvSpPr/>
+          <p:nvPr/>
+        </p:nvSpPr>
+        <p:spPr>
+          <a:xfrm rot="5400000">
+            <a:off x="5056157" y="3099081"/>
+            <a:ext cx="250037" cy="120172"/>
+          </a:xfrm>
+          <a:prstGeom prst="rect">
+            <a:avLst/>
+          </a:prstGeom>
+          <a:solidFill>
+            <a:schemeClr val="accent6">
+              <a:lumMod val="60000"/>
+              <a:lumOff val="40000"/>
+            </a:schemeClr>
+          </a:solidFill>
+          <a:ln>
+            <a:solidFill>
+              <a:schemeClr val="accent6">
+                <a:lumMod val="75000"/>
+              </a:schemeClr>
+            </a:solidFill>
+          </a:ln>
+        </p:spPr>
+        <p:style>
+          <a:lnRef idx="2">
+            <a:schemeClr val="accent1">
+              <a:shade val="50000"/>
+            </a:schemeClr>
+          </a:lnRef>
+          <a:fillRef idx="1">
+            <a:schemeClr val="accent1"/>
+          </a:fillRef>
+          <a:effectRef idx="0">
+            <a:schemeClr val="accent1"/>
+          </a:effectRef>
+          <a:fontRef idx="minor">
+            <a:schemeClr val="lt1"/>
+          </a:fontRef>
+        </p:style>
+        <p:txBody>
+          <a:bodyPr rtlCol="0" anchor="ctr"/>
+          <a:lstStyle/>
+          <a:p>
+            <a:pPr algn="ctr"/>
+            <a:endParaRPr lang="nl-NL"/>
+          </a:p>
+        </p:txBody>
+      </p:sp>
+      <p:sp>
+        <p:nvSpPr>
+          <p:cNvPr id="219" name="Rectangle 218"/>
+          <p:cNvSpPr/>
+          <p:nvPr/>
+        </p:nvSpPr>
+        <p:spPr>
+          <a:xfrm rot="5400000">
+            <a:off x="4823402" y="3352580"/>
+            <a:ext cx="250037" cy="120172"/>
+          </a:xfrm>
+          <a:prstGeom prst="rect">
+            <a:avLst/>
+          </a:prstGeom>
+          <a:solidFill>
+            <a:schemeClr val="accent6">
+              <a:lumMod val="60000"/>
+              <a:lumOff val="40000"/>
+            </a:schemeClr>
+          </a:solidFill>
+          <a:ln>
+            <a:solidFill>
+              <a:schemeClr val="accent6">
+                <a:lumMod val="75000"/>
+              </a:schemeClr>
+            </a:solidFill>
+          </a:ln>
+        </p:spPr>
+        <p:style>
+          <a:lnRef idx="2">
+            <a:schemeClr val="accent1">
+              <a:shade val="50000"/>
+            </a:schemeClr>
+          </a:lnRef>
+          <a:fillRef idx="1">
+            <a:schemeClr val="accent1"/>
+          </a:fillRef>
+          <a:effectRef idx="0">
+            <a:schemeClr val="accent1"/>
+          </a:effectRef>
+          <a:fontRef idx="minor">
+            <a:schemeClr val="lt1"/>
+          </a:fontRef>
+        </p:style>
+        <p:txBody>
+          <a:bodyPr rtlCol="0" anchor="ctr"/>
+          <a:lstStyle/>
+          <a:p>
+            <a:pPr algn="ctr"/>
+            <a:endParaRPr lang="nl-NL"/>
+          </a:p>
+        </p:txBody>
+      </p:sp>
+      <p:sp>
+        <p:nvSpPr>
+          <p:cNvPr id="220" name="Rectangle 219"/>
+          <p:cNvSpPr/>
+          <p:nvPr/>
+        </p:nvSpPr>
+        <p:spPr>
+          <a:xfrm rot="5400000">
+            <a:off x="4823402" y="3602615"/>
+            <a:ext cx="250037" cy="120172"/>
+          </a:xfrm>
+          <a:prstGeom prst="rect">
+            <a:avLst/>
+          </a:prstGeom>
+          <a:solidFill>
+            <a:schemeClr val="accent6">
+              <a:lumMod val="60000"/>
+              <a:lumOff val="40000"/>
+            </a:schemeClr>
+          </a:solidFill>
+          <a:ln>
+            <a:solidFill>
+              <a:schemeClr val="accent6">
+                <a:lumMod val="75000"/>
+              </a:schemeClr>
+            </a:solidFill>
+          </a:ln>
+        </p:spPr>
+        <p:style>
+          <a:lnRef idx="2">
+            <a:schemeClr val="accent1">
+              <a:shade val="50000"/>
+            </a:schemeClr>
+          </a:lnRef>
+          <a:fillRef idx="1">
+            <a:schemeClr val="accent1"/>
+          </a:fillRef>
+          <a:effectRef idx="0">
+            <a:schemeClr val="accent1"/>
+          </a:effectRef>
+          <a:fontRef idx="minor">
+            <a:schemeClr val="lt1"/>
+          </a:fontRef>
+        </p:style>
+        <p:txBody>
+          <a:bodyPr rtlCol="0" anchor="ctr"/>
+          <a:lstStyle/>
+          <a:p>
+            <a:pPr algn="ctr"/>
+            <a:endParaRPr lang="nl-NL"/>
+          </a:p>
+        </p:txBody>
+      </p:sp>
+      <p:sp>
+        <p:nvSpPr>
+          <p:cNvPr id="221" name="Rectangle 220"/>
+          <p:cNvSpPr/>
+          <p:nvPr/>
+        </p:nvSpPr>
+        <p:spPr>
+          <a:xfrm rot="5400000">
+            <a:off x="4823402" y="3852652"/>
+            <a:ext cx="250037" cy="120172"/>
+          </a:xfrm>
+          <a:prstGeom prst="rect">
+            <a:avLst/>
+          </a:prstGeom>
+          <a:solidFill>
+            <a:schemeClr val="accent6">
+              <a:lumMod val="60000"/>
+              <a:lumOff val="40000"/>
+            </a:schemeClr>
+          </a:solidFill>
+          <a:ln>
+            <a:solidFill>
+              <a:schemeClr val="accent6">
+                <a:lumMod val="75000"/>
+              </a:schemeClr>
+            </a:solidFill>
+          </a:ln>
+        </p:spPr>
+        <p:style>
+          <a:lnRef idx="2">
+            <a:schemeClr val="accent1">
+              <a:shade val="50000"/>
+            </a:schemeClr>
+          </a:lnRef>
+          <a:fillRef idx="1">
+            <a:schemeClr val="accent1"/>
+          </a:fillRef>
+          <a:effectRef idx="0">
+            <a:schemeClr val="accent1"/>
+          </a:effectRef>
+          <a:fontRef idx="minor">
+            <a:schemeClr val="lt1"/>
+          </a:fontRef>
+        </p:style>
+        <p:txBody>
+          <a:bodyPr rtlCol="0" anchor="ctr"/>
+          <a:lstStyle/>
+          <a:p>
+            <a:pPr algn="ctr"/>
+            <a:endParaRPr lang="nl-NL"/>
+          </a:p>
+        </p:txBody>
+      </p:sp>
+      <p:sp>
+        <p:nvSpPr>
+          <p:cNvPr id="222" name="Rectangle 221"/>
+          <p:cNvSpPr/>
+          <p:nvPr/>
+        </p:nvSpPr>
+        <p:spPr>
+          <a:xfrm rot="5400000">
+            <a:off x="4823402" y="4106151"/>
+            <a:ext cx="250037" cy="120172"/>
+          </a:xfrm>
+          <a:prstGeom prst="rect">
+            <a:avLst/>
+          </a:prstGeom>
+          <a:solidFill>
+            <a:schemeClr val="accent6">
+              <a:lumMod val="60000"/>
+              <a:lumOff val="40000"/>
+            </a:schemeClr>
+          </a:solidFill>
+          <a:ln>
+            <a:solidFill>
+              <a:schemeClr val="accent6">
+                <a:lumMod val="75000"/>
+              </a:schemeClr>
+            </a:solidFill>
+          </a:ln>
+        </p:spPr>
+        <p:style>
+          <a:lnRef idx="2">
+            <a:schemeClr val="accent1">
+              <a:shade val="50000"/>
+            </a:schemeClr>
+          </a:lnRef>
+          <a:fillRef idx="1">
+            <a:schemeClr val="accent1"/>
+          </a:fillRef>
+          <a:effectRef idx="0">
+            <a:schemeClr val="accent1"/>
+          </a:effectRef>
+          <a:fontRef idx="minor">
+            <a:schemeClr val="lt1"/>
+          </a:fontRef>
+        </p:style>
+        <p:txBody>
+          <a:bodyPr rtlCol="0" anchor="ctr"/>
+          <a:lstStyle/>
+          <a:p>
+            <a:pPr algn="ctr"/>
+            <a:endParaRPr lang="nl-NL"/>
+          </a:p>
+        </p:txBody>
+      </p:sp>
+      <p:sp>
+        <p:nvSpPr>
+          <p:cNvPr id="223" name="Rectangle 222"/>
+          <p:cNvSpPr/>
+          <p:nvPr/>
+        </p:nvSpPr>
+        <p:spPr>
+          <a:xfrm rot="5400000">
+            <a:off x="4823402" y="4357167"/>
+            <a:ext cx="250037" cy="120172"/>
+          </a:xfrm>
+          <a:prstGeom prst="rect">
+            <a:avLst/>
+          </a:prstGeom>
+          <a:solidFill>
+            <a:schemeClr val="accent6">
+              <a:lumMod val="60000"/>
+              <a:lumOff val="40000"/>
+            </a:schemeClr>
+          </a:solidFill>
+          <a:ln>
+            <a:solidFill>
+              <a:schemeClr val="accent6">
+                <a:lumMod val="75000"/>
+              </a:schemeClr>
+            </a:solidFill>
+          </a:ln>
+        </p:spPr>
+        <p:style>
+          <a:lnRef idx="2">
+            <a:schemeClr val="accent1">
+              <a:shade val="50000"/>
+            </a:schemeClr>
+          </a:lnRef>
+          <a:fillRef idx="1">
+            <a:schemeClr val="accent1"/>
+          </a:fillRef>
+          <a:effectRef idx="0">
+            <a:schemeClr val="accent1"/>
+          </a:effectRef>
+          <a:fontRef idx="minor">
+            <a:schemeClr val="lt1"/>
+          </a:fontRef>
+        </p:style>
+        <p:txBody>
+          <a:bodyPr rtlCol="0" anchor="ctr"/>
+          <a:lstStyle/>
+          <a:p>
+            <a:pPr algn="ctr"/>
+            <a:endParaRPr lang="nl-NL"/>
+          </a:p>
+        </p:txBody>
+      </p:sp>
+      <p:sp>
+        <p:nvSpPr>
+          <p:cNvPr id="18" name="Rounded Rectangle 17"/>
+          <p:cNvSpPr/>
+          <p:nvPr/>
+        </p:nvSpPr>
+        <p:spPr>
+          <a:xfrm rot="16200000">
+            <a:off x="5648692" y="2725018"/>
+            <a:ext cx="1731637" cy="2304693"/>
+          </a:xfrm>
+          <a:prstGeom prst="roundRect">
+            <a:avLst>
+              <a:gd name="adj" fmla="val 7144"/>
+            </a:avLst>
+          </a:prstGeom>
+          <a:solidFill>
+            <a:srgbClr val="00B050"/>
+          </a:solidFill>
+          <a:ln>
+            <a:noFill/>
+          </a:ln>
+        </p:spPr>
+        <p:style>
+          <a:lnRef idx="2">
+            <a:schemeClr val="accent1">
+              <a:shade val="50000"/>
+            </a:schemeClr>
+          </a:lnRef>
+          <a:fillRef idx="1">
+            <a:schemeClr val="accent1"/>
+          </a:fillRef>
+          <a:effectRef idx="0">
+            <a:schemeClr val="accent1"/>
+          </a:effectRef>
+          <a:fontRef idx="minor">
+            <a:schemeClr val="lt1"/>
+          </a:fontRef>
+        </p:style>
+        <p:txBody>
+          <a:bodyPr rtlCol="0" anchor="ctr"/>
+          <a:lstStyle/>
+          <a:p>
+            <a:pPr algn="ctr"/>
+            <a:endParaRPr lang="nl-NL"/>
+          </a:p>
+        </p:txBody>
+      </p:sp>
+      <p:sp>
+        <p:nvSpPr>
+          <p:cNvPr id="235" name="Rounded Rectangle 234"/>
+          <p:cNvSpPr/>
+          <p:nvPr/>
+        </p:nvSpPr>
+        <p:spPr>
+          <a:xfrm>
+            <a:off x="3176747" y="329692"/>
+            <a:ext cx="1816352" cy="2770098"/>
+          </a:xfrm>
+          <a:prstGeom prst="roundRect">
+            <a:avLst>
+              <a:gd name="adj" fmla="val 7716"/>
+            </a:avLst>
+          </a:prstGeom>
+          <a:solidFill>
+            <a:srgbClr val="00B050"/>
+          </a:solidFill>
+          <a:ln>
+            <a:noFill/>
+          </a:ln>
+        </p:spPr>
+        <p:style>
+          <a:lnRef idx="2">
+            <a:schemeClr val="accent1">
+              <a:shade val="50000"/>
+            </a:schemeClr>
+          </a:lnRef>
+          <a:fillRef idx="1">
+            <a:schemeClr val="accent1"/>
+          </a:fillRef>
+          <a:effectRef idx="0">
+            <a:schemeClr val="accent1"/>
+          </a:effectRef>
+          <a:fontRef idx="minor">
+            <a:schemeClr val="lt1"/>
+          </a:fontRef>
+        </p:style>
+        <p:txBody>
+          <a:bodyPr rtlCol="0" anchor="ctr"/>
+          <a:lstStyle/>
+          <a:p>
+            <a:pPr algn="ctr"/>
+            <a:endParaRPr lang="nl-NL"/>
+          </a:p>
+        </p:txBody>
+      </p:sp>
+      <p:sp>
+        <p:nvSpPr>
+          <p:cNvPr id="237" name="Rounded Rectangle 236"/>
+          <p:cNvSpPr/>
+          <p:nvPr/>
+        </p:nvSpPr>
+        <p:spPr>
+          <a:xfrm rot="16200000">
+            <a:off x="4593193" y="3883224"/>
+            <a:ext cx="1387853" cy="332060"/>
+          </a:xfrm>
+          <a:prstGeom prst="roundRect">
+            <a:avLst>
+              <a:gd name="adj" fmla="val 28252"/>
+            </a:avLst>
+          </a:prstGeom>
+          <a:solidFill>
+            <a:srgbClr val="00B050"/>
+          </a:solidFill>
+          <a:ln>
+            <a:noFill/>
+          </a:ln>
+        </p:spPr>
+        <p:style>
+          <a:lnRef idx="2">
+            <a:schemeClr val="accent1">
+              <a:shade val="50000"/>
+            </a:schemeClr>
+          </a:lnRef>
+          <a:fillRef idx="1">
+            <a:schemeClr val="accent1"/>
+          </a:fillRef>
+          <a:effectRef idx="0">
+            <a:schemeClr val="accent1"/>
+          </a:effectRef>
+          <a:fontRef idx="minor">
+            <a:schemeClr val="lt1"/>
+          </a:fontRef>
+        </p:style>
+        <p:txBody>
+          <a:bodyPr rtlCol="0" anchor="ctr"/>
+          <a:lstStyle/>
+          <a:p>
+            <a:pPr algn="ctr"/>
+            <a:endParaRPr lang="nl-NL"/>
+          </a:p>
+        </p:txBody>
+      </p:sp>
+      <p:sp>
+        <p:nvSpPr>
+          <p:cNvPr id="238" name="Rounded Rectangle 237"/>
+          <p:cNvSpPr/>
+          <p:nvPr/>
+        </p:nvSpPr>
+        <p:spPr>
+          <a:xfrm rot="16200000">
+            <a:off x="789576" y="2717701"/>
+            <a:ext cx="1746266" cy="2304693"/>
+          </a:xfrm>
+          <a:prstGeom prst="roundRect">
+            <a:avLst>
+              <a:gd name="adj" fmla="val 7144"/>
+            </a:avLst>
+          </a:prstGeom>
+          <a:solidFill>
+            <a:srgbClr val="00B050"/>
+          </a:solidFill>
+          <a:ln>
+            <a:noFill/>
+          </a:ln>
+        </p:spPr>
+        <p:style>
+          <a:lnRef idx="2">
+            <a:schemeClr val="accent1">
+              <a:shade val="50000"/>
+            </a:schemeClr>
+          </a:lnRef>
+          <a:fillRef idx="1">
+            <a:schemeClr val="accent1"/>
+          </a:fillRef>
+          <a:effectRef idx="0">
+            <a:schemeClr val="accent1"/>
+          </a:effectRef>
+          <a:fontRef idx="minor">
+            <a:schemeClr val="lt1"/>
+          </a:fontRef>
+        </p:style>
+        <p:txBody>
+          <a:bodyPr rtlCol="0" anchor="ctr"/>
+          <a:lstStyle/>
+          <a:p>
+            <a:pPr algn="ctr"/>
+            <a:endParaRPr lang="nl-NL"/>
+          </a:p>
+        </p:txBody>
+      </p:sp>
+      <p:sp>
+        <p:nvSpPr>
+          <p:cNvPr id="239" name="Rounded Rectangle 238"/>
+          <p:cNvSpPr/>
+          <p:nvPr/>
+        </p:nvSpPr>
+        <p:spPr>
+          <a:xfrm rot="16200000">
+            <a:off x="2238558" y="3837442"/>
+            <a:ext cx="1334017" cy="477459"/>
+          </a:xfrm>
+          <a:prstGeom prst="roundRect">
+            <a:avLst>
+              <a:gd name="adj" fmla="val 26511"/>
+            </a:avLst>
+          </a:prstGeom>
+          <a:solidFill>
+            <a:srgbClr val="00B050"/>
+          </a:solidFill>
+          <a:ln>
+            <a:noFill/>
+          </a:ln>
+        </p:spPr>
+        <p:style>
+          <a:lnRef idx="2">
+            <a:schemeClr val="accent1">
+              <a:shade val="50000"/>
+            </a:schemeClr>
+          </a:lnRef>
+          <a:fillRef idx="1">
+            <a:schemeClr val="accent1"/>
+          </a:fillRef>
+          <a:effectRef idx="0">
+            <a:schemeClr val="accent1"/>
+          </a:effectRef>
+          <a:fontRef idx="minor">
+            <a:schemeClr val="lt1"/>
+          </a:fontRef>
+        </p:style>
+        <p:txBody>
+          <a:bodyPr rtlCol="0" anchor="ctr"/>
+          <a:lstStyle/>
+          <a:p>
+            <a:pPr algn="ctr"/>
+            <a:endParaRPr lang="nl-NL"/>
+          </a:p>
+        </p:txBody>
+      </p:sp>
+      <p:sp>
+        <p:nvSpPr>
+          <p:cNvPr id="240" name="Rounded Rectangle 239"/>
+          <p:cNvSpPr/>
+          <p:nvPr/>
+        </p:nvSpPr>
+        <p:spPr>
+          <a:xfrm>
+            <a:off x="4834577" y="332391"/>
+            <a:ext cx="421293" cy="2319096"/>
+          </a:xfrm>
+          <a:prstGeom prst="roundRect">
+            <a:avLst>
+              <a:gd name="adj" fmla="val 27448"/>
+            </a:avLst>
+          </a:prstGeom>
+          <a:solidFill>
+            <a:srgbClr val="00B050"/>
+          </a:solidFill>
+          <a:ln>
+            <a:noFill/>
+          </a:ln>
+        </p:spPr>
+        <p:style>
+          <a:lnRef idx="2">
+            <a:schemeClr val="accent1">
+              <a:shade val="50000"/>
+            </a:schemeClr>
+          </a:lnRef>
+          <a:fillRef idx="1">
+            <a:schemeClr val="accent1"/>
+          </a:fillRef>
+          <a:effectRef idx="0">
+            <a:schemeClr val="accent1"/>
+          </a:effectRef>
+          <a:fontRef idx="minor">
+            <a:schemeClr val="lt1"/>
+          </a:fontRef>
+        </p:style>
+        <p:txBody>
+          <a:bodyPr rtlCol="0" anchor="ctr"/>
+          <a:lstStyle/>
+          <a:p>
+            <a:pPr algn="ctr"/>
+            <a:endParaRPr lang="nl-NL"/>
+          </a:p>
+        </p:txBody>
+      </p:sp>
+      <p:sp>
+        <p:nvSpPr>
+          <p:cNvPr id="241" name="Rounded Rectangle 240"/>
+          <p:cNvSpPr/>
+          <p:nvPr/>
+        </p:nvSpPr>
+        <p:spPr>
+          <a:xfrm>
+            <a:off x="2992441" y="335428"/>
+            <a:ext cx="421293" cy="2319096"/>
+          </a:xfrm>
+          <a:prstGeom prst="roundRect">
+            <a:avLst>
+              <a:gd name="adj" fmla="val 27448"/>
+            </a:avLst>
+          </a:prstGeom>
+          <a:solidFill>
+            <a:srgbClr val="00B050"/>
+          </a:solidFill>
+          <a:ln>
+            <a:noFill/>
+          </a:ln>
+        </p:spPr>
+        <p:style>
+          <a:lnRef idx="2">
+            <a:schemeClr val="accent1">
+              <a:shade val="50000"/>
+            </a:schemeClr>
+          </a:lnRef>
+          <a:fillRef idx="1">
+            <a:schemeClr val="accent1"/>
+          </a:fillRef>
+          <a:effectRef idx="0">
+            <a:schemeClr val="accent1"/>
+          </a:effectRef>
+          <a:fontRef idx="minor">
+            <a:schemeClr val="lt1"/>
+          </a:fontRef>
+        </p:style>
+        <p:txBody>
+          <a:bodyPr rtlCol="0" anchor="ctr"/>
+          <a:lstStyle/>
+          <a:p>
+            <a:pPr algn="ctr"/>
+            <a:endParaRPr lang="nl-NL"/>
+          </a:p>
+        </p:txBody>
+      </p:sp>
+      <p:pic>
+        <p:nvPicPr>
+          <p:cNvPr id="248" name="Picture 247" descr="Free vector graphic: Restaurant, Stickman, Stick Figure ..."/>
+          <p:cNvPicPr>
+            <a:picLocks noChangeAspect="1"/>
+          </p:cNvPicPr>
+          <p:nvPr/>
+        </p:nvPicPr>
+        <p:blipFill>
+          <a:blip r:embed="rId2" cstate="print">
+            <a:extLst>
+              <a:ext uri="{28A0092B-C50C-407E-A947-70E740481C1C}">
+                <a14:useLocalDpi xmlns:a14="http://schemas.microsoft.com/office/drawing/2010/main" val="0"/>
+              </a:ext>
+            </a:extLst>
+          </a:blip>
+          <a:stretch>
+            <a:fillRect/>
+          </a:stretch>
+        </p:blipFill>
+        <p:spPr>
+          <a:xfrm>
+            <a:off x="3661641" y="3465773"/>
+            <a:ext cx="958039" cy="958039"/>
+          </a:xfrm>
+          <a:prstGeom prst="rect">
+            <a:avLst/>
+          </a:prstGeom>
+        </p:spPr>
+      </p:pic>
+      <p:pic>
+        <p:nvPicPr>
+          <p:cNvPr id="249" name="Picture 248" descr="Delivery (commerce) - Wikipedia"/>
+          <p:cNvPicPr>
+            <a:picLocks noChangeAspect="1"/>
+          </p:cNvPicPr>
+          <p:nvPr/>
+        </p:nvPicPr>
+        <p:blipFill>
+          <a:blip r:embed="rId3" cstate="print">
+            <a:extLst>
+              <a:ext uri="{28A0092B-C50C-407E-A947-70E740481C1C}">
+                <a14:useLocalDpi xmlns:a14="http://schemas.microsoft.com/office/drawing/2010/main" val="0"/>
+              </a:ext>
+            </a:extLst>
+          </a:blip>
+          <a:stretch>
+            <a:fillRect/>
+          </a:stretch>
+        </p:blipFill>
+        <p:spPr>
+          <a:xfrm>
+            <a:off x="953889" y="635782"/>
+            <a:ext cx="1723387" cy="1282816"/>
+          </a:xfrm>
+          <a:prstGeom prst="rect">
+            <a:avLst/>
+          </a:prstGeom>
+        </p:spPr>
+      </p:pic>
+      <p:pic>
+        <p:nvPicPr>
+          <p:cNvPr id="250" name="Picture 249" descr="Free Images : shopping, online, mobile, fashion, shop, app ..."/>
+          <p:cNvPicPr>
+            <a:picLocks noChangeAspect="1"/>
+          </p:cNvPicPr>
+          <p:nvPr/>
+        </p:nvPicPr>
+        <p:blipFill>
+          <a:blip r:embed="rId4" cstate="print">
+            <a:extLst>
+              <a:ext uri="{28A0092B-C50C-407E-A947-70E740481C1C}">
+                <a14:useLocalDpi xmlns:a14="http://schemas.microsoft.com/office/drawing/2010/main" val="0"/>
+              </a:ext>
+            </a:extLst>
+          </a:blip>
+          <a:stretch>
+            <a:fillRect/>
+          </a:stretch>
+        </p:blipFill>
+        <p:spPr>
+          <a:xfrm>
+            <a:off x="5527448" y="528365"/>
+            <a:ext cx="1878708" cy="1191414"/>
+          </a:xfrm>
+          <a:prstGeom prst="rect">
+            <a:avLst/>
+          </a:prstGeom>
+        </p:spPr>
+      </p:pic>
+      <p:pic>
+        <p:nvPicPr>
+          <p:cNvPr id="251" name="Picture 250" descr="Free vector graphic: Delivery, Girl, Courier, Woman - Free ..."/>
+          <p:cNvPicPr>
+            <a:picLocks noChangeAspect="1"/>
+          </p:cNvPicPr>
+          <p:nvPr/>
+        </p:nvPicPr>
+        <p:blipFill>
+          <a:blip r:embed="rId5" cstate="print">
+            <a:extLst>
+              <a:ext uri="{28A0092B-C50C-407E-A947-70E740481C1C}">
+                <a14:useLocalDpi xmlns:a14="http://schemas.microsoft.com/office/drawing/2010/main" val="0"/>
+              </a:ext>
+            </a:extLst>
+          </a:blip>
+          <a:stretch>
+            <a:fillRect/>
+          </a:stretch>
+        </p:blipFill>
+        <p:spPr>
+          <a:xfrm>
+            <a:off x="6485036" y="1342827"/>
+            <a:ext cx="810919" cy="1351532"/>
+          </a:xfrm>
+          <a:prstGeom prst="rect">
+            <a:avLst/>
+          </a:prstGeom>
+        </p:spPr>
+      </p:pic>
+      <p:pic>
+        <p:nvPicPr>
+          <p:cNvPr id="252" name="Picture 251" descr="Pepperoni Pizza Italian - Free image on Pixabay"/>
+          <p:cNvPicPr>
+            <a:picLocks noChangeAspect="1"/>
+          </p:cNvPicPr>
+          <p:nvPr/>
+        </p:nvPicPr>
+        <p:blipFill>
+          <a:blip r:embed="rId6">
+            <a:extLst>
+              <a:ext uri="{28A0092B-C50C-407E-A947-70E740481C1C}">
+                <a14:useLocalDpi xmlns:a14="http://schemas.microsoft.com/office/drawing/2010/main" val="0"/>
+              </a:ext>
+            </a:extLst>
+          </a:blip>
+          <a:stretch>
+            <a:fillRect/>
+          </a:stretch>
+        </p:blipFill>
+        <p:spPr>
+          <a:xfrm flipH="1">
+            <a:off x="3558281" y="2222949"/>
+            <a:ext cx="997333" cy="790837"/>
+          </a:xfrm>
+          <a:prstGeom prst="rect">
+            <a:avLst/>
+          </a:prstGeom>
+        </p:spPr>
+      </p:pic>
+      <p:sp>
+        <p:nvSpPr>
+          <p:cNvPr id="253" name="TextBox 252"/>
+          <p:cNvSpPr txBox="1"/>
+          <p:nvPr/>
+        </p:nvSpPr>
+        <p:spPr>
+          <a:xfrm>
+            <a:off x="1242276" y="1975257"/>
+            <a:ext cx="1234180" cy="646331"/>
+          </a:xfrm>
+          <a:prstGeom prst="rect">
+            <a:avLst/>
+          </a:prstGeom>
+          <a:noFill/>
+        </p:spPr>
+        <p:txBody>
+          <a:bodyPr wrap="square" rtlCol="0">
+            <a:spAutoFit/>
+          </a:bodyPr>
+          <a:lstStyle/>
+          <a:p>
+            <a:r>
+              <a:rPr lang="en-US" dirty="0" smtClean="0">
+                <a:latin typeface="Comic Sans MS" panose="030F0702030302020204" pitchFamily="66" charset="0"/>
+              </a:rPr>
+              <a:t>Run to collect !!</a:t>
+            </a:r>
+            <a:endParaRPr lang="nl-NL" dirty="0">
+              <a:latin typeface="Comic Sans MS" panose="030F0702030302020204" pitchFamily="66" charset="0"/>
+            </a:endParaRPr>
+          </a:p>
+        </p:txBody>
+      </p:sp>
     </p:spTree>
     <p:extLst>
       <p:ext uri="{BB962C8B-B14F-4D97-AF65-F5344CB8AC3E}">
-        <p14:creationId xmlns:p14="http://schemas.microsoft.com/office/powerpoint/2010/main" val="228806230"/>
+        <p14:creationId xmlns:p14="http://schemas.microsoft.com/office/powerpoint/2010/main" val="2366626753"/>
       </p:ext>
     </p:extLst>
   </p:cSld>
   <p:clrMapOvr>
     <a:masterClrMapping/>
   </p:clrMapOvr>
+  <p:timing>
+    <p:tnLst>
+      <p:par>
+        <p:cTn id="1" dur="indefinite" restart="never" nodeType="tmRoot"/>
+      </p:par>
+    </p:tnLst>
+  </p:timing>
 </p:sld>
 </file>
 
